--- a/Rubyレクチャー.pptx
+++ b/Rubyレクチャー.pptx
@@ -6,24 +6,42 @@
   </p:sldMasterIdLst>
   <p:sldIdLst>
     <p:sldId id="256" r:id="rId2"/>
-    <p:sldId id="257" r:id="rId3"/>
-    <p:sldId id="258" r:id="rId4"/>
-    <p:sldId id="259" r:id="rId5"/>
-    <p:sldId id="260" r:id="rId6"/>
-    <p:sldId id="261" r:id="rId7"/>
-    <p:sldId id="262" r:id="rId8"/>
-    <p:sldId id="263" r:id="rId9"/>
-    <p:sldId id="267" r:id="rId10"/>
-    <p:sldId id="265" r:id="rId11"/>
-    <p:sldId id="266" r:id="rId12"/>
-    <p:sldId id="268" r:id="rId13"/>
-    <p:sldId id="269" r:id="rId14"/>
-    <p:sldId id="270" r:id="rId15"/>
-    <p:sldId id="278" r:id="rId16"/>
-    <p:sldId id="285" r:id="rId17"/>
-    <p:sldId id="286" r:id="rId18"/>
-    <p:sldId id="284" r:id="rId19"/>
-    <p:sldId id="287" r:id="rId20"/>
+    <p:sldId id="288" r:id="rId3"/>
+    <p:sldId id="289" r:id="rId4"/>
+    <p:sldId id="257" r:id="rId5"/>
+    <p:sldId id="258" r:id="rId6"/>
+    <p:sldId id="259" r:id="rId7"/>
+    <p:sldId id="260" r:id="rId8"/>
+    <p:sldId id="261" r:id="rId9"/>
+    <p:sldId id="262" r:id="rId10"/>
+    <p:sldId id="263" r:id="rId11"/>
+    <p:sldId id="267" r:id="rId12"/>
+    <p:sldId id="293" r:id="rId13"/>
+    <p:sldId id="265" r:id="rId14"/>
+    <p:sldId id="294" r:id="rId15"/>
+    <p:sldId id="266" r:id="rId16"/>
+    <p:sldId id="295" r:id="rId17"/>
+    <p:sldId id="268" r:id="rId18"/>
+    <p:sldId id="296" r:id="rId19"/>
+    <p:sldId id="269" r:id="rId20"/>
+    <p:sldId id="290" r:id="rId21"/>
+    <p:sldId id="297" r:id="rId22"/>
+    <p:sldId id="278" r:id="rId23"/>
+    <p:sldId id="291" r:id="rId24"/>
+    <p:sldId id="298" r:id="rId25"/>
+    <p:sldId id="299" r:id="rId26"/>
+    <p:sldId id="300" r:id="rId27"/>
+    <p:sldId id="285" r:id="rId28"/>
+    <p:sldId id="292" r:id="rId29"/>
+    <p:sldId id="301" r:id="rId30"/>
+    <p:sldId id="286" r:id="rId31"/>
+    <p:sldId id="302" r:id="rId32"/>
+    <p:sldId id="303" r:id="rId33"/>
+    <p:sldId id="304" r:id="rId34"/>
+    <p:sldId id="284" r:id="rId35"/>
+    <p:sldId id="305" r:id="rId36"/>
+    <p:sldId id="306" r:id="rId37"/>
+    <p:sldId id="287" r:id="rId38"/>
   </p:sldIdLst>
   <p:sldSz cx="12192000" cy="6858000"/>
   <p:notesSz cx="6858000" cy="9144000"/>
@@ -261,7 +279,7 @@
           <a:p>
             <a:fld id="{217FA723-981E-4CDD-8D06-BA601B423B06}" type="datetimeFigureOut">
               <a:rPr kumimoji="1" lang="ja-JP" altLang="en-US" smtClean="0"/>
-              <a:t>2015/11/27</a:t>
+              <a:t>2015/11/28</a:t>
             </a:fld>
             <a:endParaRPr kumimoji="1" lang="ja-JP" altLang="en-US"/>
           </a:p>
@@ -463,7 +481,7 @@
           <a:p>
             <a:fld id="{217FA723-981E-4CDD-8D06-BA601B423B06}" type="datetimeFigureOut">
               <a:rPr kumimoji="1" lang="ja-JP" altLang="en-US" smtClean="0"/>
-              <a:t>2015/11/27</a:t>
+              <a:t>2015/11/28</a:t>
             </a:fld>
             <a:endParaRPr kumimoji="1" lang="ja-JP" altLang="en-US"/>
           </a:p>
@@ -675,7 +693,7 @@
           <a:p>
             <a:fld id="{217FA723-981E-4CDD-8D06-BA601B423B06}" type="datetimeFigureOut">
               <a:rPr kumimoji="1" lang="ja-JP" altLang="en-US" smtClean="0"/>
-              <a:t>2015/11/27</a:t>
+              <a:t>2015/11/28</a:t>
             </a:fld>
             <a:endParaRPr kumimoji="1" lang="ja-JP" altLang="en-US"/>
           </a:p>
@@ -877,7 +895,7 @@
           <a:p>
             <a:fld id="{217FA723-981E-4CDD-8D06-BA601B423B06}" type="datetimeFigureOut">
               <a:rPr kumimoji="1" lang="ja-JP" altLang="en-US" smtClean="0"/>
-              <a:t>2015/11/27</a:t>
+              <a:t>2015/11/28</a:t>
             </a:fld>
             <a:endParaRPr kumimoji="1" lang="ja-JP" altLang="en-US"/>
           </a:p>
@@ -1123,7 +1141,7 @@
           <a:p>
             <a:fld id="{217FA723-981E-4CDD-8D06-BA601B423B06}" type="datetimeFigureOut">
               <a:rPr kumimoji="1" lang="ja-JP" altLang="en-US" smtClean="0"/>
-              <a:t>2015/11/27</a:t>
+              <a:t>2015/11/28</a:t>
             </a:fld>
             <a:endParaRPr kumimoji="1" lang="ja-JP" altLang="en-US"/>
           </a:p>
@@ -1419,7 +1437,7 @@
           <a:p>
             <a:fld id="{217FA723-981E-4CDD-8D06-BA601B423B06}" type="datetimeFigureOut">
               <a:rPr kumimoji="1" lang="ja-JP" altLang="en-US" smtClean="0"/>
-              <a:t>2015/11/27</a:t>
+              <a:t>2015/11/28</a:t>
             </a:fld>
             <a:endParaRPr kumimoji="1" lang="ja-JP" altLang="en-US"/>
           </a:p>
@@ -1850,7 +1868,7 @@
           <a:p>
             <a:fld id="{217FA723-981E-4CDD-8D06-BA601B423B06}" type="datetimeFigureOut">
               <a:rPr kumimoji="1" lang="ja-JP" altLang="en-US" smtClean="0"/>
-              <a:t>2015/11/27</a:t>
+              <a:t>2015/11/28</a:t>
             </a:fld>
             <a:endParaRPr kumimoji="1" lang="ja-JP" altLang="en-US"/>
           </a:p>
@@ -1968,7 +1986,7 @@
           <a:p>
             <a:fld id="{217FA723-981E-4CDD-8D06-BA601B423B06}" type="datetimeFigureOut">
               <a:rPr kumimoji="1" lang="ja-JP" altLang="en-US" smtClean="0"/>
-              <a:t>2015/11/27</a:t>
+              <a:t>2015/11/28</a:t>
             </a:fld>
             <a:endParaRPr kumimoji="1" lang="ja-JP" altLang="en-US"/>
           </a:p>
@@ -2063,7 +2081,7 @@
           <a:p>
             <a:fld id="{217FA723-981E-4CDD-8D06-BA601B423B06}" type="datetimeFigureOut">
               <a:rPr kumimoji="1" lang="ja-JP" altLang="en-US" smtClean="0"/>
-              <a:t>2015/11/27</a:t>
+              <a:t>2015/11/28</a:t>
             </a:fld>
             <a:endParaRPr kumimoji="1" lang="ja-JP" altLang="en-US"/>
           </a:p>
@@ -2372,7 +2390,7 @@
           <a:p>
             <a:fld id="{217FA723-981E-4CDD-8D06-BA601B423B06}" type="datetimeFigureOut">
               <a:rPr kumimoji="1" lang="ja-JP" altLang="en-US" smtClean="0"/>
-              <a:t>2015/11/27</a:t>
+              <a:t>2015/11/28</a:t>
             </a:fld>
             <a:endParaRPr kumimoji="1" lang="ja-JP" altLang="en-US"/>
           </a:p>
@@ -2625,7 +2643,7 @@
           <a:p>
             <a:fld id="{217FA723-981E-4CDD-8D06-BA601B423B06}" type="datetimeFigureOut">
               <a:rPr kumimoji="1" lang="ja-JP" altLang="en-US" smtClean="0"/>
-              <a:t>2015/11/27</a:t>
+              <a:t>2015/11/28</a:t>
             </a:fld>
             <a:endParaRPr kumimoji="1" lang="ja-JP" altLang="en-US"/>
           </a:p>
@@ -2870,7 +2888,7 @@
           <a:p>
             <a:fld id="{217FA723-981E-4CDD-8D06-BA601B423B06}" type="datetimeFigureOut">
               <a:rPr kumimoji="1" lang="ja-JP" altLang="en-US" smtClean="0"/>
-              <a:t>2015/11/27</a:t>
+              <a:t>2015/11/28</a:t>
             </a:fld>
             <a:endParaRPr kumimoji="1" lang="ja-JP" altLang="en-US"/>
           </a:p>
@@ -3374,8 +3392,12 @@
           <a:lstStyle/>
           <a:p>
             <a:r>
-              <a:rPr kumimoji="1" lang="ja-JP" altLang="en-US" dirty="0" smtClean="0"/>
-              <a:t>入出力</a:t>
+              <a:rPr kumimoji="1" lang="en-US" altLang="ja-JP" dirty="0" smtClean="0"/>
+              <a:t>Ruby</a:t>
+            </a:r>
+            <a:r>
+              <a:rPr lang="ja-JP" altLang="en-US" dirty="0"/>
+              <a:t>特徴</a:t>
             </a:r>
             <a:endParaRPr kumimoji="1" lang="ja-JP" altLang="en-US" dirty="0"/>
           </a:p>
@@ -3393,8 +3415,8 @@
         </p:nvSpPr>
         <p:spPr>
           <a:xfrm>
-            <a:off x="220014" y="1825625"/>
-            <a:ext cx="11971986" cy="4351338"/>
+            <a:off x="838200" y="1454046"/>
+            <a:ext cx="10515600" cy="5403953"/>
           </a:xfrm>
         </p:spPr>
         <p:txBody>
@@ -3403,162 +3425,79 @@
           </a:bodyPr>
           <a:lstStyle/>
           <a:p>
-            <a:pPr marL="0" indent="0">
-              <a:buNone/>
-            </a:pPr>
-            <a:r>
-              <a:rPr lang="en-US" altLang="ja-JP" dirty="0" smtClean="0"/>
-              <a:t># -*- coding: </a:t>
-            </a:r>
-            <a:r>
-              <a:rPr lang="en-US" altLang="ja-JP" dirty="0" err="1" smtClean="0"/>
-              <a:t>shift_jis</a:t>
-            </a:r>
-            <a:r>
-              <a:rPr lang="en-US" altLang="ja-JP" dirty="0" smtClean="0"/>
-              <a:t> -*-</a:t>
-            </a:r>
-          </a:p>
-          <a:p>
-            <a:pPr marL="0" indent="0">
-              <a:buNone/>
-            </a:pPr>
-            <a:r>
-              <a:rPr lang="en-US" altLang="ja-JP" dirty="0" smtClean="0"/>
-              <a:t>print '</a:t>
-            </a:r>
-            <a:r>
-              <a:rPr lang="ja-JP" altLang="en-US" dirty="0" smtClean="0"/>
-              <a:t>整数入力</a:t>
-            </a:r>
-            <a:r>
-              <a:rPr lang="en-US" altLang="ja-JP" dirty="0" smtClean="0"/>
-              <a:t>'</a:t>
-            </a:r>
-          </a:p>
-          <a:p>
-            <a:pPr marL="0" indent="0">
-              <a:buNone/>
-            </a:pPr>
-            <a:r>
-              <a:rPr lang="en-US" altLang="ja-JP" dirty="0" smtClean="0"/>
-              <a:t>x=</a:t>
-            </a:r>
-            <a:r>
-              <a:rPr lang="en-US" altLang="ja-JP" dirty="0" err="1" smtClean="0"/>
-              <a:t>gets.chomp.to_f</a:t>
-            </a:r>
-            <a:r>
-              <a:rPr lang="ja-JP" altLang="en-US" dirty="0" smtClean="0"/>
-              <a:t>　　</a:t>
-            </a:r>
-            <a:r>
-              <a:rPr lang="en-US" altLang="ja-JP" dirty="0" smtClean="0"/>
-              <a:t>#get:</a:t>
-            </a:r>
-            <a:r>
-              <a:rPr lang="ja-JP" altLang="en-US" dirty="0" smtClean="0"/>
-              <a:t>キー入力 </a:t>
-            </a:r>
-            <a:r>
-              <a:rPr lang="en-US" altLang="ja-JP" dirty="0" smtClean="0"/>
-              <a:t>chomp:</a:t>
-            </a:r>
-            <a:r>
-              <a:rPr lang="ja-JP" altLang="en-US" dirty="0" smtClean="0"/>
-              <a:t>改行コード取り除く </a:t>
-            </a:r>
-            <a:r>
-              <a:rPr lang="en-US" altLang="ja-JP" dirty="0" err="1" smtClean="0"/>
-              <a:t>to_f:float</a:t>
-            </a:r>
-            <a:r>
-              <a:rPr lang="ja-JP" altLang="en-US" dirty="0" smtClean="0"/>
-              <a:t>型</a:t>
-            </a:r>
-            <a:endParaRPr lang="en-US" altLang="ja-JP" dirty="0" smtClean="0"/>
-          </a:p>
-          <a:p>
-            <a:pPr marL="0" indent="0">
-              <a:buNone/>
-            </a:pPr>
-            <a:r>
-              <a:rPr lang="en-US" altLang="ja-JP" dirty="0" smtClean="0"/>
-              <a:t>print "#{x}\n"</a:t>
-            </a:r>
-          </a:p>
-          <a:p>
-            <a:pPr marL="0" indent="0">
-              <a:buNone/>
-            </a:pPr>
-            <a:endParaRPr lang="en-US" altLang="ja-JP" dirty="0" smtClean="0"/>
-          </a:p>
-          <a:p>
-            <a:pPr marL="0" indent="0">
-              <a:buNone/>
-            </a:pPr>
-            <a:r>
-              <a:rPr lang="en-US" altLang="ja-JP" dirty="0" smtClean="0"/>
-              <a:t>print'</a:t>
-            </a:r>
-            <a:r>
-              <a:rPr lang="ja-JP" altLang="en-US" dirty="0" smtClean="0"/>
-              <a:t>文字列入力</a:t>
-            </a:r>
-            <a:r>
-              <a:rPr lang="en-US" altLang="ja-JP" dirty="0" smtClean="0"/>
-              <a:t>'</a:t>
-            </a:r>
-          </a:p>
-          <a:p>
-            <a:pPr marL="0" indent="0">
-              <a:buNone/>
-            </a:pPr>
-            <a:r>
-              <a:rPr lang="en-US" altLang="ja-JP" dirty="0" err="1" smtClean="0"/>
-              <a:t>mozi</a:t>
-            </a:r>
-            <a:r>
-              <a:rPr lang="en-US" altLang="ja-JP" dirty="0" smtClean="0"/>
-              <a:t>=</a:t>
-            </a:r>
-            <a:r>
-              <a:rPr lang="en-US" altLang="ja-JP" dirty="0" err="1" smtClean="0"/>
-              <a:t>gets.chomp</a:t>
-            </a:r>
-            <a:r>
-              <a:rPr lang="ja-JP" altLang="en-US" dirty="0" smtClean="0"/>
-              <a:t>　</a:t>
-            </a:r>
-            <a:endParaRPr lang="en-US" altLang="ja-JP" dirty="0" smtClean="0"/>
-          </a:p>
-          <a:p>
-            <a:pPr marL="0" indent="0">
-              <a:buNone/>
-            </a:pPr>
-            <a:r>
-              <a:rPr lang="en-US" altLang="ja-JP" dirty="0" smtClean="0"/>
-              <a:t>print"#{</a:t>
-            </a:r>
-            <a:r>
-              <a:rPr lang="en-US" altLang="ja-JP" dirty="0" err="1" smtClean="0"/>
-              <a:t>mozi</a:t>
-            </a:r>
-            <a:r>
-              <a:rPr lang="en-US" altLang="ja-JP" dirty="0" smtClean="0"/>
-              <a:t>}\n"</a:t>
-            </a:r>
-            <a:endParaRPr lang="ja-JP" altLang="en-US" dirty="0"/>
-          </a:p>
-          <a:p>
-            <a:endParaRPr kumimoji="1" lang="ja-JP" altLang="en-US" dirty="0"/>
+            <a:r>
+              <a:rPr lang="ja-JP" altLang="en-US" sz="3600" dirty="0"/>
+              <a:t>インタプリタ</a:t>
+            </a:r>
+            <a:r>
+              <a:rPr lang="ja-JP" altLang="en-US" sz="3600" dirty="0" smtClean="0"/>
+              <a:t>言語</a:t>
+            </a:r>
+            <a:endParaRPr lang="en-US" altLang="ja-JP" sz="3600" dirty="0" smtClean="0"/>
+          </a:p>
+          <a:p>
+            <a:pPr lvl="1"/>
+            <a:r>
+              <a:rPr lang="ja-JP" altLang="en-US" sz="3200" dirty="0"/>
+              <a:t>ソースコードはコンパイルせずに実行することが</a:t>
+            </a:r>
+            <a:r>
+              <a:rPr lang="ja-JP" altLang="en-US" sz="3200" dirty="0" smtClean="0"/>
+              <a:t>できる</a:t>
+            </a:r>
+            <a:endParaRPr kumimoji="1" lang="en-US" altLang="ja-JP" sz="3600" dirty="0"/>
+          </a:p>
+          <a:p>
+            <a:endParaRPr lang="en-US" altLang="ja-JP" sz="3600" dirty="0" smtClean="0"/>
+          </a:p>
+          <a:p>
+            <a:r>
+              <a:rPr lang="ja-JP" altLang="en-US" sz="3600" dirty="0" smtClean="0"/>
+              <a:t>オブジェクト指向</a:t>
+            </a:r>
+            <a:endParaRPr lang="en-US" altLang="ja-JP" sz="3600" dirty="0" smtClean="0"/>
+          </a:p>
+          <a:p>
+            <a:endParaRPr lang="en-US" altLang="ja-JP" sz="3600" dirty="0"/>
+          </a:p>
+          <a:p>
+            <a:r>
+              <a:rPr lang="ja-JP" altLang="en-US" sz="3600" dirty="0" smtClean="0"/>
+              <a:t>強い動的型付け言語</a:t>
+            </a:r>
+            <a:endParaRPr lang="en-US" altLang="ja-JP" sz="3600" dirty="0"/>
+          </a:p>
+          <a:p>
+            <a:pPr lvl="1" algn="just"/>
+            <a:r>
+              <a:rPr lang="en-US" altLang="ja-JP" sz="3200" dirty="0"/>
+              <a:t>Ruby </a:t>
+            </a:r>
+            <a:r>
+              <a:rPr lang="ja-JP" altLang="en-US" sz="3200" dirty="0"/>
+              <a:t>の変数にはどのような型の値でも代入すること</a:t>
+            </a:r>
+            <a:r>
+              <a:rPr lang="ja-JP" altLang="en-US" sz="3200" dirty="0" smtClean="0"/>
+              <a:t>ができる</a:t>
+            </a:r>
+            <a:endParaRPr lang="en-US" altLang="ja-JP" sz="3200" dirty="0" smtClean="0"/>
+          </a:p>
+          <a:p>
+            <a:endParaRPr lang="en-US" altLang="ja-JP" sz="3600" dirty="0"/>
+          </a:p>
+          <a:p>
+            <a:endParaRPr kumimoji="1" lang="en-US" altLang="ja-JP" sz="3600" dirty="0" smtClean="0"/>
+          </a:p>
+          <a:p>
+            <a:endParaRPr kumimoji="1" lang="ja-JP" altLang="en-US" sz="3600" dirty="0"/>
           </a:p>
         </p:txBody>
       </p:sp>
     </p:spTree>
     <p:extLst>
       <p:ext uri="{BB962C8B-B14F-4D97-AF65-F5344CB8AC3E}">
-        <p14:creationId xmlns:p14="http://schemas.microsoft.com/office/powerpoint/2010/main" val="3852766359"/>
+        <p14:creationId xmlns:p14="http://schemas.microsoft.com/office/powerpoint/2010/main" val="2730338146"/>
       </p:ext>
     </p:extLst>
   </p:cSld>
@@ -3608,12 +3547,8 @@
           <a:lstStyle/>
           <a:p>
             <a:r>
-              <a:rPr lang="en-US" altLang="ja-JP" dirty="0" smtClean="0"/>
-              <a:t>Times</a:t>
-            </a:r>
-            <a:r>
-              <a:rPr lang="ja-JP" altLang="en-US" dirty="0" smtClean="0"/>
-              <a:t>文</a:t>
+              <a:rPr kumimoji="1" lang="ja-JP" altLang="en-US" dirty="0" smtClean="0"/>
+              <a:t>変数宣言</a:t>
             </a:r>
             <a:endParaRPr kumimoji="1" lang="ja-JP" altLang="en-US" dirty="0"/>
           </a:p>
@@ -3640,15 +3575,15 @@
               <a:buNone/>
             </a:pPr>
             <a:r>
-              <a:rPr lang="en-US" altLang="ja-JP" sz="4000" dirty="0"/>
+              <a:rPr lang="en-US" altLang="ja-JP" dirty="0"/>
               <a:t># -*- coding: </a:t>
             </a:r>
             <a:r>
-              <a:rPr lang="en-US" altLang="ja-JP" sz="4000" dirty="0" err="1"/>
+              <a:rPr lang="en-US" altLang="ja-JP" dirty="0" err="1"/>
               <a:t>shift_jis</a:t>
             </a:r>
             <a:r>
-              <a:rPr lang="en-US" altLang="ja-JP" sz="4000" dirty="0"/>
+              <a:rPr lang="en-US" altLang="ja-JP" dirty="0"/>
               <a:t> -*-</a:t>
             </a:r>
           </a:p>
@@ -3656,88 +3591,102 @@
             <a:pPr marL="0" indent="0">
               <a:buNone/>
             </a:pPr>
-            <a:endParaRPr lang="en-US" altLang="ja-JP" sz="4000" dirty="0"/>
-          </a:p>
-          <a:p>
-            <a:pPr marL="0" indent="0">
-              <a:buNone/>
-            </a:pPr>
-            <a:r>
-              <a:rPr lang="en-US" altLang="ja-JP" sz="4000" dirty="0"/>
-              <a:t>10.times do |</a:t>
-            </a:r>
-            <a:r>
-              <a:rPr lang="en-US" altLang="ja-JP" sz="4000" dirty="0" err="1"/>
-              <a:t>i</a:t>
-            </a:r>
-            <a:r>
-              <a:rPr lang="en-US" altLang="ja-JP" sz="4000" dirty="0" smtClean="0"/>
-              <a:t>| </a:t>
-            </a:r>
-            <a:r>
-              <a:rPr lang="en-US" altLang="ja-JP" sz="4000" dirty="0" smtClean="0"/>
-              <a:t> </a:t>
-            </a:r>
-            <a:endParaRPr lang="en-US" altLang="ja-JP" sz="4000" dirty="0"/>
-          </a:p>
-          <a:p>
-            <a:pPr marL="0" indent="0">
-              <a:buNone/>
-            </a:pPr>
-            <a:r>
-              <a:rPr lang="en-US" altLang="ja-JP" sz="4000" dirty="0"/>
-              <a:t>	puts "</a:t>
-            </a:r>
-            <a:r>
-              <a:rPr lang="en-US" altLang="ja-JP" sz="4000" dirty="0" err="1"/>
-              <a:t>abc</a:t>
-            </a:r>
-            <a:r>
-              <a:rPr lang="en-US" altLang="ja-JP" sz="4000" dirty="0"/>
-              <a:t>"</a:t>
-            </a:r>
-          </a:p>
-          <a:p>
-            <a:pPr marL="0" indent="0">
-              <a:buNone/>
-            </a:pPr>
-            <a:r>
-              <a:rPr lang="en-US" altLang="ja-JP" sz="4000" dirty="0"/>
-              <a:t>	puts "#{</a:t>
-            </a:r>
-            <a:r>
-              <a:rPr lang="en-US" altLang="ja-JP" sz="4000" dirty="0" err="1"/>
-              <a:t>i</a:t>
-            </a:r>
-            <a:r>
-              <a:rPr lang="en-US" altLang="ja-JP" sz="4000" dirty="0"/>
-              <a:t>}</a:t>
-            </a:r>
-            <a:r>
-              <a:rPr lang="ja-JP" altLang="en-US" sz="4000" dirty="0"/>
-              <a:t>回目の繰り返しです</a:t>
-            </a:r>
-            <a:r>
-              <a:rPr lang="en-US" altLang="ja-JP" sz="4000" dirty="0"/>
-              <a:t>.\n"</a:t>
-            </a:r>
-          </a:p>
-          <a:p>
-            <a:pPr marL="0" indent="0">
-              <a:buNone/>
-            </a:pPr>
-            <a:r>
-              <a:rPr lang="en-US" altLang="ja-JP" sz="4000" dirty="0"/>
-              <a:t>end</a:t>
-            </a:r>
-            <a:endParaRPr kumimoji="1" lang="ja-JP" altLang="en-US" sz="4000" dirty="0"/>
+            <a:endParaRPr lang="en-US" altLang="ja-JP" dirty="0"/>
+          </a:p>
+          <a:p>
+            <a:pPr marL="0" indent="0">
+              <a:buNone/>
+            </a:pPr>
+            <a:r>
+              <a:rPr lang="en-US" altLang="ja-JP" dirty="0"/>
+              <a:t>#</a:t>
+            </a:r>
+            <a:r>
+              <a:rPr lang="ja-JP" altLang="en-US" dirty="0"/>
+              <a:t>変数宣言</a:t>
+            </a:r>
+          </a:p>
+          <a:p>
+            <a:pPr marL="0" indent="0">
+              <a:buNone/>
+            </a:pPr>
+            <a:r>
+              <a:rPr lang="en-US" altLang="ja-JP" dirty="0"/>
+              <a:t>x=5.0</a:t>
+            </a:r>
+          </a:p>
+          <a:p>
+            <a:pPr marL="0" indent="0">
+              <a:buNone/>
+            </a:pPr>
+            <a:r>
+              <a:rPr lang="en-US" altLang="ja-JP" dirty="0"/>
+              <a:t>y=9.0</a:t>
+            </a:r>
+          </a:p>
+          <a:p>
+            <a:pPr marL="0" indent="0">
+              <a:buNone/>
+            </a:pPr>
+            <a:endParaRPr lang="en-US" altLang="ja-JP" dirty="0"/>
+          </a:p>
+          <a:p>
+            <a:pPr marL="0" indent="0">
+              <a:buNone/>
+            </a:pPr>
+            <a:r>
+              <a:rPr lang="en-US" altLang="ja-JP" dirty="0"/>
+              <a:t>mean=(</a:t>
+            </a:r>
+            <a:r>
+              <a:rPr lang="en-US" altLang="ja-JP" dirty="0" err="1"/>
+              <a:t>x+y</a:t>
+            </a:r>
+            <a:r>
+              <a:rPr lang="en-US" altLang="ja-JP" dirty="0"/>
+              <a:t>)/2</a:t>
+            </a:r>
+          </a:p>
+          <a:p>
+            <a:pPr marL="0" indent="0">
+              <a:buNone/>
+            </a:pPr>
+            <a:r>
+              <a:rPr lang="en-US" altLang="ja-JP" dirty="0"/>
+              <a:t>puts("#{x}</a:t>
+            </a:r>
+            <a:r>
+              <a:rPr lang="ja-JP" altLang="en-US" dirty="0"/>
+              <a:t>と</a:t>
+            </a:r>
+            <a:r>
+              <a:rPr lang="en-US" altLang="ja-JP" dirty="0"/>
+              <a:t>#{y}</a:t>
+            </a:r>
+            <a:r>
+              <a:rPr lang="ja-JP" altLang="en-US" dirty="0"/>
+              <a:t>の平均は</a:t>
+            </a:r>
+            <a:r>
+              <a:rPr lang="en-US" altLang="ja-JP" dirty="0"/>
+              <a:t>#{mean}</a:t>
+            </a:r>
+            <a:r>
+              <a:rPr lang="ja-JP" altLang="en-US" dirty="0"/>
+              <a:t>である</a:t>
+            </a:r>
+            <a:r>
+              <a:rPr lang="en-US" altLang="ja-JP" dirty="0"/>
+              <a:t>.")</a:t>
+            </a:r>
+            <a:endParaRPr kumimoji="1" lang="ja-JP" altLang="en-US" dirty="0"/>
           </a:p>
         </p:txBody>
       </p:sp>
     </p:spTree>
     <p:extLst>
       <p:ext uri="{BB962C8B-B14F-4D97-AF65-F5344CB8AC3E}">
-        <p14:creationId xmlns:p14="http://schemas.microsoft.com/office/powerpoint/2010/main" val="1197385223"/>
+        <p14:creationId xmlns:p14="http://schemas.microsoft.com/office/powerpoint/2010/main" val="917073752"/>
       </p:ext>
     </p:extLst>
   </p:cSld>
@@ -3787,8 +3736,8 @@
           <a:lstStyle/>
           <a:p>
             <a:r>
-              <a:rPr lang="ja-JP" altLang="en-US" dirty="0"/>
-              <a:t>配列</a:t>
+              <a:rPr kumimoji="1" lang="ja-JP" altLang="en-US" dirty="0" smtClean="0"/>
+              <a:t>変数宣言</a:t>
             </a:r>
             <a:endParaRPr kumimoji="1" lang="ja-JP" altLang="en-US" dirty="0"/>
           </a:p>
@@ -3806,129 +3755,131 @@
         </p:nvSpPr>
         <p:spPr/>
         <p:txBody>
-          <a:bodyPr>
-            <a:normAutofit/>
-          </a:bodyPr>
-          <a:lstStyle/>
-          <a:p>
-            <a:pPr marL="0" indent="0">
-              <a:buNone/>
-            </a:pPr>
-            <a:r>
-              <a:rPr lang="en-US" altLang="ja-JP" sz="3600" dirty="0"/>
+          <a:bodyPr/>
+          <a:lstStyle/>
+          <a:p>
+            <a:r>
+              <a:rPr lang="en-US" altLang="ja-JP" dirty="0"/>
               <a:t># -*- coding: </a:t>
             </a:r>
             <a:r>
-              <a:rPr lang="en-US" altLang="ja-JP" sz="3600" dirty="0" err="1"/>
+              <a:rPr lang="en-US" altLang="ja-JP" dirty="0" err="1"/>
               <a:t>shift_jis</a:t>
             </a:r>
             <a:r>
-              <a:rPr lang="en-US" altLang="ja-JP" sz="3600" dirty="0"/>
-              <a:t> -*-</a:t>
-            </a:r>
-          </a:p>
-          <a:p>
-            <a:pPr marL="0" indent="0">
-              <a:buNone/>
-            </a:pPr>
-            <a:r>
-              <a:rPr lang="en-US" altLang="ja-JP" sz="3600" dirty="0"/>
-              <a:t># Ruby Test</a:t>
-            </a:r>
-          </a:p>
-          <a:p>
-            <a:pPr marL="0" indent="0">
-              <a:buNone/>
-            </a:pPr>
-            <a:endParaRPr lang="en-US" altLang="ja-JP" sz="3600" dirty="0"/>
-          </a:p>
-          <a:p>
-            <a:pPr marL="0" indent="0">
-              <a:buNone/>
-            </a:pPr>
-            <a:r>
-              <a:rPr lang="en-US" altLang="ja-JP" sz="3600" dirty="0"/>
-              <a:t>names=["</a:t>
-            </a:r>
-            <a:r>
-              <a:rPr lang="en-US" altLang="ja-JP" sz="3600" dirty="0" err="1"/>
-              <a:t>ando</a:t>
-            </a:r>
-            <a:r>
-              <a:rPr lang="en-US" altLang="ja-JP" sz="3600" dirty="0"/>
-              <a:t>","</a:t>
-            </a:r>
-            <a:r>
-              <a:rPr lang="en-US" altLang="ja-JP" sz="3600" dirty="0" err="1"/>
-              <a:t>ito</a:t>
-            </a:r>
-            <a:r>
-              <a:rPr lang="en-US" altLang="ja-JP" sz="3600" dirty="0"/>
-              <a:t>","</a:t>
-            </a:r>
-            <a:r>
-              <a:rPr lang="en-US" altLang="ja-JP" sz="3600" dirty="0" err="1"/>
-              <a:t>ueno</a:t>
-            </a:r>
-            <a:r>
-              <a:rPr lang="en-US" altLang="ja-JP" sz="3600" dirty="0"/>
-              <a:t>"]</a:t>
-            </a:r>
-          </a:p>
-          <a:p>
-            <a:pPr marL="0" indent="0">
-              <a:buNone/>
-            </a:pPr>
-            <a:r>
-              <a:rPr lang="en-US" altLang="ja-JP" sz="3600" dirty="0" err="1"/>
-              <a:t>names.size.times</a:t>
-            </a:r>
-            <a:r>
-              <a:rPr lang="en-US" altLang="ja-JP" sz="3600" dirty="0"/>
-              <a:t>{|</a:t>
-            </a:r>
-            <a:r>
-              <a:rPr lang="en-US" altLang="ja-JP" sz="3600" dirty="0" err="1"/>
-              <a:t>i</a:t>
-            </a:r>
-            <a:r>
-              <a:rPr lang="en-US" altLang="ja-JP" sz="3600" dirty="0"/>
-              <a:t>| </a:t>
-            </a:r>
-          </a:p>
-          <a:p>
-            <a:pPr marL="0" indent="0">
-              <a:buNone/>
-            </a:pPr>
-            <a:r>
-              <a:rPr lang="en-US" altLang="ja-JP" sz="3600" dirty="0"/>
-              <a:t>	puts names[</a:t>
-            </a:r>
-            <a:r>
-              <a:rPr lang="en-US" altLang="ja-JP" sz="3600" dirty="0" err="1"/>
-              <a:t>i</a:t>
-            </a:r>
-            <a:r>
-              <a:rPr lang="en-US" altLang="ja-JP" sz="3600" dirty="0"/>
-              <a:t>]</a:t>
-            </a:r>
-          </a:p>
-          <a:p>
-            <a:pPr marL="0" indent="0">
-              <a:buNone/>
-            </a:pPr>
-            <a:r>
-              <a:rPr lang="en-US" altLang="ja-JP" sz="3600" dirty="0"/>
+              <a:rPr lang="en-US" altLang="ja-JP" dirty="0"/>
+              <a:t> </a:t>
+            </a:r>
+            <a:r>
+              <a:rPr lang="en-US" altLang="ja-JP" dirty="0" smtClean="0"/>
+              <a:t>-*- </a:t>
+            </a:r>
+            <a:r>
+              <a:rPr lang="ja-JP" altLang="en-US" dirty="0" smtClean="0"/>
+              <a:t>文字コード指定</a:t>
+            </a:r>
+            <a:endParaRPr lang="en-US" altLang="ja-JP" dirty="0" smtClean="0"/>
+          </a:p>
+          <a:p>
+            <a:endParaRPr lang="en-US" altLang="ja-JP" dirty="0"/>
+          </a:p>
+          <a:p>
+            <a:r>
+              <a:rPr lang="en-US" altLang="ja-JP" dirty="0" smtClean="0"/>
+              <a:t>Ruby</a:t>
+            </a:r>
+            <a:r>
+              <a:rPr lang="ja-JP" altLang="en-US" dirty="0" smtClean="0"/>
+              <a:t>は変数宣言</a:t>
+            </a:r>
+            <a:r>
+              <a:rPr lang="en-US" altLang="ja-JP" dirty="0" smtClean="0"/>
+              <a:t>(</a:t>
+            </a:r>
+            <a:r>
+              <a:rPr lang="en-US" altLang="ja-JP" dirty="0" err="1" smtClean="0"/>
+              <a:t>int,float</a:t>
+            </a:r>
+            <a:r>
+              <a:rPr lang="ja-JP" altLang="en-US" dirty="0" smtClean="0"/>
+              <a:t>等</a:t>
+            </a:r>
+            <a:r>
+              <a:rPr lang="en-US" altLang="ja-JP" dirty="0" smtClean="0"/>
+              <a:t>)</a:t>
+            </a:r>
+            <a:r>
+              <a:rPr lang="ja-JP" altLang="en-US" dirty="0" smtClean="0"/>
+              <a:t>を宣言せずに使うことができる</a:t>
+            </a:r>
+            <a:endParaRPr lang="en-US" altLang="ja-JP" dirty="0" smtClean="0"/>
+          </a:p>
+          <a:p>
+            <a:endParaRPr lang="en-US" altLang="ja-JP" dirty="0"/>
+          </a:p>
+          <a:p>
+            <a:r>
+              <a:rPr lang="en-US" altLang="ja-JP" dirty="0"/>
+              <a:t>p</a:t>
+            </a:r>
+            <a:r>
+              <a:rPr lang="en-US" altLang="ja-JP" dirty="0" smtClean="0"/>
+              <a:t>uts </a:t>
+            </a:r>
+            <a:r>
+              <a:rPr lang="ja-JP" altLang="en-US" dirty="0" smtClean="0"/>
+              <a:t>で出力することができる</a:t>
+            </a:r>
+            <a:endParaRPr lang="en-US" altLang="ja-JP" dirty="0" smtClean="0"/>
+          </a:p>
+          <a:p>
+            <a:endParaRPr lang="en-US" altLang="ja-JP" dirty="0"/>
+          </a:p>
+          <a:p>
+            <a:r>
+              <a:rPr lang="ja-JP" altLang="en-US" dirty="0" smtClean="0"/>
+              <a:t>変数は</a:t>
+            </a:r>
+            <a:r>
+              <a:rPr lang="en-US" altLang="ja-JP" dirty="0" smtClean="0"/>
+              <a:t>#{</a:t>
+            </a:r>
+            <a:r>
+              <a:rPr lang="ja-JP" altLang="en-US" dirty="0" smtClean="0"/>
+              <a:t>変数</a:t>
+            </a:r>
+            <a:r>
+              <a:rPr lang="en-US" altLang="ja-JP" dirty="0" smtClean="0"/>
               <a:t>}</a:t>
             </a:r>
-            <a:endParaRPr kumimoji="1" lang="ja-JP" altLang="en-US" sz="3600" dirty="0"/>
+            <a:r>
+              <a:rPr lang="ja-JP" altLang="en-US" dirty="0" err="1" smtClean="0"/>
+              <a:t>のように</a:t>
+            </a:r>
+            <a:r>
+              <a:rPr lang="ja-JP" altLang="en-US" dirty="0" smtClean="0"/>
+              <a:t>して出力する</a:t>
+            </a:r>
+            <a:endParaRPr lang="en-US" altLang="ja-JP" dirty="0" smtClean="0"/>
+          </a:p>
+          <a:p>
+            <a:endParaRPr lang="en-US" altLang="ja-JP" dirty="0" smtClean="0"/>
+          </a:p>
+          <a:p>
+            <a:endParaRPr lang="en-US" altLang="ja-JP" dirty="0"/>
+          </a:p>
+          <a:p>
+            <a:endParaRPr lang="en-US" altLang="ja-JP" dirty="0"/>
+          </a:p>
+          <a:p>
+            <a:endParaRPr kumimoji="1" lang="ja-JP" altLang="en-US" dirty="0"/>
           </a:p>
         </p:txBody>
       </p:sp>
     </p:spTree>
     <p:extLst>
       <p:ext uri="{BB962C8B-B14F-4D97-AF65-F5344CB8AC3E}">
-        <p14:creationId xmlns:p14="http://schemas.microsoft.com/office/powerpoint/2010/main" val="2872002627"/>
+        <p14:creationId xmlns:p14="http://schemas.microsoft.com/office/powerpoint/2010/main" val="4196531078"/>
       </p:ext>
     </p:extLst>
   </p:cSld>
@@ -3979,7 +3930,7 @@
           <a:p>
             <a:r>
               <a:rPr kumimoji="1" lang="ja-JP" altLang="en-US" dirty="0" smtClean="0"/>
-              <a:t>問題</a:t>
+              <a:t>入出力</a:t>
             </a:r>
             <a:endParaRPr kumimoji="1" lang="ja-JP" altLang="en-US" dirty="0"/>
           </a:p>
@@ -3995,51 +3946,159 @@
             <p:ph idx="1"/>
           </p:nvPr>
         </p:nvSpPr>
-        <p:spPr/>
-        <p:txBody>
-          <a:bodyPr/>
-          <a:lstStyle/>
-          <a:p>
-            <a:r>
-              <a:rPr kumimoji="1" lang="en-US" altLang="ja-JP" dirty="0" smtClean="0"/>
-              <a:t>1</a:t>
-            </a:r>
-            <a:r>
-              <a:rPr lang="ja-JP" altLang="en-US" dirty="0" smtClean="0"/>
-              <a:t>～</a:t>
-            </a:r>
-            <a:r>
-              <a:rPr lang="en-US" altLang="ja-JP" dirty="0" smtClean="0"/>
-              <a:t>20</a:t>
-            </a:r>
-            <a:r>
-              <a:rPr kumimoji="1" lang="ja-JP" altLang="en-US" dirty="0" err="1" smtClean="0"/>
-              <a:t>までの</a:t>
-            </a:r>
-            <a:r>
-              <a:rPr kumimoji="1" lang="ja-JP" altLang="en-US" dirty="0" smtClean="0"/>
-              <a:t>数字を配列に格納して、</a:t>
-            </a:r>
-            <a:r>
-              <a:rPr lang="en-US" altLang="ja-JP" dirty="0" smtClean="0"/>
-              <a:t>1</a:t>
-            </a:r>
-            <a:r>
-              <a:rPr lang="ja-JP" altLang="en-US" dirty="0" smtClean="0"/>
-              <a:t>～</a:t>
-            </a:r>
-            <a:r>
-              <a:rPr lang="en-US" altLang="ja-JP" dirty="0" smtClean="0"/>
-              <a:t>20</a:t>
-            </a:r>
-            <a:r>
-              <a:rPr lang="ja-JP" altLang="en-US" dirty="0" smtClean="0"/>
-              <a:t>の</a:t>
-            </a:r>
-            <a:r>
-              <a:rPr kumimoji="1" lang="ja-JP" altLang="en-US" dirty="0" smtClean="0"/>
-              <a:t>合計と平均をもとめる</a:t>
-            </a:r>
+        <p:spPr>
+          <a:xfrm>
+            <a:off x="220014" y="1825625"/>
+            <a:ext cx="11971986" cy="4351338"/>
+          </a:xfrm>
+        </p:spPr>
+        <p:txBody>
+          <a:bodyPr>
+            <a:normAutofit/>
+          </a:bodyPr>
+          <a:lstStyle/>
+          <a:p>
+            <a:pPr marL="0" indent="0">
+              <a:buNone/>
+            </a:pPr>
+            <a:r>
+              <a:rPr lang="en-US" altLang="ja-JP" dirty="0"/>
+              <a:t># -*- coding: </a:t>
+            </a:r>
+            <a:r>
+              <a:rPr lang="en-US" altLang="ja-JP" dirty="0" err="1"/>
+              <a:t>shift_jis</a:t>
+            </a:r>
+            <a:r>
+              <a:rPr lang="en-US" altLang="ja-JP" dirty="0"/>
+              <a:t> -*-</a:t>
+            </a:r>
+          </a:p>
+          <a:p>
+            <a:pPr marL="0" indent="0">
+              <a:buNone/>
+            </a:pPr>
+            <a:r>
+              <a:rPr lang="en-US" altLang="ja-JP" dirty="0"/>
+              <a:t>print '</a:t>
+            </a:r>
+            <a:r>
+              <a:rPr lang="ja-JP" altLang="en-US" dirty="0"/>
+              <a:t>整数入力</a:t>
+            </a:r>
+            <a:r>
+              <a:rPr lang="en-US" altLang="ja-JP" dirty="0"/>
+              <a:t>'</a:t>
+            </a:r>
+          </a:p>
+          <a:p>
+            <a:pPr marL="0" indent="0">
+              <a:buNone/>
+            </a:pPr>
+            <a:r>
+              <a:rPr lang="en-US" altLang="ja-JP" dirty="0"/>
+              <a:t>x=</a:t>
+            </a:r>
+            <a:r>
+              <a:rPr lang="en-US" altLang="ja-JP" dirty="0" err="1"/>
+              <a:t>gets.chomp.to_f#get</a:t>
+            </a:r>
+            <a:r>
+              <a:rPr lang="en-US" altLang="ja-JP" dirty="0"/>
+              <a:t>:</a:t>
+            </a:r>
+            <a:r>
+              <a:rPr lang="ja-JP" altLang="en-US" dirty="0"/>
+              <a:t>キー入力 </a:t>
+            </a:r>
+            <a:r>
+              <a:rPr lang="en-US" altLang="ja-JP" dirty="0"/>
+              <a:t>chomp:</a:t>
+            </a:r>
+            <a:r>
+              <a:rPr lang="ja-JP" altLang="en-US" dirty="0"/>
+              <a:t>改行コード取り除く </a:t>
+            </a:r>
+            <a:r>
+              <a:rPr lang="en-US" altLang="ja-JP" dirty="0" err="1"/>
+              <a:t>to_f:float</a:t>
+            </a:r>
+            <a:r>
+              <a:rPr lang="ja-JP" altLang="en-US" dirty="0"/>
+              <a:t>型</a:t>
+            </a:r>
+          </a:p>
+          <a:p>
+            <a:pPr marL="0" indent="0">
+              <a:buNone/>
+            </a:pPr>
+            <a:r>
+              <a:rPr lang="en-US" altLang="ja-JP" dirty="0"/>
+              <a:t>print "#{x}\n"</a:t>
+            </a:r>
+          </a:p>
+          <a:p>
+            <a:pPr marL="0" indent="0">
+              <a:buNone/>
+            </a:pPr>
+            <a:endParaRPr lang="en-US" altLang="ja-JP" dirty="0"/>
+          </a:p>
+          <a:p>
+            <a:pPr marL="0" indent="0">
+              <a:buNone/>
+            </a:pPr>
+            <a:r>
+              <a:rPr lang="en-US" altLang="ja-JP" dirty="0"/>
+              <a:t>print'</a:t>
+            </a:r>
+            <a:r>
+              <a:rPr lang="ja-JP" altLang="en-US" dirty="0"/>
+              <a:t>文字列入力</a:t>
+            </a:r>
+            <a:r>
+              <a:rPr lang="en-US" altLang="ja-JP" dirty="0"/>
+              <a:t>'</a:t>
+            </a:r>
+          </a:p>
+          <a:p>
+            <a:pPr marL="0" indent="0">
+              <a:buNone/>
+            </a:pPr>
+            <a:r>
+              <a:rPr lang="en-US" altLang="ja-JP" dirty="0" err="1"/>
+              <a:t>mozi</a:t>
+            </a:r>
+            <a:r>
+              <a:rPr lang="en-US" altLang="ja-JP" dirty="0"/>
+              <a:t>=</a:t>
+            </a:r>
+            <a:r>
+              <a:rPr lang="en-US" altLang="ja-JP" dirty="0" err="1"/>
+              <a:t>gets.chomp</a:t>
+            </a:r>
+            <a:endParaRPr lang="en-US" altLang="ja-JP" dirty="0"/>
+          </a:p>
+          <a:p>
+            <a:pPr marL="0" indent="0">
+              <a:buNone/>
+            </a:pPr>
+            <a:r>
+              <a:rPr lang="en-US" altLang="ja-JP" dirty="0"/>
+              <a:t>print(</a:t>
+            </a:r>
+            <a:r>
+              <a:rPr lang="en-US" altLang="ja-JP" dirty="0" err="1"/>
+              <a:t>mozi</a:t>
+            </a:r>
+            <a:r>
+              <a:rPr lang="en-US" altLang="ja-JP" dirty="0"/>
+              <a:t>,"\n")</a:t>
+            </a:r>
+          </a:p>
+          <a:p>
+            <a:pPr marL="0" indent="0">
+              <a:buNone/>
+            </a:pPr>
             <a:endParaRPr kumimoji="1" lang="ja-JP" altLang="en-US" dirty="0"/>
           </a:p>
         </p:txBody>
@@ -4047,7 +4106,7 @@
     </p:spTree>
     <p:extLst>
       <p:ext uri="{BB962C8B-B14F-4D97-AF65-F5344CB8AC3E}">
-        <p14:creationId xmlns:p14="http://schemas.microsoft.com/office/powerpoint/2010/main" val="3692559275"/>
+        <p14:creationId xmlns:p14="http://schemas.microsoft.com/office/powerpoint/2010/main" val="3852766359"/>
       </p:ext>
     </p:extLst>
   </p:cSld>
@@ -4097,155 +4156,257 @@
           <a:lstStyle/>
           <a:p>
             <a:r>
-              <a:rPr lang="ja-JP" altLang="en-US" dirty="0"/>
-              <a:t>解</a:t>
-            </a:r>
+              <a:rPr kumimoji="1" lang="ja-JP" altLang="en-US" dirty="0" smtClean="0"/>
+              <a:t>入出力</a:t>
+            </a:r>
+            <a:endParaRPr kumimoji="1" lang="ja-JP" altLang="en-US" dirty="0"/>
+          </a:p>
+        </p:txBody>
+      </p:sp>
+      <p:sp>
+        <p:nvSpPr>
+          <p:cNvPr id="3" name="コンテンツ プレースホルダー 2"/>
+          <p:cNvSpPr>
+            <a:spLocks noGrp="1"/>
+          </p:cNvSpPr>
+          <p:nvPr>
+            <p:ph idx="1"/>
+          </p:nvPr>
+        </p:nvSpPr>
+        <p:spPr>
+          <a:xfrm>
+            <a:off x="838200" y="1825624"/>
+            <a:ext cx="10515600" cy="5032375"/>
+          </a:xfrm>
+        </p:spPr>
+        <p:txBody>
+          <a:bodyPr>
+            <a:normAutofit/>
+          </a:bodyPr>
+          <a:lstStyle/>
+          <a:p>
+            <a:r>
+              <a:rPr lang="en-US" altLang="ja-JP" dirty="0" smtClean="0"/>
+              <a:t>p</a:t>
+            </a:r>
+            <a:r>
+              <a:rPr kumimoji="1" lang="en-US" altLang="ja-JP" dirty="0" smtClean="0"/>
+              <a:t>rint puts </a:t>
+            </a:r>
+            <a:r>
+              <a:rPr kumimoji="1" lang="ja-JP" altLang="en-US" dirty="0" smtClean="0"/>
+              <a:t>違い </a:t>
+            </a:r>
+            <a:r>
+              <a:rPr kumimoji="1" lang="en-US" altLang="ja-JP" dirty="0" smtClean="0"/>
+              <a:t>print</a:t>
+            </a:r>
+            <a:r>
+              <a:rPr kumimoji="1" lang="ja-JP" altLang="en-US" dirty="0" smtClean="0"/>
+              <a:t>改行なし </a:t>
+            </a:r>
+            <a:r>
+              <a:rPr kumimoji="1" lang="en-US" altLang="ja-JP" dirty="0" smtClean="0"/>
+              <a:t>puts</a:t>
+            </a:r>
+            <a:r>
+              <a:rPr kumimoji="1" lang="ja-JP" altLang="en-US" dirty="0" smtClean="0"/>
+              <a:t>改行あり</a:t>
+            </a:r>
+            <a:endParaRPr lang="en-US" altLang="ja-JP" dirty="0" smtClean="0"/>
+          </a:p>
+          <a:p>
             <a:r>
               <a:rPr lang="ja-JP" altLang="en-US" dirty="0" smtClean="0"/>
-              <a:t>答</a:t>
-            </a:r>
-            <a:endParaRPr kumimoji="1" lang="ja-JP" altLang="en-US" dirty="0"/>
-          </a:p>
-        </p:txBody>
-      </p:sp>
-      <p:sp>
-        <p:nvSpPr>
-          <p:cNvPr id="3" name="コンテンツ プレースホルダー 2"/>
-          <p:cNvSpPr>
-            <a:spLocks noGrp="1"/>
-          </p:cNvSpPr>
-          <p:nvPr>
-            <p:ph idx="1"/>
-          </p:nvPr>
-        </p:nvSpPr>
-        <p:spPr/>
-        <p:txBody>
-          <a:bodyPr>
-            <a:normAutofit lnSpcReduction="10000"/>
-          </a:bodyPr>
-          <a:lstStyle/>
-          <a:p>
-            <a:pPr marL="0" indent="0">
-              <a:buNone/>
-            </a:pPr>
-            <a:r>
-              <a:rPr lang="en-US" altLang="ja-JP" dirty="0"/>
-              <a:t># -*- coding: </a:t>
-            </a:r>
+              <a:t>シングルクォート ダブルクォート違い </a:t>
+            </a:r>
+            <a:endParaRPr lang="en-US" altLang="ja-JP" dirty="0" smtClean="0"/>
+          </a:p>
+          <a:p>
+            <a:pPr marL="0" indent="0">
+              <a:buNone/>
+            </a:pPr>
+            <a:r>
+              <a:rPr lang="en-US" altLang="ja-JP" dirty="0"/>
+              <a:t> </a:t>
+            </a:r>
+            <a:r>
+              <a:rPr lang="en-US" altLang="ja-JP" dirty="0" smtClean="0"/>
+              <a:t>  </a:t>
+            </a:r>
+            <a:r>
+              <a:rPr lang="ja-JP" altLang="en-US" dirty="0" smtClean="0"/>
+              <a:t>シングルクォート 式展開されない</a:t>
+            </a:r>
+            <a:endParaRPr lang="en-US" altLang="ja-JP" dirty="0" smtClean="0"/>
+          </a:p>
+          <a:p>
+            <a:pPr marL="0" indent="0">
+              <a:buNone/>
+            </a:pPr>
+            <a:r>
+              <a:rPr lang="en-US" altLang="ja-JP" dirty="0"/>
+              <a:t> </a:t>
+            </a:r>
+            <a:r>
+              <a:rPr lang="en-US" altLang="ja-JP" dirty="0" smtClean="0"/>
+              <a:t>  </a:t>
+            </a:r>
+            <a:r>
+              <a:rPr lang="ja-JP" altLang="en-US" dirty="0" smtClean="0"/>
+              <a:t>ダブルクォート 式展開される</a:t>
+            </a:r>
+            <a:endParaRPr lang="en-US" altLang="ja-JP" dirty="0" smtClean="0"/>
+          </a:p>
+          <a:p>
+            <a:pPr marL="0" indent="0">
+              <a:buNone/>
+            </a:pPr>
+            <a:r>
+              <a:rPr lang="en-US" altLang="ja-JP" dirty="0" smtClean="0"/>
+              <a:t>    </a:t>
+            </a:r>
+            <a:r>
+              <a:rPr lang="ja-JP" altLang="en-US" dirty="0" smtClean="0"/>
+              <a:t>例  　　</a:t>
+            </a:r>
+            <a:r>
+              <a:rPr lang="en-US" altLang="ja-JP" dirty="0" smtClean="0"/>
+              <a:t>print "#{</a:t>
+            </a:r>
+            <a:r>
+              <a:rPr lang="en-US" altLang="ja-JP" dirty="0"/>
+              <a:t>x}\</a:t>
+            </a:r>
+            <a:r>
+              <a:rPr lang="en-US" altLang="ja-JP" dirty="0" smtClean="0"/>
+              <a:t>n“         print ’#{</a:t>
+            </a:r>
+            <a:r>
+              <a:rPr lang="en-US" altLang="ja-JP" dirty="0"/>
+              <a:t>x}\</a:t>
+            </a:r>
+            <a:r>
+              <a:rPr lang="en-US" altLang="ja-JP" dirty="0" smtClean="0"/>
+              <a:t>n’</a:t>
+            </a:r>
+          </a:p>
+          <a:p>
+            <a:pPr marL="0" indent="0">
+              <a:buNone/>
+            </a:pPr>
+            <a:r>
+              <a:rPr lang="en-US" altLang="ja-JP" dirty="0" smtClean="0"/>
+              <a:t>    </a:t>
+            </a:r>
+            <a:r>
+              <a:rPr lang="ja-JP" altLang="en-US" dirty="0" smtClean="0"/>
+              <a:t>出力</a:t>
+            </a:r>
+            <a:r>
+              <a:rPr lang="en-US" altLang="ja-JP" dirty="0"/>
+              <a:t> </a:t>
+            </a:r>
+            <a:r>
+              <a:rPr lang="en-US" altLang="ja-JP" dirty="0" smtClean="0"/>
+              <a:t>  10                              #{</a:t>
+            </a:r>
+            <a:r>
+              <a:rPr lang="en-US" altLang="ja-JP" dirty="0"/>
+              <a:t>x</a:t>
+            </a:r>
+            <a:r>
+              <a:rPr lang="en-US" altLang="ja-JP" dirty="0" smtClean="0"/>
+              <a:t>}</a:t>
+            </a:r>
+            <a:endParaRPr lang="en-US" altLang="ja-JP" dirty="0"/>
+          </a:p>
+          <a:p>
+            <a:r>
+              <a:rPr lang="en-US" altLang="ja-JP" dirty="0" smtClean="0"/>
+              <a:t>gets </a:t>
+            </a:r>
+            <a:r>
+              <a:rPr lang="ja-JP" altLang="en-US" dirty="0" smtClean="0"/>
+              <a:t>キーボードから文字入力を受け</a:t>
+            </a:r>
+            <a:r>
+              <a:rPr lang="en-US" altLang="ja-JP" dirty="0" smtClean="0"/>
+              <a:t>,string</a:t>
+            </a:r>
+            <a:r>
+              <a:rPr lang="ja-JP" altLang="en-US" dirty="0" smtClean="0"/>
+              <a:t>型で取得</a:t>
+            </a:r>
+            <a:endParaRPr lang="en-US" altLang="ja-JP" dirty="0" smtClean="0"/>
+          </a:p>
+          <a:p>
+            <a:r>
+              <a:rPr lang="en-US" altLang="ja-JP" dirty="0"/>
+              <a:t>c</a:t>
+            </a:r>
+            <a:r>
+              <a:rPr lang="en-US" altLang="ja-JP" dirty="0" smtClean="0"/>
+              <a:t>homp </a:t>
+            </a:r>
+            <a:r>
+              <a:rPr lang="ja-JP" altLang="en-US" dirty="0" smtClean="0"/>
+              <a:t>改行コードを取り除く</a:t>
+            </a:r>
+            <a:endParaRPr lang="en-US" altLang="ja-JP" dirty="0" smtClean="0"/>
+          </a:p>
+          <a:p>
             <a:r>
               <a:rPr lang="en-US" altLang="ja-JP" dirty="0" err="1"/>
-              <a:t>shift_jis</a:t>
-            </a:r>
-            <a:r>
-              <a:rPr lang="en-US" altLang="ja-JP" dirty="0"/>
-              <a:t> -*-</a:t>
-            </a:r>
-          </a:p>
-          <a:p>
-            <a:pPr marL="0" indent="0">
-              <a:buNone/>
-            </a:pPr>
+              <a:t>t</a:t>
+            </a:r>
+            <a:r>
+              <a:rPr lang="en-US" altLang="ja-JP" dirty="0" err="1" smtClean="0"/>
+              <a:t>o_f</a:t>
+            </a:r>
+            <a:r>
+              <a:rPr lang="en-US" altLang="ja-JP" dirty="0" smtClean="0"/>
+              <a:t> float</a:t>
+            </a:r>
+            <a:r>
+              <a:rPr lang="ja-JP" altLang="en-US" dirty="0" smtClean="0"/>
+              <a:t>型に変換   </a:t>
+            </a:r>
+            <a:r>
+              <a:rPr lang="en-US" altLang="ja-JP" dirty="0" err="1" smtClean="0"/>
+              <a:t>to_i:int</a:t>
+            </a:r>
+            <a:r>
+              <a:rPr lang="ja-JP" altLang="en-US" dirty="0" smtClean="0"/>
+              <a:t>型</a:t>
+            </a:r>
+            <a:endParaRPr lang="en-US" altLang="ja-JP" dirty="0" smtClean="0"/>
+          </a:p>
+          <a:p>
             <a:endParaRPr lang="en-US" altLang="ja-JP" dirty="0"/>
           </a:p>
           <a:p>
-            <a:pPr marL="0" indent="0">
-              <a:buNone/>
-            </a:pPr>
-            <a:r>
-              <a:rPr lang="en-US" altLang="ja-JP" dirty="0"/>
-              <a:t>number=(1..20).</a:t>
-            </a:r>
-            <a:r>
-              <a:rPr lang="en-US" altLang="ja-JP" dirty="0" err="1"/>
-              <a:t>to_a</a:t>
-            </a:r>
             <a:endParaRPr lang="en-US" altLang="ja-JP" dirty="0"/>
           </a:p>
           <a:p>
             <a:pPr marL="0" indent="0">
               <a:buNone/>
             </a:pPr>
-            <a:r>
-              <a:rPr lang="en-US" altLang="ja-JP" dirty="0"/>
-              <a:t>sum=0.0</a:t>
-            </a:r>
-          </a:p>
-          <a:p>
-            <a:pPr marL="0" indent="0">
-              <a:buNone/>
-            </a:pPr>
-            <a:r>
-              <a:rPr lang="en-US" altLang="ja-JP" dirty="0" err="1"/>
-              <a:t>number.size.times</a:t>
-            </a:r>
-            <a:r>
-              <a:rPr lang="en-US" altLang="ja-JP" dirty="0"/>
-              <a:t>{ |</a:t>
-            </a:r>
-            <a:r>
-              <a:rPr lang="en-US" altLang="ja-JP" dirty="0" err="1"/>
-              <a:t>i</a:t>
-            </a:r>
-            <a:r>
-              <a:rPr lang="en-US" altLang="ja-JP" dirty="0"/>
-              <a:t>|</a:t>
-            </a:r>
-          </a:p>
-          <a:p>
-            <a:pPr marL="0" indent="0">
-              <a:buNone/>
-            </a:pPr>
-            <a:r>
-              <a:rPr lang="en-US" altLang="ja-JP" dirty="0"/>
-              <a:t>	sum=</a:t>
-            </a:r>
-            <a:r>
-              <a:rPr lang="en-US" altLang="ja-JP" dirty="0" err="1"/>
-              <a:t>sum+number</a:t>
-            </a:r>
-            <a:r>
-              <a:rPr lang="en-US" altLang="ja-JP" dirty="0"/>
-              <a:t>[</a:t>
-            </a:r>
-            <a:r>
-              <a:rPr lang="en-US" altLang="ja-JP" dirty="0" err="1"/>
-              <a:t>i</a:t>
-            </a:r>
-            <a:r>
-              <a:rPr lang="en-US" altLang="ja-JP" dirty="0"/>
-              <a:t>]</a:t>
-            </a:r>
-          </a:p>
-          <a:p>
-            <a:pPr marL="0" indent="0">
-              <a:buNone/>
-            </a:pPr>
-            <a:r>
-              <a:rPr lang="en-US" altLang="ja-JP" dirty="0"/>
-              <a:t>}</a:t>
-            </a:r>
-          </a:p>
-          <a:p>
-            <a:pPr marL="0" indent="0">
-              <a:buNone/>
-            </a:pPr>
-            <a:r>
-              <a:rPr lang="en-US" altLang="ja-JP" dirty="0"/>
-              <a:t>puts sum</a:t>
-            </a:r>
-          </a:p>
-          <a:p>
-            <a:pPr marL="0" indent="0">
-              <a:buNone/>
-            </a:pPr>
-            <a:r>
-              <a:rPr lang="en-US" altLang="ja-JP" dirty="0"/>
-              <a:t>puts sum/</a:t>
-            </a:r>
-            <a:r>
-              <a:rPr lang="en-US" altLang="ja-JP" dirty="0" err="1"/>
-              <a:t>number.size</a:t>
-            </a:r>
+            <a:endParaRPr lang="en-US" altLang="ja-JP" dirty="0"/>
+          </a:p>
+          <a:p>
+            <a:pPr marL="0" indent="0">
+              <a:buNone/>
+            </a:pPr>
+            <a:endParaRPr lang="en-US" altLang="ja-JP" dirty="0"/>
+          </a:p>
+          <a:p>
+            <a:endParaRPr lang="en-US" altLang="ja-JP" dirty="0"/>
+          </a:p>
+          <a:p>
+            <a:endParaRPr kumimoji="1" lang="en-US" altLang="ja-JP" dirty="0" smtClean="0"/>
+          </a:p>
+          <a:p>
             <a:endParaRPr kumimoji="1" lang="ja-JP" altLang="en-US" dirty="0"/>
           </a:p>
         </p:txBody>
@@ -4253,7 +4414,7 @@
     </p:spTree>
     <p:extLst>
       <p:ext uri="{BB962C8B-B14F-4D97-AF65-F5344CB8AC3E}">
-        <p14:creationId xmlns:p14="http://schemas.microsoft.com/office/powerpoint/2010/main" val="85108728"/>
+        <p14:creationId xmlns:p14="http://schemas.microsoft.com/office/powerpoint/2010/main" val="1549325591"/>
       </p:ext>
     </p:extLst>
   </p:cSld>
@@ -4303,8 +4464,12 @@
           <a:lstStyle/>
           <a:p>
             <a:r>
-              <a:rPr lang="ja-JP" altLang="en-US" dirty="0"/>
-              <a:t>クラス</a:t>
+              <a:rPr lang="en-US" altLang="ja-JP" dirty="0" smtClean="0"/>
+              <a:t>Times</a:t>
+            </a:r>
+            <a:r>
+              <a:rPr lang="ja-JP" altLang="en-US" dirty="0" smtClean="0"/>
+              <a:t>文</a:t>
             </a:r>
             <a:endParaRPr kumimoji="1" lang="ja-JP" altLang="en-US" dirty="0"/>
           </a:p>
@@ -4320,15 +4485,10 @@
             <p:ph idx="1"/>
           </p:nvPr>
         </p:nvSpPr>
-        <p:spPr>
-          <a:xfrm>
-            <a:off x="838200" y="1545466"/>
-            <a:ext cx="10515600" cy="5312534"/>
-          </a:xfrm>
-        </p:spPr>
+        <p:spPr/>
         <p:txBody>
           <a:bodyPr>
-            <a:normAutofit fontScale="92500" lnSpcReduction="10000"/>
+            <a:normAutofit/>
           </a:bodyPr>
           <a:lstStyle/>
           <a:p>
@@ -4336,184 +4496,100 @@
               <a:buNone/>
             </a:pPr>
             <a:r>
-              <a:rPr lang="en-US" altLang="ja-JP" dirty="0"/>
-              <a:t>class Car</a:t>
-            </a:r>
-          </a:p>
-          <a:p>
-            <a:pPr marL="0" indent="0">
-              <a:buNone/>
-            </a:pPr>
-            <a:r>
-              <a:rPr lang="en-US" altLang="ja-JP" dirty="0"/>
-              <a:t>  </a:t>
-            </a:r>
-            <a:r>
-              <a:rPr lang="en-US" altLang="ja-JP" dirty="0" err="1"/>
-              <a:t>def</a:t>
-            </a:r>
-            <a:r>
-              <a:rPr lang="en-US" altLang="ja-JP" dirty="0"/>
-              <a:t> initialize(</a:t>
-            </a:r>
-            <a:r>
-              <a:rPr lang="en-US" altLang="ja-JP" dirty="0" err="1"/>
-              <a:t>carname</a:t>
-            </a:r>
-            <a:r>
-              <a:rPr lang="en-US" altLang="ja-JP" dirty="0"/>
-              <a:t>) #</a:t>
-            </a:r>
-            <a:r>
-              <a:rPr lang="ja-JP" altLang="en-US" dirty="0"/>
-              <a:t>コンストラクタ</a:t>
-            </a:r>
-          </a:p>
-          <a:p>
-            <a:pPr marL="0" indent="0">
-              <a:buNone/>
-            </a:pPr>
-            <a:r>
-              <a:rPr lang="ja-JP" altLang="en-US" dirty="0"/>
-              <a:t>    </a:t>
-            </a:r>
-            <a:r>
-              <a:rPr lang="en-US" altLang="ja-JP" dirty="0"/>
-              <a:t>@name = </a:t>
-            </a:r>
-            <a:r>
-              <a:rPr lang="en-US" altLang="ja-JP" dirty="0" err="1" smtClean="0"/>
-              <a:t>carname</a:t>
-            </a:r>
-            <a:r>
-              <a:rPr lang="en-US" altLang="ja-JP" dirty="0" smtClean="0"/>
-              <a:t> #@ </a:t>
-            </a:r>
-            <a:r>
-              <a:rPr lang="ja-JP" altLang="en-US" dirty="0" smtClean="0"/>
-              <a:t>インスタンス変数</a:t>
-            </a:r>
-            <a:endParaRPr lang="en-US" altLang="ja-JP" dirty="0"/>
-          </a:p>
-          <a:p>
-            <a:pPr marL="0" indent="0">
-              <a:buNone/>
-            </a:pPr>
-            <a:r>
-              <a:rPr lang="en-US" altLang="ja-JP" dirty="0"/>
-              <a:t>  end</a:t>
-            </a:r>
-          </a:p>
-          <a:p>
-            <a:pPr marL="0" indent="0">
-              <a:buNone/>
-            </a:pPr>
-            <a:endParaRPr lang="en-US" altLang="ja-JP" dirty="0"/>
-          </a:p>
-          <a:p>
-            <a:pPr marL="0" indent="0">
-              <a:buNone/>
-            </a:pPr>
-            <a:r>
-              <a:rPr lang="en-US" altLang="ja-JP" dirty="0"/>
-              <a:t>  </a:t>
-            </a:r>
-            <a:r>
-              <a:rPr lang="en-US" altLang="ja-JP" dirty="0" err="1"/>
-              <a:t>def</a:t>
-            </a:r>
-            <a:r>
-              <a:rPr lang="en-US" altLang="ja-JP" dirty="0"/>
-              <a:t> </a:t>
-            </a:r>
-            <a:r>
-              <a:rPr lang="en-US" altLang="ja-JP" dirty="0" err="1"/>
-              <a:t>dispName</a:t>
-            </a:r>
-            <a:r>
-              <a:rPr lang="en-US" altLang="ja-JP" dirty="0"/>
-              <a:t> #</a:t>
-            </a:r>
-            <a:r>
-              <a:rPr lang="ja-JP" altLang="en-US" dirty="0"/>
-              <a:t>メソッド</a:t>
-            </a:r>
-          </a:p>
-          <a:p>
-            <a:pPr marL="0" indent="0">
-              <a:buNone/>
-            </a:pPr>
-            <a:r>
-              <a:rPr lang="ja-JP" altLang="en-US" dirty="0"/>
-              <a:t>    </a:t>
-            </a:r>
-            <a:r>
-              <a:rPr lang="en-US" altLang="ja-JP" dirty="0"/>
-              <a:t>print(@name)</a:t>
-            </a:r>
-          </a:p>
-          <a:p>
-            <a:pPr marL="0" indent="0">
-              <a:buNone/>
-            </a:pPr>
-            <a:r>
-              <a:rPr lang="en-US" altLang="ja-JP" dirty="0"/>
-              <a:t>  end</a:t>
-            </a:r>
-          </a:p>
-          <a:p>
-            <a:pPr marL="0" indent="0">
-              <a:buNone/>
-            </a:pPr>
-            <a:r>
-              <a:rPr lang="en-US" altLang="ja-JP" dirty="0"/>
+              <a:rPr lang="en-US" altLang="ja-JP" sz="4000" dirty="0"/>
+              <a:t># -*- coding: </a:t>
+            </a:r>
+            <a:r>
+              <a:rPr lang="en-US" altLang="ja-JP" sz="4000" dirty="0" err="1"/>
+              <a:t>shift_jis</a:t>
+            </a:r>
+            <a:r>
+              <a:rPr lang="en-US" altLang="ja-JP" sz="4000" dirty="0"/>
+              <a:t> -*-</a:t>
+            </a:r>
+          </a:p>
+          <a:p>
+            <a:pPr marL="0" indent="0">
+              <a:buNone/>
+            </a:pPr>
+            <a:endParaRPr lang="en-US" altLang="ja-JP" sz="4000" dirty="0"/>
+          </a:p>
+          <a:p>
+            <a:pPr marL="0" indent="0">
+              <a:buNone/>
+            </a:pPr>
+            <a:r>
+              <a:rPr lang="en-US" altLang="ja-JP" sz="4000" dirty="0"/>
+              <a:t>10.times do |</a:t>
+            </a:r>
+            <a:r>
+              <a:rPr lang="en-US" altLang="ja-JP" sz="4000" dirty="0" err="1"/>
+              <a:t>i</a:t>
+            </a:r>
+            <a:r>
+              <a:rPr lang="en-US" altLang="ja-JP" sz="4000" dirty="0" smtClean="0"/>
+              <a:t>|  </a:t>
+            </a:r>
+            <a:endParaRPr lang="en-US" altLang="ja-JP" sz="4000" dirty="0"/>
+          </a:p>
+          <a:p>
+            <a:pPr marL="0" indent="0">
+              <a:buNone/>
+            </a:pPr>
+            <a:r>
+              <a:rPr lang="en-US" altLang="ja-JP" sz="4000" dirty="0"/>
+              <a:t>	puts "</a:t>
+            </a:r>
+            <a:r>
+              <a:rPr lang="en-US" altLang="ja-JP" sz="4000" dirty="0" err="1"/>
+              <a:t>abc</a:t>
+            </a:r>
+            <a:r>
+              <a:rPr lang="en-US" altLang="ja-JP" sz="4000" dirty="0"/>
+              <a:t>"</a:t>
+            </a:r>
+          </a:p>
+          <a:p>
+            <a:pPr marL="0" indent="0">
+              <a:buNone/>
+            </a:pPr>
+            <a:r>
+              <a:rPr lang="en-US" altLang="ja-JP" sz="4000" dirty="0"/>
+              <a:t>	puts "#{</a:t>
+            </a:r>
+            <a:r>
+              <a:rPr lang="en-US" altLang="ja-JP" sz="4000" dirty="0" err="1"/>
+              <a:t>i</a:t>
+            </a:r>
+            <a:r>
+              <a:rPr lang="en-US" altLang="ja-JP" sz="4000" dirty="0"/>
+              <a:t>}</a:t>
+            </a:r>
+            <a:r>
+              <a:rPr lang="ja-JP" altLang="en-US" sz="4000" dirty="0"/>
+              <a:t>回目の繰り返しです</a:t>
+            </a:r>
+            <a:r>
+              <a:rPr lang="en-US" altLang="ja-JP" sz="4000" dirty="0"/>
+              <a:t>.\n"</a:t>
+            </a:r>
+          </a:p>
+          <a:p>
+            <a:pPr marL="0" indent="0">
+              <a:buNone/>
+            </a:pPr>
+            <a:r>
+              <a:rPr lang="en-US" altLang="ja-JP" sz="4000" dirty="0"/>
               <a:t>end</a:t>
             </a:r>
-          </a:p>
-          <a:p>
-            <a:pPr marL="0" indent="0">
-              <a:buNone/>
-            </a:pPr>
-            <a:endParaRPr lang="en-US" altLang="ja-JP" dirty="0"/>
-          </a:p>
-          <a:p>
-            <a:pPr marL="0" indent="0">
-              <a:buNone/>
-            </a:pPr>
-            <a:r>
-              <a:rPr lang="en-US" altLang="ja-JP" dirty="0"/>
-              <a:t>car = </a:t>
-            </a:r>
-            <a:r>
-              <a:rPr lang="en-US" altLang="ja-JP" dirty="0" err="1"/>
-              <a:t>Car.new</a:t>
-            </a:r>
-            <a:r>
-              <a:rPr lang="en-US" altLang="ja-JP" dirty="0" smtClean="0"/>
-              <a:t>(“crown”) #</a:t>
-            </a:r>
-            <a:r>
-              <a:rPr lang="ja-JP" altLang="en-US" dirty="0" smtClean="0"/>
-              <a:t>インスタンス化</a:t>
-            </a:r>
-            <a:endParaRPr lang="en-US" altLang="ja-JP" dirty="0"/>
-          </a:p>
-          <a:p>
-            <a:pPr marL="0" indent="0">
-              <a:buNone/>
-            </a:pPr>
-            <a:r>
-              <a:rPr lang="en-US" altLang="ja-JP" dirty="0" err="1"/>
-              <a:t>car.dispName</a:t>
-            </a:r>
-            <a:endParaRPr kumimoji="1" lang="ja-JP" altLang="en-US" dirty="0"/>
+            <a:endParaRPr kumimoji="1" lang="ja-JP" altLang="en-US" sz="4000" dirty="0"/>
           </a:p>
         </p:txBody>
       </p:sp>
     </p:spTree>
     <p:extLst>
       <p:ext uri="{BB962C8B-B14F-4D97-AF65-F5344CB8AC3E}">
-        <p14:creationId xmlns:p14="http://schemas.microsoft.com/office/powerpoint/2010/main" val="4125394726"/>
+        <p14:creationId xmlns:p14="http://schemas.microsoft.com/office/powerpoint/2010/main" val="1197385223"/>
       </p:ext>
     </p:extLst>
   </p:cSld>
@@ -4563,8 +4639,12 @@
           <a:lstStyle/>
           <a:p>
             <a:r>
+              <a:rPr kumimoji="1" lang="en-US" altLang="ja-JP" dirty="0" smtClean="0"/>
+              <a:t>Times</a:t>
+            </a:r>
+            <a:r>
               <a:rPr kumimoji="1" lang="ja-JP" altLang="en-US" dirty="0" smtClean="0"/>
-              <a:t>アクセサ</a:t>
+              <a:t>文</a:t>
             </a:r>
             <a:endParaRPr kumimoji="1" lang="ja-JP" altLang="en-US" dirty="0"/>
           </a:p>
@@ -4580,81 +4660,142 @@
             <p:ph idx="1"/>
           </p:nvPr>
         </p:nvSpPr>
-        <p:spPr>
-          <a:xfrm>
-            <a:off x="838200" y="1885783"/>
-            <a:ext cx="10515600" cy="4351338"/>
-          </a:xfrm>
-        </p:spPr>
-        <p:txBody>
-          <a:bodyPr>
-            <a:normAutofit lnSpcReduction="10000"/>
-          </a:bodyPr>
-          <a:lstStyle/>
-          <a:p>
-            <a:r>
-              <a:rPr kumimoji="1" lang="ja-JP" altLang="en-US" sz="3200" dirty="0" smtClean="0"/>
-              <a:t>インスタンス変数はクラス外からアクセスできない</a:t>
-            </a:r>
-            <a:endParaRPr kumimoji="1" lang="en-US" altLang="ja-JP" sz="3200" dirty="0" smtClean="0"/>
-          </a:p>
-          <a:p>
-            <a:endParaRPr lang="en-US" altLang="ja-JP" sz="3200" dirty="0"/>
-          </a:p>
-          <a:p>
-            <a:r>
-              <a:rPr kumimoji="1" lang="ja-JP" altLang="en-US" sz="3200" dirty="0" smtClean="0"/>
-              <a:t>アクセサを用いることでクラス外から参照、更新することができる</a:t>
-            </a:r>
-            <a:endParaRPr kumimoji="1" lang="en-US" altLang="ja-JP" sz="3200" dirty="0" smtClean="0"/>
-          </a:p>
-          <a:p>
-            <a:endParaRPr lang="en-US" altLang="ja-JP" sz="3200" dirty="0"/>
-          </a:p>
-          <a:p>
-            <a:r>
-              <a:rPr lang="en-US" altLang="ja-JP" sz="3200" dirty="0" err="1"/>
-              <a:t>attr_accessor</a:t>
-            </a:r>
-            <a:r>
-              <a:rPr lang="ja-JP" altLang="en-US" sz="3200" dirty="0"/>
-              <a:t>　変数の値の読み取り・書き換えを行う</a:t>
-            </a:r>
-          </a:p>
-          <a:p>
-            <a:r>
-              <a:rPr lang="en-US" altLang="ja-JP" sz="3200" dirty="0" err="1"/>
-              <a:t>attr_reader</a:t>
-            </a:r>
-            <a:r>
-              <a:rPr lang="ja-JP" altLang="en-US" sz="3200" dirty="0"/>
-              <a:t>　変数の値の読み取りだけを行う</a:t>
-            </a:r>
-            <a:endParaRPr lang="en-US" altLang="ja-JP" sz="3200" dirty="0"/>
-          </a:p>
-          <a:p>
-            <a:r>
-              <a:rPr lang="en-US" altLang="ja-JP" sz="3200" dirty="0" err="1"/>
-              <a:t>attr_writer</a:t>
-            </a:r>
-            <a:r>
-              <a:rPr lang="en-US" altLang="ja-JP" sz="3200" dirty="0"/>
-              <a:t>    </a:t>
-            </a:r>
-            <a:r>
-              <a:rPr lang="ja-JP" altLang="en-US" sz="3200" dirty="0"/>
-              <a:t>変数の値の書き換えだけを行う</a:t>
-            </a:r>
-          </a:p>
-          <a:p>
-            <a:endParaRPr kumimoji="1" lang="en-US" altLang="ja-JP" sz="3200" dirty="0" smtClean="0"/>
+        <p:spPr/>
+        <p:txBody>
+          <a:bodyPr/>
+          <a:lstStyle/>
+          <a:p>
+            <a:r>
+              <a:rPr kumimoji="1" lang="ja-JP" altLang="en-US" dirty="0" smtClean="0"/>
+              <a:t>使い方</a:t>
+            </a:r>
+            <a:endParaRPr kumimoji="1" lang="en-US" altLang="ja-JP" dirty="0" smtClean="0"/>
+          </a:p>
+          <a:p>
+            <a:pPr marL="0" indent="0">
+              <a:buNone/>
+            </a:pPr>
+            <a:r>
+              <a:rPr kumimoji="1" lang="ja-JP" altLang="en-US" dirty="0" smtClean="0"/>
+              <a:t>ループ回数</a:t>
+            </a:r>
+            <a:r>
+              <a:rPr kumimoji="1" lang="en-US" altLang="ja-JP" dirty="0" smtClean="0"/>
+              <a:t>.times do |</a:t>
+            </a:r>
+            <a:r>
+              <a:rPr kumimoji="1" lang="en-US" altLang="ja-JP" dirty="0" err="1" smtClean="0"/>
+              <a:t>i</a:t>
+            </a:r>
+            <a:r>
+              <a:rPr kumimoji="1" lang="en-US" altLang="ja-JP" dirty="0" smtClean="0"/>
+              <a:t>|   </a:t>
+            </a:r>
+            <a:r>
+              <a:rPr kumimoji="1" lang="ja-JP" altLang="en-US" dirty="0" smtClean="0"/>
+              <a:t>ループ回数</a:t>
+            </a:r>
+            <a:r>
+              <a:rPr kumimoji="1" lang="en-US" altLang="ja-JP" dirty="0" smtClean="0"/>
+              <a:t>.times { |</a:t>
+            </a:r>
+            <a:r>
+              <a:rPr kumimoji="1" lang="en-US" altLang="ja-JP" dirty="0" err="1" smtClean="0"/>
+              <a:t>i</a:t>
+            </a:r>
+            <a:r>
+              <a:rPr kumimoji="1" lang="en-US" altLang="ja-JP" dirty="0" smtClean="0"/>
+              <a:t>|   </a:t>
+            </a:r>
+          </a:p>
+          <a:p>
+            <a:pPr marL="0" indent="0">
+              <a:buNone/>
+            </a:pPr>
+            <a:r>
+              <a:rPr lang="ja-JP" altLang="en-US" dirty="0" smtClean="0"/>
+              <a:t>処理内容                              処理内容</a:t>
+            </a:r>
+            <a:endParaRPr lang="en-US" altLang="ja-JP" dirty="0" smtClean="0"/>
+          </a:p>
+          <a:p>
+            <a:pPr marL="0" indent="0">
+              <a:buNone/>
+            </a:pPr>
+            <a:r>
+              <a:rPr lang="en-US" altLang="ja-JP" dirty="0"/>
+              <a:t>e</a:t>
+            </a:r>
+            <a:r>
+              <a:rPr lang="en-US" altLang="ja-JP" dirty="0" smtClean="0"/>
+              <a:t>nd                                         }</a:t>
+            </a:r>
+          </a:p>
+          <a:p>
+            <a:pPr marL="0" indent="0">
+              <a:buNone/>
+            </a:pPr>
+            <a:endParaRPr kumimoji="1" lang="en-US" altLang="ja-JP" dirty="0" smtClean="0"/>
+          </a:p>
+          <a:p>
+            <a:pPr marL="0" indent="0">
+              <a:buNone/>
+            </a:pPr>
+            <a:r>
+              <a:rPr lang="en-US" altLang="ja-JP" dirty="0" err="1" smtClean="0"/>
+              <a:t>i</a:t>
+            </a:r>
+            <a:r>
+              <a:rPr lang="en-US" altLang="ja-JP" dirty="0" smtClean="0"/>
+              <a:t>=0</a:t>
+            </a:r>
+            <a:r>
+              <a:rPr lang="ja-JP" altLang="en-US" dirty="0" smtClean="0"/>
+              <a:t>から始まり</a:t>
+            </a:r>
+            <a:r>
+              <a:rPr lang="en-US" altLang="ja-JP" dirty="0" err="1" smtClean="0"/>
+              <a:t>i</a:t>
+            </a:r>
+            <a:r>
+              <a:rPr lang="ja-JP" altLang="en-US" dirty="0" smtClean="0"/>
+              <a:t>が一つづつ増える</a:t>
+            </a:r>
+            <a:endParaRPr kumimoji="1" lang="en-US" altLang="ja-JP" dirty="0"/>
+          </a:p>
+          <a:p>
+            <a:pPr marL="0" indent="0">
+              <a:buNone/>
+            </a:pPr>
+            <a:r>
+              <a:rPr lang="ja-JP" altLang="en-US" dirty="0" smtClean="0"/>
+              <a:t>ループ文には他にも</a:t>
+            </a:r>
+            <a:r>
+              <a:rPr lang="en-US" altLang="ja-JP" dirty="0" err="1" smtClean="0"/>
+              <a:t>while,for,each</a:t>
+            </a:r>
+            <a:r>
+              <a:rPr lang="ja-JP" altLang="en-US" dirty="0" smtClean="0"/>
+              <a:t>等ある</a:t>
+            </a:r>
+            <a:endParaRPr lang="en-US" altLang="ja-JP" dirty="0" smtClean="0"/>
+          </a:p>
+          <a:p>
+            <a:pPr marL="0" indent="0">
+              <a:buNone/>
+            </a:pPr>
+            <a:endParaRPr kumimoji="1" lang="en-US" altLang="ja-JP" dirty="0" smtClean="0"/>
+          </a:p>
+          <a:p>
+            <a:endParaRPr kumimoji="1" lang="ja-JP" altLang="en-US" dirty="0"/>
           </a:p>
         </p:txBody>
       </p:sp>
     </p:spTree>
     <p:extLst>
       <p:ext uri="{BB962C8B-B14F-4D97-AF65-F5344CB8AC3E}">
-        <p14:creationId xmlns:p14="http://schemas.microsoft.com/office/powerpoint/2010/main" val="1551462689"/>
+        <p14:creationId xmlns:p14="http://schemas.microsoft.com/office/powerpoint/2010/main" val="3092352697"/>
       </p:ext>
     </p:extLst>
   </p:cSld>
@@ -4704,8 +4845,8 @@
           <a:lstStyle/>
           <a:p>
             <a:r>
-              <a:rPr kumimoji="1" lang="ja-JP" altLang="en-US" dirty="0" smtClean="0"/>
-              <a:t>クラス変数　クラスメソッド</a:t>
+              <a:rPr lang="ja-JP" altLang="en-US" dirty="0"/>
+              <a:t>配列</a:t>
             </a:r>
             <a:endParaRPr kumimoji="1" lang="ja-JP" altLang="en-US" dirty="0"/>
           </a:p>
@@ -4723,115 +4864,125 @@
         </p:nvSpPr>
         <p:spPr/>
         <p:txBody>
-          <a:bodyPr/>
-          <a:lstStyle/>
-          <a:p>
-            <a:r>
-              <a:rPr kumimoji="1" lang="ja-JP" altLang="en-US" sz="3200" dirty="0" smtClean="0"/>
-              <a:t>クラスメソッド</a:t>
-            </a:r>
-            <a:r>
-              <a:rPr kumimoji="1" lang="en-US" altLang="ja-JP" sz="3200" dirty="0" smtClean="0"/>
-              <a:t>: </a:t>
-            </a:r>
-            <a:r>
-              <a:rPr kumimoji="1" lang="ja-JP" altLang="en-US" sz="3200" dirty="0" smtClean="0"/>
-              <a:t>インスタンス化せずに呼ぶことができるメソッド</a:t>
-            </a:r>
-            <a:endParaRPr kumimoji="1" lang="en-US" altLang="ja-JP" sz="3200" dirty="0" smtClean="0"/>
-          </a:p>
-          <a:p>
-            <a:r>
-              <a:rPr lang="ja-JP" altLang="en-US" sz="3200" dirty="0" smtClean="0"/>
-              <a:t>宣言方法 </a:t>
-            </a:r>
-            <a:r>
-              <a:rPr lang="en-US" altLang="ja-JP" sz="3200" dirty="0" smtClean="0"/>
-              <a:t>:</a:t>
-            </a:r>
-            <a:r>
-              <a:rPr lang="en-US" altLang="ja-JP" sz="3200" dirty="0" err="1" smtClean="0"/>
-              <a:t>def</a:t>
-            </a:r>
-            <a:r>
-              <a:rPr lang="en-US" altLang="ja-JP" sz="3200" dirty="0" smtClean="0"/>
+          <a:bodyPr>
+            <a:normAutofit/>
+          </a:bodyPr>
+          <a:lstStyle/>
+          <a:p>
+            <a:pPr marL="0" indent="0">
+              <a:buNone/>
+            </a:pPr>
+            <a:r>
+              <a:rPr lang="en-US" altLang="ja-JP" sz="3600" dirty="0"/>
+              <a:t># -*- coding: </a:t>
+            </a:r>
+            <a:r>
+              <a:rPr lang="en-US" altLang="ja-JP" sz="3600" dirty="0" err="1"/>
+              <a:t>shift_jis</a:t>
+            </a:r>
+            <a:r>
+              <a:rPr lang="en-US" altLang="ja-JP" sz="3600" dirty="0"/>
               <a:t> </a:t>
             </a:r>
             <a:r>
-              <a:rPr lang="ja-JP" altLang="en-US" sz="3200" dirty="0" smtClean="0"/>
-              <a:t>クラス</a:t>
-            </a:r>
-            <a:r>
-              <a:rPr lang="en-US" altLang="ja-JP" sz="3200" dirty="0" smtClean="0"/>
-              <a:t>.</a:t>
-            </a:r>
-            <a:r>
-              <a:rPr lang="ja-JP" altLang="en-US" sz="3200" dirty="0" smtClean="0"/>
-              <a:t>メソッド</a:t>
-            </a:r>
-            <a:r>
-              <a:rPr lang="en-US" altLang="ja-JP" sz="3200" dirty="0" smtClean="0"/>
-              <a:t>, </a:t>
-            </a:r>
-            <a:r>
-              <a:rPr lang="en-US" altLang="ja-JP" sz="3200" dirty="0" err="1" smtClean="0"/>
-              <a:t>def</a:t>
-            </a:r>
-            <a:r>
-              <a:rPr lang="en-US" altLang="ja-JP" sz="3200" dirty="0" smtClean="0"/>
-              <a:t> self.</a:t>
-            </a:r>
-            <a:r>
-              <a:rPr lang="ja-JP" altLang="en-US" sz="3200" dirty="0" smtClean="0"/>
-              <a:t>メソッド</a:t>
-            </a:r>
-            <a:endParaRPr lang="en-US" altLang="ja-JP" sz="3200" dirty="0" smtClean="0"/>
-          </a:p>
-          <a:p>
-            <a:endParaRPr lang="en-US" altLang="ja-JP" sz="3200" dirty="0"/>
-          </a:p>
-          <a:p>
-            <a:r>
-              <a:rPr lang="ja-JP" altLang="en-US" sz="3200" dirty="0" smtClean="0"/>
-              <a:t>クラス変数</a:t>
-            </a:r>
-            <a:r>
-              <a:rPr lang="en-US" altLang="ja-JP" sz="3200" dirty="0" smtClean="0"/>
-              <a:t>: </a:t>
-            </a:r>
-            <a:r>
-              <a:rPr lang="ja-JP" altLang="en-US" sz="3200" dirty="0" smtClean="0"/>
-              <a:t>インスタンス化せずにクラス内に値を保持することができる</a:t>
-            </a:r>
-            <a:endParaRPr lang="en-US" altLang="ja-JP" sz="3200" dirty="0" smtClean="0"/>
-          </a:p>
-          <a:p>
-            <a:endParaRPr lang="en-US" altLang="ja-JP" sz="3200" dirty="0"/>
-          </a:p>
-          <a:p>
-            <a:endParaRPr lang="en-US" altLang="ja-JP" sz="3200" dirty="0" smtClean="0"/>
-          </a:p>
-          <a:p>
-            <a:endParaRPr kumimoji="1" lang="en-US" altLang="ja-JP" dirty="0"/>
-          </a:p>
-          <a:p>
-            <a:endParaRPr kumimoji="1" lang="en-US" altLang="ja-JP" dirty="0" smtClean="0"/>
-          </a:p>
-          <a:p>
-            <a:endParaRPr kumimoji="1" lang="en-US" altLang="ja-JP" dirty="0" smtClean="0"/>
-          </a:p>
-          <a:p>
-            <a:pPr marL="0" indent="0">
-              <a:buNone/>
-            </a:pPr>
-            <a:endParaRPr lang="en-US" altLang="ja-JP" dirty="0" smtClean="0"/>
+              <a:rPr lang="en-US" altLang="ja-JP" sz="3600" dirty="0" smtClean="0"/>
+              <a:t>-*-</a:t>
+            </a:r>
+            <a:endParaRPr lang="en-US" altLang="ja-JP" sz="3600" dirty="0"/>
+          </a:p>
+          <a:p>
+            <a:pPr marL="0" indent="0">
+              <a:buNone/>
+            </a:pPr>
+            <a:endParaRPr lang="en-US" altLang="ja-JP" sz="3600" dirty="0"/>
+          </a:p>
+          <a:p>
+            <a:pPr marL="0" indent="0">
+              <a:buNone/>
+            </a:pPr>
+            <a:r>
+              <a:rPr lang="en-US" altLang="ja-JP" sz="3600" dirty="0"/>
+              <a:t>names=["</a:t>
+            </a:r>
+            <a:r>
+              <a:rPr lang="en-US" altLang="ja-JP" sz="3600" dirty="0" err="1"/>
+              <a:t>ando</a:t>
+            </a:r>
+            <a:r>
+              <a:rPr lang="en-US" altLang="ja-JP" sz="3600" dirty="0"/>
+              <a:t>","</a:t>
+            </a:r>
+            <a:r>
+              <a:rPr lang="en-US" altLang="ja-JP" sz="3600" dirty="0" err="1"/>
+              <a:t>ito</a:t>
+            </a:r>
+            <a:r>
+              <a:rPr lang="en-US" altLang="ja-JP" sz="3600" dirty="0"/>
+              <a:t>","</a:t>
+            </a:r>
+            <a:r>
+              <a:rPr lang="en-US" altLang="ja-JP" sz="3600" dirty="0" err="1"/>
+              <a:t>ueno</a:t>
+            </a:r>
+            <a:r>
+              <a:rPr lang="en-US" altLang="ja-JP" sz="3600" dirty="0"/>
+              <a:t>"]</a:t>
+            </a:r>
+          </a:p>
+          <a:p>
+            <a:pPr marL="0" indent="0">
+              <a:buNone/>
+            </a:pPr>
+            <a:r>
+              <a:rPr lang="en-US" altLang="ja-JP" sz="3600" dirty="0" err="1"/>
+              <a:t>names.size.times</a:t>
+            </a:r>
+            <a:r>
+              <a:rPr lang="en-US" altLang="ja-JP" sz="3600" dirty="0"/>
+              <a:t>{|</a:t>
+            </a:r>
+            <a:r>
+              <a:rPr lang="en-US" altLang="ja-JP" sz="3600" dirty="0" err="1"/>
+              <a:t>i</a:t>
+            </a:r>
+            <a:r>
+              <a:rPr lang="en-US" altLang="ja-JP" sz="3600" dirty="0"/>
+              <a:t>| </a:t>
+            </a:r>
+          </a:p>
+          <a:p>
+            <a:pPr marL="0" indent="0">
+              <a:buNone/>
+            </a:pPr>
+            <a:r>
+              <a:rPr lang="en-US" altLang="ja-JP" sz="3600" dirty="0"/>
+              <a:t>	puts names[</a:t>
+            </a:r>
+            <a:r>
+              <a:rPr lang="en-US" altLang="ja-JP" sz="3600" dirty="0" err="1"/>
+              <a:t>i</a:t>
+            </a:r>
+            <a:r>
+              <a:rPr lang="en-US" altLang="ja-JP" sz="3600" dirty="0"/>
+              <a:t>]</a:t>
+            </a:r>
+          </a:p>
+          <a:p>
+            <a:pPr marL="0" indent="0">
+              <a:buNone/>
+            </a:pPr>
+            <a:r>
+              <a:rPr lang="en-US" altLang="ja-JP" sz="3600" dirty="0"/>
+              <a:t>}</a:t>
+            </a:r>
+            <a:endParaRPr kumimoji="1" lang="ja-JP" altLang="en-US" sz="3600" dirty="0"/>
           </a:p>
         </p:txBody>
       </p:sp>
     </p:spTree>
     <p:extLst>
       <p:ext uri="{BB962C8B-B14F-4D97-AF65-F5344CB8AC3E}">
-        <p14:creationId xmlns:p14="http://schemas.microsoft.com/office/powerpoint/2010/main" val="715947113"/>
+        <p14:creationId xmlns:p14="http://schemas.microsoft.com/office/powerpoint/2010/main" val="2872002627"/>
       </p:ext>
     </p:extLst>
   </p:cSld>
@@ -4882,7 +5033,7 @@
           <a:p>
             <a:r>
               <a:rPr kumimoji="1" lang="ja-JP" altLang="en-US" dirty="0" smtClean="0"/>
-              <a:t>モジュール</a:t>
+              <a:t>配列</a:t>
             </a:r>
             <a:endParaRPr kumimoji="1" lang="ja-JP" altLang="en-US" dirty="0"/>
           </a:p>
@@ -4898,120 +5049,113 @@
             <p:ph idx="1"/>
           </p:nvPr>
         </p:nvSpPr>
-        <p:spPr>
-          <a:xfrm>
-            <a:off x="838199" y="1825625"/>
-            <a:ext cx="10627895" cy="4351338"/>
-          </a:xfrm>
-        </p:spPr>
+        <p:spPr/>
         <p:txBody>
           <a:bodyPr/>
           <a:lstStyle/>
           <a:p>
             <a:r>
               <a:rPr kumimoji="1" lang="ja-JP" altLang="en-US" dirty="0" smtClean="0"/>
-              <a:t>オブジェクトを生成することができない</a:t>
-            </a:r>
-            <a:endParaRPr kumimoji="1" lang="en-US" altLang="ja-JP" dirty="0" smtClean="0"/>
-          </a:p>
-          <a:p>
+              <a:t>宣言方法</a:t>
+            </a:r>
+            <a:r>
+              <a:rPr kumimoji="1" lang="en-US" altLang="ja-JP" dirty="0" smtClean="0"/>
+              <a:t>: </a:t>
+            </a:r>
+            <a:r>
+              <a:rPr kumimoji="1" lang="ja-JP" altLang="en-US" dirty="0" smtClean="0"/>
+              <a:t>配列名</a:t>
+            </a:r>
+            <a:r>
+              <a:rPr kumimoji="1" lang="en-US" altLang="ja-JP" dirty="0" smtClean="0"/>
+              <a:t>=[“</a:t>
+            </a:r>
+            <a:r>
+              <a:rPr kumimoji="1" lang="ja-JP" altLang="en-US" dirty="0" smtClean="0"/>
+              <a:t>要素</a:t>
+            </a:r>
+            <a:r>
+              <a:rPr kumimoji="1" lang="en-US" altLang="ja-JP" dirty="0" smtClean="0"/>
+              <a:t>”,”</a:t>
+            </a:r>
+            <a:r>
+              <a:rPr kumimoji="1" lang="ja-JP" altLang="en-US" dirty="0" smtClean="0"/>
+              <a:t>要素</a:t>
+            </a:r>
+            <a:r>
+              <a:rPr kumimoji="1" lang="en-US" altLang="ja-JP" dirty="0" smtClean="0"/>
+              <a:t>”]</a:t>
+            </a:r>
+          </a:p>
+          <a:p>
+            <a:pPr marL="0" indent="0">
+              <a:buNone/>
+            </a:pPr>
+            <a:r>
+              <a:rPr lang="ja-JP" altLang="en-US" dirty="0" smtClean="0"/>
+              <a:t>　要素ない場合</a:t>
+            </a:r>
+            <a:r>
+              <a:rPr lang="en-US" altLang="ja-JP" dirty="0" smtClean="0"/>
+              <a:t>: </a:t>
+            </a:r>
+            <a:r>
+              <a:rPr lang="ja-JP" altLang="en-US" dirty="0"/>
+              <a:t>配列</a:t>
+            </a:r>
+            <a:r>
+              <a:rPr lang="ja-JP" altLang="en-US" dirty="0" smtClean="0"/>
+              <a:t>名</a:t>
+            </a:r>
+            <a:r>
+              <a:rPr lang="en-US" altLang="ja-JP" dirty="0" smtClean="0"/>
+              <a:t>=</a:t>
+            </a:r>
+            <a:r>
+              <a:rPr lang="en-US" altLang="ja-JP" dirty="0" err="1" smtClean="0"/>
+              <a:t>Array.new</a:t>
+            </a:r>
+            <a:r>
+              <a:rPr lang="en-US" altLang="ja-JP" dirty="0" smtClean="0"/>
+              <a:t>(</a:t>
+            </a:r>
+            <a:r>
+              <a:rPr lang="ja-JP" altLang="en-US" dirty="0" smtClean="0"/>
+              <a:t>確保する配列数</a:t>
+            </a:r>
+            <a:r>
+              <a:rPr lang="en-US" altLang="ja-JP" dirty="0" smtClean="0"/>
+              <a:t>)</a:t>
+            </a:r>
+          </a:p>
+          <a:p>
+            <a:pPr marL="0" indent="0">
+              <a:buNone/>
+            </a:pPr>
             <a:endParaRPr lang="en-US" altLang="ja-JP" dirty="0"/>
           </a:p>
           <a:p>
+            <a:endParaRPr lang="en-US" altLang="ja-JP" dirty="0" smtClean="0"/>
+          </a:p>
+          <a:p>
             <a:r>
               <a:rPr kumimoji="1" lang="ja-JP" altLang="en-US" dirty="0" smtClean="0"/>
-              <a:t>利用方法</a:t>
+              <a:t>配列名</a:t>
             </a:r>
             <a:r>
               <a:rPr kumimoji="1" lang="en-US" altLang="ja-JP" dirty="0" smtClean="0"/>
-              <a:t>:</a:t>
-            </a:r>
-            <a:r>
-              <a:rPr lang="ja-JP" altLang="en-US" dirty="0" smtClean="0"/>
-              <a:t>「</a:t>
-            </a:r>
-            <a:r>
-              <a:rPr lang="ja-JP" altLang="en-US" dirty="0"/>
-              <a:t>モジュール名</a:t>
-            </a:r>
-            <a:r>
-              <a:rPr lang="en-US" altLang="ja-JP" dirty="0"/>
-              <a:t>.</a:t>
-            </a:r>
-            <a:r>
-              <a:rPr lang="ja-JP" altLang="en-US" dirty="0"/>
-              <a:t>メソッド名」の形式で関数のように実行</a:t>
-            </a:r>
-            <a:r>
-              <a:rPr lang="ja-JP" altLang="en-US" dirty="0" smtClean="0"/>
-              <a:t>する</a:t>
-            </a:r>
-            <a:endParaRPr lang="en-US" altLang="ja-JP" dirty="0" smtClean="0"/>
-          </a:p>
-          <a:p>
-            <a:pPr marL="0" indent="0">
-              <a:buNone/>
-            </a:pPr>
-            <a:r>
-              <a:rPr lang="en-US" altLang="ja-JP" dirty="0" smtClean="0"/>
-              <a:t>		</a:t>
-            </a:r>
-            <a:r>
-              <a:rPr lang="ja-JP" altLang="en-US" dirty="0"/>
-              <a:t>他のクラスの中にインクルードして利用</a:t>
-            </a:r>
-            <a:r>
-              <a:rPr lang="ja-JP" altLang="en-US" dirty="0" smtClean="0"/>
-              <a:t>する</a:t>
-            </a:r>
-            <a:endParaRPr lang="en-US" altLang="ja-JP" dirty="0" smtClean="0"/>
-          </a:p>
-          <a:p>
-            <a:pPr marL="0" indent="0">
-              <a:buNone/>
-            </a:pPr>
-            <a:endParaRPr lang="en-US" altLang="ja-JP" dirty="0"/>
-          </a:p>
-          <a:p>
-            <a:r>
-              <a:rPr lang="ja-JP" altLang="en-US" dirty="0"/>
-              <a:t>共通となる機能をモジュールとして定義し、各クラスにインクルードして利用することでコードの再利用性を高めることが</a:t>
-            </a:r>
-            <a:r>
-              <a:rPr lang="ja-JP" altLang="en-US" dirty="0" smtClean="0"/>
-              <a:t>できる</a:t>
-            </a:r>
-            <a:endParaRPr lang="en-US" altLang="ja-JP" dirty="0" smtClean="0"/>
-          </a:p>
-          <a:p>
-            <a:pPr marL="0" indent="0">
-              <a:buNone/>
-            </a:pPr>
-            <a:endParaRPr lang="en-US" altLang="ja-JP" dirty="0"/>
-          </a:p>
-          <a:p>
-            <a:pPr>
-              <a:buFont typeface="Wingdings" panose="05000000000000000000" pitchFamily="2" charset="2"/>
-              <a:buChar char="l"/>
-            </a:pPr>
-            <a:endParaRPr lang="en-US" altLang="ja-JP" dirty="0" smtClean="0"/>
-          </a:p>
-          <a:p>
-            <a:pPr marL="0" indent="0">
-              <a:buNone/>
-            </a:pPr>
+              <a:t>.size </a:t>
+            </a:r>
+            <a:r>
+              <a:rPr kumimoji="1" lang="ja-JP" altLang="en-US" dirty="0" smtClean="0"/>
+              <a:t>確保した配列数を返す</a:t>
+            </a:r>
             <a:endParaRPr kumimoji="1" lang="en-US" altLang="ja-JP" dirty="0"/>
           </a:p>
           <a:p>
             <a:pPr marL="0" indent="0">
               <a:buNone/>
             </a:pPr>
-            <a:endParaRPr kumimoji="1" lang="en-US" altLang="ja-JP" dirty="0" smtClean="0"/>
-          </a:p>
-          <a:p>
-            <a:endParaRPr lang="en-US" altLang="ja-JP" dirty="0"/>
-          </a:p>
-          <a:p>
             <a:endParaRPr kumimoji="1" lang="ja-JP" altLang="en-US" dirty="0"/>
           </a:p>
         </p:txBody>
@@ -5019,7 +5163,7 @@
     </p:spTree>
     <p:extLst>
       <p:ext uri="{BB962C8B-B14F-4D97-AF65-F5344CB8AC3E}">
-        <p14:creationId xmlns:p14="http://schemas.microsoft.com/office/powerpoint/2010/main" val="2318644826"/>
+        <p14:creationId xmlns:p14="http://schemas.microsoft.com/office/powerpoint/2010/main" val="931593266"/>
       </p:ext>
     </p:extLst>
   </p:cSld>
@@ -5055,6 +5199,29 @@
       </p:grpSpPr>
       <p:sp>
         <p:nvSpPr>
+          <p:cNvPr id="2" name="タイトル 1"/>
+          <p:cNvSpPr>
+            <a:spLocks noGrp="1"/>
+          </p:cNvSpPr>
+          <p:nvPr>
+            <p:ph type="title"/>
+          </p:nvPr>
+        </p:nvSpPr>
+        <p:spPr/>
+        <p:txBody>
+          <a:bodyPr/>
+          <a:lstStyle/>
+          <a:p>
+            <a:r>
+              <a:rPr kumimoji="1" lang="ja-JP" altLang="en-US" dirty="0" smtClean="0"/>
+              <a:t>問題</a:t>
+            </a:r>
+            <a:endParaRPr kumimoji="1" lang="ja-JP" altLang="en-US" dirty="0"/>
+          </a:p>
+        </p:txBody>
+      </p:sp>
+      <p:sp>
+        <p:nvSpPr>
           <p:cNvPr id="3" name="コンテンツ プレースホルダー 2"/>
           <p:cNvSpPr>
             <a:spLocks noGrp="1"/>
@@ -5063,209 +5230,14 @@
             <p:ph idx="1"/>
           </p:nvPr>
         </p:nvSpPr>
-        <p:spPr>
-          <a:xfrm>
-            <a:off x="838200" y="1"/>
-            <a:ext cx="10940716" cy="6701590"/>
-          </a:xfrm>
-        </p:spPr>
-        <p:txBody>
-          <a:bodyPr>
-            <a:normAutofit/>
-          </a:bodyPr>
-          <a:lstStyle/>
-          <a:p>
-            <a:r>
-              <a:rPr kumimoji="1" lang="ja-JP" altLang="en-US" dirty="0" smtClean="0"/>
-              <a:t>以下の</a:t>
-            </a:r>
+        <p:spPr/>
+        <p:txBody>
+          <a:bodyPr/>
+          <a:lstStyle/>
+          <a:p>
             <a:r>
               <a:rPr kumimoji="1" lang="en-US" altLang="ja-JP" dirty="0" smtClean="0"/>
-              <a:t>Car</a:t>
-            </a:r>
-            <a:r>
-              <a:rPr kumimoji="1" lang="ja-JP" altLang="en-US" dirty="0" smtClean="0"/>
-              <a:t>クラスとモジュールを設計せよ</a:t>
-            </a:r>
-            <a:endParaRPr kumimoji="1" lang="en-US" altLang="ja-JP" dirty="0" smtClean="0"/>
-          </a:p>
-          <a:p>
-            <a:r>
-              <a:rPr kumimoji="1" lang="ja-JP" altLang="en-US" dirty="0" smtClean="0"/>
-              <a:t>クラス変数</a:t>
-            </a:r>
-            <a:r>
-              <a:rPr kumimoji="1" lang="en-US" altLang="ja-JP" dirty="0" smtClean="0"/>
-              <a:t>: </a:t>
-            </a:r>
-            <a:r>
-              <a:rPr kumimoji="1" lang="en-US" altLang="ja-JP" dirty="0" err="1" smtClean="0"/>
-              <a:t>ElementCount</a:t>
-            </a:r>
-            <a:r>
-              <a:rPr kumimoji="1" lang="en-US" altLang="ja-JP" dirty="0" smtClean="0"/>
-              <a:t> </a:t>
-            </a:r>
-            <a:r>
-              <a:rPr kumimoji="1" lang="ja-JP" altLang="en-US" dirty="0" smtClean="0"/>
-              <a:t>配列の要素数をカウントする</a:t>
-            </a:r>
-            <a:endParaRPr kumimoji="1" lang="en-US" altLang="ja-JP" dirty="0" smtClean="0"/>
-          </a:p>
-          <a:p>
-            <a:r>
-              <a:rPr lang="ja-JP" altLang="en-US" dirty="0" smtClean="0"/>
-              <a:t>インスタンス変数</a:t>
-            </a:r>
-            <a:r>
-              <a:rPr lang="en-US" altLang="ja-JP" dirty="0" smtClean="0"/>
-              <a:t>: </a:t>
-            </a:r>
-            <a:r>
-              <a:rPr lang="en-US" altLang="ja-JP" dirty="0" err="1" smtClean="0"/>
-              <a:t>CarName</a:t>
-            </a:r>
-            <a:r>
-              <a:rPr lang="en-US" altLang="ja-JP" dirty="0"/>
-              <a:t> </a:t>
-            </a:r>
-            <a:r>
-              <a:rPr lang="en-US" altLang="ja-JP" dirty="0" smtClean="0"/>
-              <a:t>[5], Price</a:t>
-            </a:r>
-            <a:r>
-              <a:rPr lang="ja-JP" altLang="en-US" dirty="0"/>
-              <a:t> </a:t>
-            </a:r>
-            <a:r>
-              <a:rPr lang="en-US" altLang="ja-JP" dirty="0" smtClean="0"/>
-              <a:t>[5]</a:t>
-            </a:r>
-          </a:p>
-          <a:p>
-            <a:r>
-              <a:rPr lang="ja-JP" altLang="en-US" dirty="0" smtClean="0"/>
-              <a:t>メソッド </a:t>
-            </a:r>
-            <a:r>
-              <a:rPr lang="en-US" altLang="ja-JP" dirty="0" smtClean="0"/>
-              <a:t>: </a:t>
-            </a:r>
-            <a:r>
-              <a:rPr lang="en-US" altLang="ja-JP" dirty="0" err="1" smtClean="0"/>
-              <a:t>AddCar</a:t>
-            </a:r>
-            <a:r>
-              <a:rPr lang="en-US" altLang="ja-JP" dirty="0" smtClean="0"/>
-              <a:t> </a:t>
-            </a:r>
-            <a:r>
-              <a:rPr lang="ja-JP" altLang="en-US" dirty="0" smtClean="0"/>
-              <a:t>車名と値段を引数にして、配列の末尾に追加 </a:t>
-            </a:r>
-            <a:r>
-              <a:rPr lang="ja-JP" altLang="en-US" dirty="0"/>
-              <a:t>既</a:t>
-            </a:r>
-            <a:r>
-              <a:rPr lang="ja-JP" altLang="en-US" dirty="0" smtClean="0"/>
-              <a:t>に</a:t>
-            </a:r>
-            <a:r>
-              <a:rPr lang="en-US" altLang="ja-JP" dirty="0" smtClean="0"/>
-              <a:t>5</a:t>
-            </a:r>
-            <a:r>
-              <a:rPr lang="ja-JP" altLang="en-US" dirty="0" smtClean="0"/>
-              <a:t>つ</a:t>
-            </a:r>
-            <a:r>
-              <a:rPr lang="en-US" altLang="ja-JP" dirty="0" smtClean="0"/>
-              <a:t>			</a:t>
-            </a:r>
-            <a:r>
-              <a:rPr lang="ja-JP" altLang="en-US" dirty="0" smtClean="0"/>
-              <a:t>登録されていた場合先頭要素を消去し、</a:t>
-            </a:r>
-            <a:r>
-              <a:rPr lang="en-US" altLang="ja-JP" dirty="0" err="1" smtClean="0"/>
-              <a:t>ArrayPack</a:t>
-            </a:r>
-            <a:r>
-              <a:rPr lang="ja-JP" altLang="en-US" dirty="0" smtClean="0"/>
-              <a:t>を</a:t>
-            </a:r>
-            <a:r>
-              <a:rPr lang="en-US" altLang="ja-JP" dirty="0" smtClean="0"/>
-              <a:t>			</a:t>
-            </a:r>
-            <a:r>
-              <a:rPr lang="ja-JP" altLang="en-US" dirty="0" smtClean="0"/>
-              <a:t>実行し、配列の末尾に要素を追加</a:t>
-            </a:r>
-            <a:endParaRPr lang="en-US" altLang="ja-JP" dirty="0" smtClean="0"/>
-          </a:p>
-          <a:p>
-            <a:pPr marL="0" indent="0">
-              <a:buNone/>
-            </a:pPr>
-            <a:r>
-              <a:rPr lang="en-US" altLang="ja-JP" dirty="0"/>
-              <a:t>	 </a:t>
-            </a:r>
-            <a:r>
-              <a:rPr lang="en-US" altLang="ja-JP" dirty="0" smtClean="0"/>
-              <a:t>    :</a:t>
-            </a:r>
-            <a:r>
-              <a:rPr lang="en-US" altLang="ja-JP" dirty="0" err="1" smtClean="0"/>
-              <a:t>DeleteCar</a:t>
-            </a:r>
-            <a:r>
-              <a:rPr lang="en-US" altLang="ja-JP" dirty="0" smtClean="0"/>
-              <a:t> </a:t>
-            </a:r>
-            <a:r>
-              <a:rPr lang="ja-JP" altLang="en-US" dirty="0" smtClean="0"/>
-              <a:t>番号の配列の要素を消去し、</a:t>
-            </a:r>
-            <a:r>
-              <a:rPr lang="en-US" altLang="ja-JP" dirty="0" err="1" smtClean="0"/>
-              <a:t>ArrayPack</a:t>
-            </a:r>
-            <a:r>
-              <a:rPr lang="ja-JP" altLang="en-US" dirty="0" smtClean="0"/>
-              <a:t>を</a:t>
-            </a:r>
-            <a:r>
-              <a:rPr lang="en-US" altLang="ja-JP" dirty="0" smtClean="0"/>
-              <a:t>			   </a:t>
-            </a:r>
-            <a:r>
-              <a:rPr lang="ja-JP" altLang="en-US" dirty="0" smtClean="0"/>
-              <a:t>　　　　　　　  実行</a:t>
-            </a:r>
-            <a:endParaRPr lang="en-US" altLang="ja-JP" dirty="0" smtClean="0"/>
-          </a:p>
-          <a:p>
-            <a:pPr marL="0" indent="0">
-              <a:buNone/>
-            </a:pPr>
-            <a:r>
-              <a:rPr lang="en-US" altLang="ja-JP" dirty="0"/>
-              <a:t>	 </a:t>
-            </a:r>
-            <a:r>
-              <a:rPr lang="en-US" altLang="ja-JP" dirty="0" smtClean="0"/>
-              <a:t>    :</a:t>
-            </a:r>
-            <a:r>
-              <a:rPr lang="en-US" altLang="ja-JP" dirty="0" err="1" smtClean="0"/>
-              <a:t>ShowCar</a:t>
-            </a:r>
-            <a:r>
-              <a:rPr lang="en-US" altLang="ja-JP" dirty="0" smtClean="0"/>
-              <a:t> 0</a:t>
+              <a:t>1</a:t>
             </a:r>
             <a:r>
               <a:rPr lang="ja-JP" altLang="en-US" dirty="0" smtClean="0"/>
@@ -5273,68 +5245,15 @@
             </a:r>
             <a:r>
               <a:rPr lang="en-US" altLang="ja-JP" dirty="0" smtClean="0"/>
-              <a:t>4</a:t>
-            </a:r>
-            <a:r>
-              <a:rPr lang="ja-JP" altLang="en-US" dirty="0" smtClean="0"/>
-              <a:t>の番号を付けて、全ての</a:t>
-            </a:r>
-            <a:r>
-              <a:rPr lang="en-US" altLang="ja-JP" dirty="0" err="1" smtClean="0"/>
-              <a:t>CarName</a:t>
-            </a:r>
-            <a:r>
-              <a:rPr lang="ja-JP" altLang="en-US" dirty="0" smtClean="0"/>
-              <a:t>と</a:t>
-            </a:r>
-            <a:r>
-              <a:rPr lang="en-US" altLang="ja-JP" dirty="0" smtClean="0"/>
-              <a:t>Price</a:t>
-            </a:r>
-            <a:r>
-              <a:rPr lang="ja-JP" altLang="en-US" dirty="0" smtClean="0"/>
-              <a:t>　　　　 </a:t>
-            </a:r>
-            <a:r>
-              <a:rPr lang="en-US" altLang="ja-JP" dirty="0" smtClean="0"/>
-              <a:t>			  </a:t>
-            </a:r>
-            <a:r>
-              <a:rPr lang="ja-JP" altLang="en-US" dirty="0" smtClean="0"/>
-              <a:t>を表示</a:t>
-            </a:r>
-            <a:endParaRPr lang="en-US" altLang="ja-JP" dirty="0" smtClean="0"/>
-          </a:p>
-          <a:p>
-            <a:r>
-              <a:rPr lang="ja-JP" altLang="en-US" dirty="0" smtClean="0"/>
-              <a:t>モジュール</a:t>
-            </a:r>
-            <a:r>
-              <a:rPr lang="en-US" altLang="ja-JP" dirty="0" smtClean="0"/>
-              <a:t>: </a:t>
-            </a:r>
-            <a:r>
-              <a:rPr lang="en-US" altLang="ja-JP" dirty="0" err="1" smtClean="0"/>
-              <a:t>ArrayPack</a:t>
-            </a:r>
-            <a:r>
-              <a:rPr lang="en-US" altLang="ja-JP" dirty="0" smtClean="0"/>
-              <a:t> :</a:t>
-            </a:r>
-            <a:r>
-              <a:rPr lang="ja-JP" altLang="en-US" dirty="0" smtClean="0"/>
-              <a:t>要素を前に詰めた配列を返す</a:t>
-            </a:r>
-            <a:endParaRPr lang="en-US" altLang="ja-JP" dirty="0" smtClean="0"/>
-          </a:p>
-          <a:p>
-            <a:pPr marL="0" indent="0">
-              <a:buNone/>
-            </a:pPr>
-            <a:r>
-              <a:rPr lang="ja-JP" altLang="en-US" dirty="0" smtClean="0"/>
-              <a:t>ループを回しキーボードから</a:t>
+              <a:t>20</a:t>
+            </a:r>
+            <a:r>
+              <a:rPr kumimoji="1" lang="ja-JP" altLang="en-US" dirty="0" err="1" smtClean="0"/>
+              <a:t>までの</a:t>
+            </a:r>
+            <a:r>
+              <a:rPr kumimoji="1" lang="ja-JP" altLang="en-US" dirty="0" smtClean="0"/>
+              <a:t>数字を配列に格納して、</a:t>
             </a:r>
             <a:r>
               <a:rPr lang="en-US" altLang="ja-JP" dirty="0" smtClean="0"/>
@@ -5342,69 +5261,20 @@
             </a:r>
             <a:r>
               <a:rPr lang="ja-JP" altLang="en-US" dirty="0" smtClean="0"/>
-              <a:t>～４の数字を受け以下のメソッドを実行</a:t>
-            </a:r>
-            <a:endParaRPr lang="en-US" altLang="ja-JP" dirty="0" smtClean="0"/>
-          </a:p>
-          <a:p>
-            <a:pPr marL="0" indent="0">
-              <a:buNone/>
-            </a:pPr>
+              <a:t>～</a:t>
+            </a:r>
             <a:r>
               <a:rPr lang="en-US" altLang="ja-JP" dirty="0" smtClean="0"/>
-              <a:t>1:</a:t>
+              <a:t>20</a:t>
             </a:r>
             <a:r>
               <a:rPr lang="ja-JP" altLang="en-US" dirty="0" smtClean="0"/>
-              <a:t>車名と値段を入力して</a:t>
-            </a:r>
-            <a:r>
-              <a:rPr lang="en-US" altLang="ja-JP" dirty="0" err="1" smtClean="0"/>
-              <a:t>Addcar</a:t>
-            </a:r>
-            <a:r>
-              <a:rPr lang="ja-JP" altLang="en-US" dirty="0" smtClean="0"/>
-              <a:t>実行</a:t>
-            </a:r>
-            <a:r>
-              <a:rPr lang="en-US" altLang="ja-JP" dirty="0" smtClean="0"/>
-              <a:t> 2:</a:t>
-            </a:r>
-            <a:r>
-              <a:rPr lang="ja-JP" altLang="en-US" dirty="0" smtClean="0"/>
-              <a:t>番号を入力して</a:t>
-            </a:r>
-            <a:r>
-              <a:rPr lang="en-US" altLang="ja-JP" dirty="0" err="1" smtClean="0"/>
-              <a:t>DeleteCar</a:t>
-            </a:r>
-            <a:r>
-              <a:rPr lang="en-US" altLang="ja-JP" dirty="0" smtClean="0"/>
-              <a:t> </a:t>
-            </a:r>
-            <a:r>
-              <a:rPr lang="ja-JP" altLang="en-US" dirty="0" smtClean="0"/>
-              <a:t>実行</a:t>
-            </a:r>
-            <a:r>
-              <a:rPr lang="en-US" altLang="ja-JP" dirty="0" smtClean="0"/>
-              <a:t>3:ShowCar</a:t>
-            </a:r>
-            <a:r>
-              <a:rPr lang="ja-JP" altLang="en-US" dirty="0" smtClean="0"/>
-              <a:t>実行</a:t>
-            </a:r>
-            <a:r>
-              <a:rPr lang="en-US" altLang="ja-JP" dirty="0" smtClean="0"/>
-              <a:t> 4:</a:t>
-            </a:r>
-            <a:r>
-              <a:rPr lang="ja-JP" altLang="en-US" dirty="0" smtClean="0"/>
-              <a:t>ループ終了</a:t>
-            </a:r>
-            <a:endParaRPr lang="en-US" altLang="ja-JP" dirty="0" smtClean="0"/>
-          </a:p>
-          <a:p>
+              <a:t>の</a:t>
+            </a:r>
+            <a:r>
+              <a:rPr kumimoji="1" lang="ja-JP" altLang="en-US" dirty="0" smtClean="0"/>
+              <a:t>合計と平均をもとめる</a:t>
+            </a:r>
             <a:endParaRPr kumimoji="1" lang="ja-JP" altLang="en-US" dirty="0"/>
           </a:p>
         </p:txBody>
@@ -5412,7 +5282,7 @@
     </p:spTree>
     <p:extLst>
       <p:ext uri="{BB962C8B-B14F-4D97-AF65-F5344CB8AC3E}">
-        <p14:creationId xmlns:p14="http://schemas.microsoft.com/office/powerpoint/2010/main" val="80313469"/>
+        <p14:creationId xmlns:p14="http://schemas.microsoft.com/office/powerpoint/2010/main" val="3692559275"/>
       </p:ext>
     </p:extLst>
   </p:cSld>
@@ -5463,6 +5333,4567 @@
           <a:p>
             <a:r>
               <a:rPr kumimoji="1" lang="ja-JP" altLang="en-US" dirty="0" smtClean="0"/>
+              <a:t>資料場所</a:t>
+            </a:r>
+            <a:endParaRPr kumimoji="1" lang="ja-JP" altLang="en-US" dirty="0"/>
+          </a:p>
+        </p:txBody>
+      </p:sp>
+      <p:sp>
+        <p:nvSpPr>
+          <p:cNvPr id="3" name="コンテンツ プレースホルダー 2"/>
+          <p:cNvSpPr>
+            <a:spLocks noGrp="1"/>
+          </p:cNvSpPr>
+          <p:nvPr>
+            <p:ph idx="1"/>
+          </p:nvPr>
+        </p:nvSpPr>
+        <p:spPr/>
+        <p:txBody>
+          <a:bodyPr/>
+          <a:lstStyle/>
+          <a:p>
+            <a:r>
+              <a:rPr lang="en-US" altLang="ja-JP" dirty="0"/>
+              <a:t>https://github.com/rubylecture/Rubylecture</a:t>
+            </a:r>
+            <a:endParaRPr kumimoji="1" lang="ja-JP" altLang="en-US" dirty="0"/>
+          </a:p>
+        </p:txBody>
+      </p:sp>
+    </p:spTree>
+    <p:extLst>
+      <p:ext uri="{BB962C8B-B14F-4D97-AF65-F5344CB8AC3E}">
+        <p14:creationId xmlns:p14="http://schemas.microsoft.com/office/powerpoint/2010/main" val="1376198070"/>
+      </p:ext>
+    </p:extLst>
+  </p:cSld>
+  <p:clrMapOvr>
+    <a:masterClrMapping/>
+  </p:clrMapOvr>
+  <p:timing>
+    <p:tnLst>
+      <p:par>
+        <p:cTn id="1" dur="indefinite" restart="never" nodeType="tmRoot"/>
+      </p:par>
+    </p:tnLst>
+  </p:timing>
+</p:sld>
+</file>
+
+<file path=ppt/slides/slide20.xml><?xml version="1.0" encoding="utf-8"?>
+<p:sld xmlns:a="http://schemas.openxmlformats.org/drawingml/2006/main" xmlns:r="http://schemas.openxmlformats.org/officeDocument/2006/relationships" xmlns:p="http://schemas.openxmlformats.org/presentationml/2006/main">
+  <p:cSld>
+    <p:spTree>
+      <p:nvGrpSpPr>
+        <p:cNvPr id="1" name=""/>
+        <p:cNvGrpSpPr/>
+        <p:nvPr/>
+      </p:nvGrpSpPr>
+      <p:grpSpPr>
+        <a:xfrm>
+          <a:off x="0" y="0"/>
+          <a:ext cx="0" cy="0"/>
+          <a:chOff x="0" y="0"/>
+          <a:chExt cx="0" cy="0"/>
+        </a:xfrm>
+      </p:grpSpPr>
+      <p:sp>
+        <p:nvSpPr>
+          <p:cNvPr id="2" name="タイトル 1"/>
+          <p:cNvSpPr>
+            <a:spLocks noGrp="1"/>
+          </p:cNvSpPr>
+          <p:nvPr>
+            <p:ph type="title"/>
+          </p:nvPr>
+        </p:nvSpPr>
+        <p:spPr/>
+        <p:txBody>
+          <a:bodyPr/>
+          <a:lstStyle/>
+          <a:p>
+            <a:r>
+              <a:rPr kumimoji="1" lang="ja-JP" altLang="en-US" dirty="0" smtClean="0"/>
+              <a:t>メソッド</a:t>
+            </a:r>
+            <a:endParaRPr kumimoji="1" lang="ja-JP" altLang="en-US" dirty="0"/>
+          </a:p>
+        </p:txBody>
+      </p:sp>
+      <p:sp>
+        <p:nvSpPr>
+          <p:cNvPr id="3" name="コンテンツ プレースホルダー 2"/>
+          <p:cNvSpPr>
+            <a:spLocks noGrp="1"/>
+          </p:cNvSpPr>
+          <p:nvPr>
+            <p:ph idx="1"/>
+          </p:nvPr>
+        </p:nvSpPr>
+        <p:spPr>
+          <a:xfrm>
+            <a:off x="838200" y="1468192"/>
+            <a:ext cx="10515600" cy="5254580"/>
+          </a:xfrm>
+        </p:spPr>
+        <p:txBody>
+          <a:bodyPr>
+            <a:normAutofit fontScale="92500" lnSpcReduction="20000"/>
+          </a:bodyPr>
+          <a:lstStyle/>
+          <a:p>
+            <a:pPr marL="0" indent="0">
+              <a:buNone/>
+            </a:pPr>
+            <a:r>
+              <a:rPr lang="en-US" altLang="ja-JP" dirty="0"/>
+              <a:t># -*- coding: </a:t>
+            </a:r>
+            <a:r>
+              <a:rPr lang="en-US" altLang="ja-JP" dirty="0" err="1"/>
+              <a:t>shift_jis</a:t>
+            </a:r>
+            <a:r>
+              <a:rPr lang="en-US" altLang="ja-JP" dirty="0"/>
+              <a:t> -*-</a:t>
+            </a:r>
+          </a:p>
+          <a:p>
+            <a:pPr marL="0" indent="0">
+              <a:buNone/>
+            </a:pPr>
+            <a:endParaRPr lang="en-US" altLang="ja-JP" dirty="0"/>
+          </a:p>
+          <a:p>
+            <a:pPr marL="0" indent="0">
+              <a:buNone/>
+            </a:pPr>
+            <a:r>
+              <a:rPr lang="en-US" altLang="ja-JP" dirty="0" err="1"/>
+              <a:t>def</a:t>
+            </a:r>
+            <a:r>
+              <a:rPr lang="en-US" altLang="ja-JP" dirty="0"/>
+              <a:t> </a:t>
+            </a:r>
+            <a:r>
+              <a:rPr lang="en-US" altLang="ja-JP" dirty="0" err="1"/>
+              <a:t>keisan</a:t>
+            </a:r>
+            <a:r>
+              <a:rPr lang="en-US" altLang="ja-JP" dirty="0"/>
+              <a:t>(*number)</a:t>
+            </a:r>
+          </a:p>
+          <a:p>
+            <a:pPr marL="0" indent="0">
+              <a:buNone/>
+            </a:pPr>
+            <a:r>
+              <a:rPr lang="en-US" altLang="ja-JP" dirty="0"/>
+              <a:t>sum=0.0</a:t>
+            </a:r>
+          </a:p>
+          <a:p>
+            <a:pPr marL="0" indent="0">
+              <a:buNone/>
+            </a:pPr>
+            <a:r>
+              <a:rPr lang="en-US" altLang="ja-JP" dirty="0" err="1"/>
+              <a:t>number.size.times</a:t>
+            </a:r>
+            <a:r>
+              <a:rPr lang="en-US" altLang="ja-JP" dirty="0"/>
+              <a:t>{ |</a:t>
+            </a:r>
+            <a:r>
+              <a:rPr lang="en-US" altLang="ja-JP" dirty="0" err="1"/>
+              <a:t>i</a:t>
+            </a:r>
+            <a:r>
+              <a:rPr lang="en-US" altLang="ja-JP" dirty="0"/>
+              <a:t>|</a:t>
+            </a:r>
+          </a:p>
+          <a:p>
+            <a:pPr marL="0" indent="0">
+              <a:buNone/>
+            </a:pPr>
+            <a:r>
+              <a:rPr lang="en-US" altLang="ja-JP" dirty="0"/>
+              <a:t>	sum=</a:t>
+            </a:r>
+            <a:r>
+              <a:rPr lang="en-US" altLang="ja-JP" dirty="0" err="1"/>
+              <a:t>sum+number</a:t>
+            </a:r>
+            <a:r>
+              <a:rPr lang="en-US" altLang="ja-JP" dirty="0"/>
+              <a:t>[</a:t>
+            </a:r>
+            <a:r>
+              <a:rPr lang="en-US" altLang="ja-JP" dirty="0" err="1"/>
+              <a:t>i</a:t>
+            </a:r>
+            <a:r>
+              <a:rPr lang="en-US" altLang="ja-JP" dirty="0"/>
+              <a:t>]</a:t>
+            </a:r>
+          </a:p>
+          <a:p>
+            <a:pPr marL="0" indent="0">
+              <a:buNone/>
+            </a:pPr>
+            <a:r>
+              <a:rPr lang="en-US" altLang="ja-JP" dirty="0"/>
+              <a:t>}</a:t>
+            </a:r>
+          </a:p>
+          <a:p>
+            <a:pPr marL="0" indent="0">
+              <a:buNone/>
+            </a:pPr>
+            <a:r>
+              <a:rPr lang="en-US" altLang="ja-JP" dirty="0"/>
+              <a:t>puts sum</a:t>
+            </a:r>
+          </a:p>
+          <a:p>
+            <a:pPr marL="0" indent="0">
+              <a:buNone/>
+            </a:pPr>
+            <a:r>
+              <a:rPr lang="en-US" altLang="ja-JP" dirty="0"/>
+              <a:t>return sum/</a:t>
+            </a:r>
+            <a:r>
+              <a:rPr lang="en-US" altLang="ja-JP" dirty="0" err="1"/>
+              <a:t>number.size</a:t>
+            </a:r>
+            <a:endParaRPr lang="en-US" altLang="ja-JP" dirty="0"/>
+          </a:p>
+          <a:p>
+            <a:pPr marL="0" indent="0">
+              <a:buNone/>
+            </a:pPr>
+            <a:r>
+              <a:rPr lang="en-US" altLang="ja-JP" dirty="0"/>
+              <a:t>end</a:t>
+            </a:r>
+          </a:p>
+          <a:p>
+            <a:pPr marL="0" indent="0">
+              <a:buNone/>
+            </a:pPr>
+            <a:endParaRPr lang="en-US" altLang="ja-JP" dirty="0"/>
+          </a:p>
+          <a:p>
+            <a:pPr marL="0" indent="0">
+              <a:buNone/>
+            </a:pPr>
+            <a:r>
+              <a:rPr lang="en-US" altLang="ja-JP" dirty="0"/>
+              <a:t>number=(1..20).</a:t>
+            </a:r>
+            <a:r>
+              <a:rPr lang="en-US" altLang="ja-JP" dirty="0" err="1"/>
+              <a:t>to_a</a:t>
+            </a:r>
+            <a:endParaRPr lang="en-US" altLang="ja-JP" dirty="0"/>
+          </a:p>
+          <a:p>
+            <a:pPr marL="0" indent="0">
+              <a:buNone/>
+            </a:pPr>
+            <a:r>
+              <a:rPr lang="en-US" altLang="ja-JP" dirty="0"/>
+              <a:t>puts </a:t>
+            </a:r>
+            <a:r>
+              <a:rPr lang="en-US" altLang="ja-JP" dirty="0" err="1"/>
+              <a:t>keisan</a:t>
+            </a:r>
+            <a:r>
+              <a:rPr lang="en-US" altLang="ja-JP" dirty="0"/>
+              <a:t>(*number)</a:t>
+            </a:r>
+          </a:p>
+          <a:p>
+            <a:pPr marL="0" indent="0">
+              <a:buNone/>
+            </a:pPr>
+            <a:endParaRPr lang="en-US" altLang="ja-JP" dirty="0"/>
+          </a:p>
+          <a:p>
+            <a:pPr marL="0" indent="0">
+              <a:buNone/>
+            </a:pPr>
+            <a:endParaRPr lang="en-US" altLang="ja-JP" dirty="0"/>
+          </a:p>
+          <a:p>
+            <a:pPr marL="0" indent="0">
+              <a:buNone/>
+            </a:pPr>
+            <a:endParaRPr kumimoji="1" lang="ja-JP" altLang="en-US" dirty="0"/>
+          </a:p>
+        </p:txBody>
+      </p:sp>
+    </p:spTree>
+    <p:extLst>
+      <p:ext uri="{BB962C8B-B14F-4D97-AF65-F5344CB8AC3E}">
+        <p14:creationId xmlns:p14="http://schemas.microsoft.com/office/powerpoint/2010/main" val="217855378"/>
+      </p:ext>
+    </p:extLst>
+  </p:cSld>
+  <p:clrMapOvr>
+    <a:masterClrMapping/>
+  </p:clrMapOvr>
+  <p:timing>
+    <p:tnLst>
+      <p:par>
+        <p:cTn id="1" dur="indefinite" restart="never" nodeType="tmRoot"/>
+      </p:par>
+    </p:tnLst>
+  </p:timing>
+</p:sld>
+</file>
+
+<file path=ppt/slides/slide21.xml><?xml version="1.0" encoding="utf-8"?>
+<p:sld xmlns:a="http://schemas.openxmlformats.org/drawingml/2006/main" xmlns:r="http://schemas.openxmlformats.org/officeDocument/2006/relationships" xmlns:p="http://schemas.openxmlformats.org/presentationml/2006/main">
+  <p:cSld>
+    <p:spTree>
+      <p:nvGrpSpPr>
+        <p:cNvPr id="1" name=""/>
+        <p:cNvGrpSpPr/>
+        <p:nvPr/>
+      </p:nvGrpSpPr>
+      <p:grpSpPr>
+        <a:xfrm>
+          <a:off x="0" y="0"/>
+          <a:ext cx="0" cy="0"/>
+          <a:chOff x="0" y="0"/>
+          <a:chExt cx="0" cy="0"/>
+        </a:xfrm>
+      </p:grpSpPr>
+      <p:sp>
+        <p:nvSpPr>
+          <p:cNvPr id="2" name="タイトル 1"/>
+          <p:cNvSpPr>
+            <a:spLocks noGrp="1"/>
+          </p:cNvSpPr>
+          <p:nvPr>
+            <p:ph type="title"/>
+          </p:nvPr>
+        </p:nvSpPr>
+        <p:spPr/>
+        <p:txBody>
+          <a:bodyPr/>
+          <a:lstStyle/>
+          <a:p>
+            <a:r>
+              <a:rPr kumimoji="1" lang="ja-JP" altLang="en-US" dirty="0" smtClean="0"/>
+              <a:t>メソッド</a:t>
+            </a:r>
+            <a:endParaRPr kumimoji="1" lang="ja-JP" altLang="en-US" dirty="0"/>
+          </a:p>
+        </p:txBody>
+      </p:sp>
+      <p:sp>
+        <p:nvSpPr>
+          <p:cNvPr id="3" name="コンテンツ プレースホルダー 2"/>
+          <p:cNvSpPr>
+            <a:spLocks noGrp="1"/>
+          </p:cNvSpPr>
+          <p:nvPr>
+            <p:ph idx="1"/>
+          </p:nvPr>
+        </p:nvSpPr>
+        <p:spPr>
+          <a:xfrm>
+            <a:off x="838200" y="1825624"/>
+            <a:ext cx="10515600" cy="4781237"/>
+          </a:xfrm>
+        </p:spPr>
+        <p:txBody>
+          <a:bodyPr/>
+          <a:lstStyle/>
+          <a:p>
+            <a:r>
+              <a:rPr lang="ja-JP" altLang="en-US" dirty="0" smtClean="0"/>
+              <a:t>使い方 </a:t>
+            </a:r>
+            <a:endParaRPr lang="en-US" altLang="ja-JP" dirty="0" smtClean="0"/>
+          </a:p>
+          <a:p>
+            <a:pPr marL="0" indent="0">
+              <a:buNone/>
+            </a:pPr>
+            <a:r>
+              <a:rPr lang="en-US" altLang="ja-JP" dirty="0" err="1" smtClean="0"/>
+              <a:t>d</a:t>
+            </a:r>
+            <a:r>
+              <a:rPr kumimoji="1" lang="en-US" altLang="ja-JP" dirty="0" err="1" smtClean="0"/>
+              <a:t>ef</a:t>
+            </a:r>
+            <a:r>
+              <a:rPr kumimoji="1" lang="en-US" altLang="ja-JP" dirty="0" smtClean="0"/>
+              <a:t> </a:t>
+            </a:r>
+            <a:r>
+              <a:rPr kumimoji="1" lang="ja-JP" altLang="en-US" dirty="0" smtClean="0"/>
+              <a:t>メソッド名</a:t>
+            </a:r>
+            <a:r>
+              <a:rPr kumimoji="1" lang="en-US" altLang="ja-JP" dirty="0" smtClean="0"/>
+              <a:t>(</a:t>
+            </a:r>
+            <a:r>
+              <a:rPr kumimoji="1" lang="ja-JP" altLang="en-US" dirty="0" smtClean="0"/>
+              <a:t>引数</a:t>
+            </a:r>
+            <a:r>
+              <a:rPr kumimoji="1" lang="en-US" altLang="ja-JP" dirty="0" smtClean="0"/>
+              <a:t>)  *</a:t>
+            </a:r>
+            <a:r>
+              <a:rPr kumimoji="1" lang="ja-JP" altLang="en-US" dirty="0" smtClean="0"/>
+              <a:t>引数は先頭大文字</a:t>
+            </a:r>
+            <a:r>
+              <a:rPr kumimoji="1" lang="en-US" altLang="ja-JP" dirty="0" smtClean="0"/>
+              <a:t>×</a:t>
+            </a:r>
+          </a:p>
+          <a:p>
+            <a:pPr marL="0" indent="0">
+              <a:buNone/>
+            </a:pPr>
+            <a:r>
+              <a:rPr lang="ja-JP" altLang="en-US" dirty="0" smtClean="0"/>
+              <a:t>処理内容</a:t>
+            </a:r>
+            <a:endParaRPr lang="en-US" altLang="ja-JP" dirty="0" smtClean="0"/>
+          </a:p>
+          <a:p>
+            <a:pPr marL="0" indent="0">
+              <a:buNone/>
+            </a:pPr>
+            <a:r>
+              <a:rPr lang="en-US" altLang="ja-JP" dirty="0" smtClean="0"/>
+              <a:t>e</a:t>
+            </a:r>
+            <a:r>
+              <a:rPr kumimoji="1" lang="en-US" altLang="ja-JP" dirty="0" smtClean="0"/>
+              <a:t>nd</a:t>
+            </a:r>
+          </a:p>
+          <a:p>
+            <a:pPr marL="0" indent="0">
+              <a:buNone/>
+            </a:pPr>
+            <a:r>
+              <a:rPr lang="ja-JP" altLang="en-US" dirty="0" smtClean="0"/>
+              <a:t>宣言せずに好きな型を帰すことができる</a:t>
+            </a:r>
+            <a:endParaRPr lang="en-US" altLang="ja-JP" dirty="0" smtClean="0"/>
+          </a:p>
+          <a:p>
+            <a:pPr marL="0" indent="0">
+              <a:buNone/>
+            </a:pPr>
+            <a:endParaRPr lang="en-US" altLang="ja-JP" dirty="0"/>
+          </a:p>
+          <a:p>
+            <a:pPr marL="0" indent="0">
+              <a:buNone/>
+            </a:pPr>
+            <a:r>
+              <a:rPr lang="en-US" altLang="ja-JP" dirty="0" smtClean="0"/>
+              <a:t>*</a:t>
+            </a:r>
+            <a:r>
+              <a:rPr lang="ja-JP" altLang="en-US" dirty="0" smtClean="0"/>
+              <a:t>変数名 </a:t>
+            </a:r>
+            <a:r>
+              <a:rPr lang="en-US" altLang="ja-JP" dirty="0" smtClean="0"/>
+              <a:t>:</a:t>
+            </a:r>
+            <a:r>
+              <a:rPr lang="ja-JP" altLang="en-US" dirty="0"/>
+              <a:t>可変</a:t>
+            </a:r>
+            <a:r>
+              <a:rPr lang="ja-JP" altLang="en-US" dirty="0" smtClean="0"/>
+              <a:t>長引数　 好きなサイズの配列を渡すことができる</a:t>
+            </a:r>
+            <a:endParaRPr lang="en-US" altLang="ja-JP" dirty="0" smtClean="0"/>
+          </a:p>
+          <a:p>
+            <a:pPr marL="0" indent="0">
+              <a:buNone/>
+            </a:pPr>
+            <a:r>
+              <a:rPr lang="en-US" altLang="ja-JP" dirty="0"/>
+              <a:t> </a:t>
+            </a:r>
+            <a:r>
+              <a:rPr lang="en-US" altLang="ja-JP" dirty="0" smtClean="0"/>
+              <a:t>  </a:t>
+            </a:r>
+            <a:r>
+              <a:rPr lang="ja-JP" altLang="en-US" dirty="0" smtClean="0"/>
+              <a:t>注意</a:t>
+            </a:r>
+            <a:r>
+              <a:rPr lang="en-US" altLang="ja-JP" dirty="0" smtClean="0"/>
+              <a:t>:</a:t>
+            </a:r>
+            <a:r>
+              <a:rPr lang="ja-JP" altLang="en-US" dirty="0" smtClean="0"/>
+              <a:t>一番最後の引数につける</a:t>
+            </a:r>
+            <a:endParaRPr lang="en-US" altLang="ja-JP" dirty="0" smtClean="0"/>
+          </a:p>
+          <a:p>
+            <a:pPr marL="0" indent="0">
+              <a:buNone/>
+            </a:pPr>
+            <a:endParaRPr kumimoji="1" lang="en-US" altLang="ja-JP" dirty="0" smtClean="0"/>
+          </a:p>
+          <a:p>
+            <a:pPr marL="0" indent="0">
+              <a:buNone/>
+            </a:pPr>
+            <a:endParaRPr kumimoji="1" lang="ja-JP" altLang="en-US" dirty="0"/>
+          </a:p>
+        </p:txBody>
+      </p:sp>
+    </p:spTree>
+    <p:extLst>
+      <p:ext uri="{BB962C8B-B14F-4D97-AF65-F5344CB8AC3E}">
+        <p14:creationId xmlns:p14="http://schemas.microsoft.com/office/powerpoint/2010/main" val="322551149"/>
+      </p:ext>
+    </p:extLst>
+  </p:cSld>
+  <p:clrMapOvr>
+    <a:masterClrMapping/>
+  </p:clrMapOvr>
+  <p:timing>
+    <p:tnLst>
+      <p:par>
+        <p:cTn id="1" dur="indefinite" restart="never" nodeType="tmRoot"/>
+      </p:par>
+    </p:tnLst>
+  </p:timing>
+</p:sld>
+</file>
+
+<file path=ppt/slides/slide22.xml><?xml version="1.0" encoding="utf-8"?>
+<p:sld xmlns:a="http://schemas.openxmlformats.org/drawingml/2006/main" xmlns:r="http://schemas.openxmlformats.org/officeDocument/2006/relationships" xmlns:p="http://schemas.openxmlformats.org/presentationml/2006/main">
+  <p:cSld>
+    <p:spTree>
+      <p:nvGrpSpPr>
+        <p:cNvPr id="1" name=""/>
+        <p:cNvGrpSpPr/>
+        <p:nvPr/>
+      </p:nvGrpSpPr>
+      <p:grpSpPr>
+        <a:xfrm>
+          <a:off x="0" y="0"/>
+          <a:ext cx="0" cy="0"/>
+          <a:chOff x="0" y="0"/>
+          <a:chExt cx="0" cy="0"/>
+        </a:xfrm>
+      </p:grpSpPr>
+      <p:sp>
+        <p:nvSpPr>
+          <p:cNvPr id="2" name="タイトル 1"/>
+          <p:cNvSpPr>
+            <a:spLocks noGrp="1"/>
+          </p:cNvSpPr>
+          <p:nvPr>
+            <p:ph type="title"/>
+          </p:nvPr>
+        </p:nvSpPr>
+        <p:spPr/>
+        <p:txBody>
+          <a:bodyPr/>
+          <a:lstStyle/>
+          <a:p>
+            <a:r>
+              <a:rPr lang="ja-JP" altLang="en-US" dirty="0"/>
+              <a:t>クラス</a:t>
+            </a:r>
+            <a:endParaRPr kumimoji="1" lang="ja-JP" altLang="en-US" dirty="0"/>
+          </a:p>
+        </p:txBody>
+      </p:sp>
+      <p:sp>
+        <p:nvSpPr>
+          <p:cNvPr id="3" name="コンテンツ プレースホルダー 2"/>
+          <p:cNvSpPr>
+            <a:spLocks noGrp="1"/>
+          </p:cNvSpPr>
+          <p:nvPr>
+            <p:ph idx="1"/>
+          </p:nvPr>
+        </p:nvSpPr>
+        <p:spPr>
+          <a:xfrm>
+            <a:off x="838200" y="1545466"/>
+            <a:ext cx="10515600" cy="5312534"/>
+          </a:xfrm>
+        </p:spPr>
+        <p:txBody>
+          <a:bodyPr>
+            <a:normAutofit fontScale="92500" lnSpcReduction="10000"/>
+          </a:bodyPr>
+          <a:lstStyle/>
+          <a:p>
+            <a:pPr marL="0" indent="0">
+              <a:buNone/>
+            </a:pPr>
+            <a:r>
+              <a:rPr lang="en-US" altLang="ja-JP" dirty="0"/>
+              <a:t>class Car</a:t>
+            </a:r>
+          </a:p>
+          <a:p>
+            <a:pPr marL="0" indent="0">
+              <a:buNone/>
+            </a:pPr>
+            <a:r>
+              <a:rPr lang="en-US" altLang="ja-JP" dirty="0"/>
+              <a:t>  </a:t>
+            </a:r>
+            <a:r>
+              <a:rPr lang="en-US" altLang="ja-JP" dirty="0" err="1"/>
+              <a:t>def</a:t>
+            </a:r>
+            <a:r>
+              <a:rPr lang="en-US" altLang="ja-JP" dirty="0"/>
+              <a:t> initialize(</a:t>
+            </a:r>
+            <a:r>
+              <a:rPr lang="en-US" altLang="ja-JP" dirty="0" err="1"/>
+              <a:t>carname</a:t>
+            </a:r>
+            <a:r>
+              <a:rPr lang="en-US" altLang="ja-JP" dirty="0"/>
+              <a:t>) #</a:t>
+            </a:r>
+            <a:r>
+              <a:rPr lang="ja-JP" altLang="en-US" dirty="0"/>
+              <a:t>コンストラクタ</a:t>
+            </a:r>
+          </a:p>
+          <a:p>
+            <a:pPr marL="0" indent="0">
+              <a:buNone/>
+            </a:pPr>
+            <a:r>
+              <a:rPr lang="ja-JP" altLang="en-US" dirty="0"/>
+              <a:t>    </a:t>
+            </a:r>
+            <a:r>
+              <a:rPr lang="en-US" altLang="ja-JP" dirty="0"/>
+              <a:t>@name = </a:t>
+            </a:r>
+            <a:r>
+              <a:rPr lang="en-US" altLang="ja-JP" dirty="0" err="1" smtClean="0"/>
+              <a:t>carname</a:t>
+            </a:r>
+            <a:r>
+              <a:rPr lang="en-US" altLang="ja-JP" dirty="0" smtClean="0"/>
+              <a:t> #@ </a:t>
+            </a:r>
+            <a:r>
+              <a:rPr lang="ja-JP" altLang="en-US" dirty="0" smtClean="0"/>
+              <a:t>インスタンス変数</a:t>
+            </a:r>
+            <a:endParaRPr lang="en-US" altLang="ja-JP" dirty="0"/>
+          </a:p>
+          <a:p>
+            <a:pPr marL="0" indent="0">
+              <a:buNone/>
+            </a:pPr>
+            <a:r>
+              <a:rPr lang="en-US" altLang="ja-JP" dirty="0"/>
+              <a:t>  end</a:t>
+            </a:r>
+          </a:p>
+          <a:p>
+            <a:pPr marL="0" indent="0">
+              <a:buNone/>
+            </a:pPr>
+            <a:endParaRPr lang="en-US" altLang="ja-JP" dirty="0"/>
+          </a:p>
+          <a:p>
+            <a:pPr marL="0" indent="0">
+              <a:buNone/>
+            </a:pPr>
+            <a:r>
+              <a:rPr lang="en-US" altLang="ja-JP" dirty="0"/>
+              <a:t>  </a:t>
+            </a:r>
+            <a:r>
+              <a:rPr lang="en-US" altLang="ja-JP" dirty="0" err="1"/>
+              <a:t>def</a:t>
+            </a:r>
+            <a:r>
+              <a:rPr lang="en-US" altLang="ja-JP" dirty="0"/>
+              <a:t> </a:t>
+            </a:r>
+            <a:r>
+              <a:rPr lang="en-US" altLang="ja-JP" dirty="0" err="1"/>
+              <a:t>dispName</a:t>
+            </a:r>
+            <a:r>
+              <a:rPr lang="en-US" altLang="ja-JP" dirty="0"/>
+              <a:t> #</a:t>
+            </a:r>
+            <a:r>
+              <a:rPr lang="ja-JP" altLang="en-US" dirty="0"/>
+              <a:t>メソッド</a:t>
+            </a:r>
+          </a:p>
+          <a:p>
+            <a:pPr marL="0" indent="0">
+              <a:buNone/>
+            </a:pPr>
+            <a:r>
+              <a:rPr lang="ja-JP" altLang="en-US" dirty="0"/>
+              <a:t>    </a:t>
+            </a:r>
+            <a:r>
+              <a:rPr lang="en-US" altLang="ja-JP" dirty="0"/>
+              <a:t>print(@name)</a:t>
+            </a:r>
+          </a:p>
+          <a:p>
+            <a:pPr marL="0" indent="0">
+              <a:buNone/>
+            </a:pPr>
+            <a:r>
+              <a:rPr lang="en-US" altLang="ja-JP" dirty="0"/>
+              <a:t>  end</a:t>
+            </a:r>
+          </a:p>
+          <a:p>
+            <a:pPr marL="0" indent="0">
+              <a:buNone/>
+            </a:pPr>
+            <a:r>
+              <a:rPr lang="en-US" altLang="ja-JP" dirty="0"/>
+              <a:t>end</a:t>
+            </a:r>
+          </a:p>
+          <a:p>
+            <a:pPr marL="0" indent="0">
+              <a:buNone/>
+            </a:pPr>
+            <a:endParaRPr lang="en-US" altLang="ja-JP" dirty="0"/>
+          </a:p>
+          <a:p>
+            <a:pPr marL="0" indent="0">
+              <a:buNone/>
+            </a:pPr>
+            <a:r>
+              <a:rPr lang="en-US" altLang="ja-JP" dirty="0"/>
+              <a:t>car = </a:t>
+            </a:r>
+            <a:r>
+              <a:rPr lang="en-US" altLang="ja-JP" dirty="0" err="1"/>
+              <a:t>Car.new</a:t>
+            </a:r>
+            <a:r>
+              <a:rPr lang="en-US" altLang="ja-JP" dirty="0" smtClean="0"/>
+              <a:t>(“crown”) #</a:t>
+            </a:r>
+            <a:r>
+              <a:rPr lang="ja-JP" altLang="en-US" dirty="0" smtClean="0"/>
+              <a:t>インスタンス化</a:t>
+            </a:r>
+            <a:endParaRPr lang="en-US" altLang="ja-JP" dirty="0"/>
+          </a:p>
+          <a:p>
+            <a:pPr marL="0" indent="0">
+              <a:buNone/>
+            </a:pPr>
+            <a:r>
+              <a:rPr lang="en-US" altLang="ja-JP" dirty="0" err="1"/>
+              <a:t>car.dispName</a:t>
+            </a:r>
+            <a:endParaRPr kumimoji="1" lang="ja-JP" altLang="en-US" dirty="0"/>
+          </a:p>
+        </p:txBody>
+      </p:sp>
+    </p:spTree>
+    <p:extLst>
+      <p:ext uri="{BB962C8B-B14F-4D97-AF65-F5344CB8AC3E}">
+        <p14:creationId xmlns:p14="http://schemas.microsoft.com/office/powerpoint/2010/main" val="4125394726"/>
+      </p:ext>
+    </p:extLst>
+  </p:cSld>
+  <p:clrMapOvr>
+    <a:masterClrMapping/>
+  </p:clrMapOvr>
+  <p:timing>
+    <p:tnLst>
+      <p:par>
+        <p:cTn id="1" dur="indefinite" restart="never" nodeType="tmRoot"/>
+      </p:par>
+    </p:tnLst>
+  </p:timing>
+</p:sld>
+</file>
+
+<file path=ppt/slides/slide23.xml><?xml version="1.0" encoding="utf-8"?>
+<p:sld xmlns:a="http://schemas.openxmlformats.org/drawingml/2006/main" xmlns:r="http://schemas.openxmlformats.org/officeDocument/2006/relationships" xmlns:p="http://schemas.openxmlformats.org/presentationml/2006/main">
+  <p:cSld>
+    <p:spTree>
+      <p:nvGrpSpPr>
+        <p:cNvPr id="1" name=""/>
+        <p:cNvGrpSpPr/>
+        <p:nvPr/>
+      </p:nvGrpSpPr>
+      <p:grpSpPr>
+        <a:xfrm>
+          <a:off x="0" y="0"/>
+          <a:ext cx="0" cy="0"/>
+          <a:chOff x="0" y="0"/>
+          <a:chExt cx="0" cy="0"/>
+        </a:xfrm>
+      </p:grpSpPr>
+      <p:sp>
+        <p:nvSpPr>
+          <p:cNvPr id="2" name="タイトル 1"/>
+          <p:cNvSpPr>
+            <a:spLocks noGrp="1"/>
+          </p:cNvSpPr>
+          <p:nvPr>
+            <p:ph type="title"/>
+          </p:nvPr>
+        </p:nvSpPr>
+        <p:spPr/>
+        <p:txBody>
+          <a:bodyPr/>
+          <a:lstStyle/>
+          <a:p>
+            <a:r>
+              <a:rPr kumimoji="1" lang="ja-JP" altLang="en-US" dirty="0" smtClean="0"/>
+              <a:t>クラス</a:t>
+            </a:r>
+            <a:endParaRPr kumimoji="1" lang="ja-JP" altLang="en-US" dirty="0"/>
+          </a:p>
+        </p:txBody>
+      </p:sp>
+      <p:sp>
+        <p:nvSpPr>
+          <p:cNvPr id="3" name="コンテンツ プレースホルダー 2"/>
+          <p:cNvSpPr>
+            <a:spLocks noGrp="1"/>
+          </p:cNvSpPr>
+          <p:nvPr>
+            <p:ph idx="1"/>
+          </p:nvPr>
+        </p:nvSpPr>
+        <p:spPr>
+          <a:xfrm>
+            <a:off x="838200" y="1403797"/>
+            <a:ext cx="10515600" cy="5215944"/>
+          </a:xfrm>
+        </p:spPr>
+        <p:txBody>
+          <a:bodyPr>
+            <a:normAutofit/>
+          </a:bodyPr>
+          <a:lstStyle/>
+          <a:p>
+            <a:r>
+              <a:rPr kumimoji="1" lang="ja-JP" altLang="en-US" dirty="0" smtClean="0"/>
+              <a:t>使い方</a:t>
+            </a:r>
+            <a:endParaRPr kumimoji="1" lang="en-US" altLang="ja-JP" dirty="0" smtClean="0"/>
+          </a:p>
+          <a:p>
+            <a:pPr marL="0" indent="0">
+              <a:buNone/>
+            </a:pPr>
+            <a:r>
+              <a:rPr lang="en-US" altLang="ja-JP" dirty="0" smtClean="0"/>
+              <a:t>class </a:t>
+            </a:r>
+            <a:r>
+              <a:rPr lang="ja-JP" altLang="en-US" dirty="0" smtClean="0"/>
+              <a:t>クラス名 </a:t>
+            </a:r>
+            <a:r>
+              <a:rPr lang="en-US" altLang="ja-JP" dirty="0" smtClean="0"/>
+              <a:t>*</a:t>
+            </a:r>
+            <a:r>
+              <a:rPr lang="ja-JP" altLang="en-US" dirty="0" smtClean="0"/>
+              <a:t>クラス名は最初大文字</a:t>
+            </a:r>
+            <a:endParaRPr lang="en-US" altLang="ja-JP" dirty="0" smtClean="0"/>
+          </a:p>
+          <a:p>
+            <a:pPr marL="0" indent="0">
+              <a:buNone/>
+            </a:pPr>
+            <a:r>
+              <a:rPr lang="ja-JP" altLang="en-US" dirty="0" smtClean="0"/>
+              <a:t>処理内容</a:t>
+            </a:r>
+            <a:endParaRPr lang="en-US" altLang="ja-JP" dirty="0" smtClean="0"/>
+          </a:p>
+          <a:p>
+            <a:pPr marL="0" indent="0">
+              <a:buNone/>
+            </a:pPr>
+            <a:r>
+              <a:rPr lang="en-US" altLang="ja-JP" dirty="0" smtClean="0"/>
+              <a:t>end</a:t>
+            </a:r>
+          </a:p>
+          <a:p>
+            <a:pPr marL="0" indent="0">
+              <a:buNone/>
+            </a:pPr>
+            <a:endParaRPr lang="en-US" altLang="ja-JP" dirty="0" smtClean="0"/>
+          </a:p>
+          <a:p>
+            <a:r>
+              <a:rPr lang="ja-JP" altLang="en-US" dirty="0" smtClean="0"/>
+              <a:t>コンストラクタ  インスタンス化した時に自動で呼ばれるメソッド</a:t>
+            </a:r>
+            <a:endParaRPr lang="en-US" altLang="ja-JP" dirty="0" smtClean="0"/>
+          </a:p>
+          <a:p>
+            <a:pPr marL="0" indent="0">
+              <a:buNone/>
+            </a:pPr>
+            <a:r>
+              <a:rPr lang="en-US" altLang="ja-JP" dirty="0" err="1"/>
+              <a:t>d</a:t>
+            </a:r>
+            <a:r>
+              <a:rPr lang="en-US" altLang="ja-JP" dirty="0" err="1" smtClean="0"/>
+              <a:t>ef</a:t>
+            </a:r>
+            <a:r>
+              <a:rPr lang="en-US" altLang="ja-JP" dirty="0" smtClean="0"/>
+              <a:t> initialize(</a:t>
+            </a:r>
+            <a:r>
+              <a:rPr lang="ja-JP" altLang="en-US" dirty="0" smtClean="0"/>
+              <a:t>引数</a:t>
+            </a:r>
+            <a:r>
+              <a:rPr lang="en-US" altLang="ja-JP" dirty="0" smtClean="0"/>
+              <a:t>)  </a:t>
+            </a:r>
+          </a:p>
+          <a:p>
+            <a:pPr marL="0" indent="0">
+              <a:buNone/>
+            </a:pPr>
+            <a:r>
+              <a:rPr lang="ja-JP" altLang="en-US" dirty="0" smtClean="0"/>
+              <a:t>処理名</a:t>
+            </a:r>
+            <a:endParaRPr lang="en-US" altLang="ja-JP" dirty="0" smtClean="0"/>
+          </a:p>
+          <a:p>
+            <a:pPr marL="0" indent="0">
+              <a:buNone/>
+            </a:pPr>
+            <a:r>
+              <a:rPr lang="en-US" altLang="ja-JP" dirty="0" smtClean="0"/>
+              <a:t>end </a:t>
+            </a:r>
+            <a:endParaRPr lang="en-US" altLang="ja-JP" dirty="0"/>
+          </a:p>
+        </p:txBody>
+      </p:sp>
+    </p:spTree>
+    <p:extLst>
+      <p:ext uri="{BB962C8B-B14F-4D97-AF65-F5344CB8AC3E}">
+        <p14:creationId xmlns:p14="http://schemas.microsoft.com/office/powerpoint/2010/main" val="3142820998"/>
+      </p:ext>
+    </p:extLst>
+  </p:cSld>
+  <p:clrMapOvr>
+    <a:masterClrMapping/>
+  </p:clrMapOvr>
+  <p:timing>
+    <p:tnLst>
+      <p:par>
+        <p:cTn id="1" dur="indefinite" restart="never" nodeType="tmRoot"/>
+      </p:par>
+    </p:tnLst>
+  </p:timing>
+</p:sld>
+</file>
+
+<file path=ppt/slides/slide24.xml><?xml version="1.0" encoding="utf-8"?>
+<p:sld xmlns:a="http://schemas.openxmlformats.org/drawingml/2006/main" xmlns:r="http://schemas.openxmlformats.org/officeDocument/2006/relationships" xmlns:p="http://schemas.openxmlformats.org/presentationml/2006/main">
+  <p:cSld>
+    <p:spTree>
+      <p:nvGrpSpPr>
+        <p:cNvPr id="1" name=""/>
+        <p:cNvGrpSpPr/>
+        <p:nvPr/>
+      </p:nvGrpSpPr>
+      <p:grpSpPr>
+        <a:xfrm>
+          <a:off x="0" y="0"/>
+          <a:ext cx="0" cy="0"/>
+          <a:chOff x="0" y="0"/>
+          <a:chExt cx="0" cy="0"/>
+        </a:xfrm>
+      </p:grpSpPr>
+      <p:sp>
+        <p:nvSpPr>
+          <p:cNvPr id="2" name="タイトル 1"/>
+          <p:cNvSpPr>
+            <a:spLocks noGrp="1"/>
+          </p:cNvSpPr>
+          <p:nvPr>
+            <p:ph type="title"/>
+          </p:nvPr>
+        </p:nvSpPr>
+        <p:spPr/>
+        <p:txBody>
+          <a:bodyPr/>
+          <a:lstStyle/>
+          <a:p>
+            <a:r>
+              <a:rPr lang="ja-JP" altLang="en-US" dirty="0"/>
+              <a:t>クラス</a:t>
+            </a:r>
+            <a:endParaRPr kumimoji="1" lang="ja-JP" altLang="en-US" dirty="0"/>
+          </a:p>
+        </p:txBody>
+      </p:sp>
+      <p:sp>
+        <p:nvSpPr>
+          <p:cNvPr id="3" name="コンテンツ プレースホルダー 2"/>
+          <p:cNvSpPr>
+            <a:spLocks noGrp="1"/>
+          </p:cNvSpPr>
+          <p:nvPr>
+            <p:ph idx="1"/>
+          </p:nvPr>
+        </p:nvSpPr>
+        <p:spPr/>
+        <p:txBody>
+          <a:bodyPr/>
+          <a:lstStyle/>
+          <a:p>
+            <a:r>
+              <a:rPr kumimoji="1" lang="ja-JP" altLang="en-US" dirty="0" smtClean="0"/>
+              <a:t>インスタンス変数</a:t>
+            </a:r>
+            <a:endParaRPr kumimoji="1" lang="en-US" altLang="ja-JP" dirty="0" smtClean="0"/>
+          </a:p>
+          <a:p>
+            <a:r>
+              <a:rPr lang="ja-JP" altLang="en-US" dirty="0" smtClean="0"/>
+              <a:t>宣言方法 </a:t>
+            </a:r>
+            <a:r>
+              <a:rPr lang="en-US" altLang="ja-JP" dirty="0" smtClean="0"/>
+              <a:t>:@</a:t>
+            </a:r>
+            <a:r>
+              <a:rPr lang="ja-JP" altLang="en-US" dirty="0" smtClean="0"/>
+              <a:t>変数名</a:t>
+            </a:r>
+            <a:endParaRPr kumimoji="1" lang="en-US" altLang="ja-JP" dirty="0" smtClean="0"/>
+          </a:p>
+          <a:p>
+            <a:r>
+              <a:rPr lang="ja-JP" altLang="en-US" dirty="0"/>
+              <a:t>クラス内で全メソッドで共通して使用することが</a:t>
+            </a:r>
+            <a:r>
+              <a:rPr lang="ja-JP" altLang="en-US" dirty="0" smtClean="0"/>
+              <a:t>出来る</a:t>
+            </a:r>
+            <a:endParaRPr lang="en-US" altLang="ja-JP" dirty="0" smtClean="0"/>
+          </a:p>
+          <a:p>
+            <a:r>
+              <a:rPr kumimoji="1" lang="ja-JP" altLang="en-US" dirty="0" smtClean="0"/>
+              <a:t>クラス内のどこかのメソッドで宣言すれば使うことができる</a:t>
+            </a:r>
+            <a:endParaRPr kumimoji="1" lang="en-US" altLang="ja-JP" dirty="0" smtClean="0"/>
+          </a:p>
+          <a:p>
+            <a:r>
+              <a:rPr lang="ja-JP" altLang="en-US" dirty="0" smtClean="0"/>
+              <a:t>クラス外からのアクセスはできない</a:t>
+            </a:r>
+            <a:endParaRPr lang="en-US" altLang="ja-JP" dirty="0" smtClean="0"/>
+          </a:p>
+        </p:txBody>
+      </p:sp>
+    </p:spTree>
+    <p:extLst>
+      <p:ext uri="{BB962C8B-B14F-4D97-AF65-F5344CB8AC3E}">
+        <p14:creationId xmlns:p14="http://schemas.microsoft.com/office/powerpoint/2010/main" val="3790440906"/>
+      </p:ext>
+    </p:extLst>
+  </p:cSld>
+  <p:clrMapOvr>
+    <a:masterClrMapping/>
+  </p:clrMapOvr>
+  <p:timing>
+    <p:tnLst>
+      <p:par>
+        <p:cTn id="1" dur="indefinite" restart="never" nodeType="tmRoot"/>
+      </p:par>
+    </p:tnLst>
+  </p:timing>
+</p:sld>
+</file>
+
+<file path=ppt/slides/slide25.xml><?xml version="1.0" encoding="utf-8"?>
+<p:sld xmlns:a="http://schemas.openxmlformats.org/drawingml/2006/main" xmlns:r="http://schemas.openxmlformats.org/officeDocument/2006/relationships" xmlns:p="http://schemas.openxmlformats.org/presentationml/2006/main">
+  <p:cSld>
+    <p:spTree>
+      <p:nvGrpSpPr>
+        <p:cNvPr id="1" name=""/>
+        <p:cNvGrpSpPr/>
+        <p:nvPr/>
+      </p:nvGrpSpPr>
+      <p:grpSpPr>
+        <a:xfrm>
+          <a:off x="0" y="0"/>
+          <a:ext cx="0" cy="0"/>
+          <a:chOff x="0" y="0"/>
+          <a:chExt cx="0" cy="0"/>
+        </a:xfrm>
+      </p:grpSpPr>
+      <p:sp>
+        <p:nvSpPr>
+          <p:cNvPr id="2" name="タイトル 1"/>
+          <p:cNvSpPr>
+            <a:spLocks noGrp="1"/>
+          </p:cNvSpPr>
+          <p:nvPr>
+            <p:ph type="title"/>
+          </p:nvPr>
+        </p:nvSpPr>
+        <p:spPr/>
+        <p:txBody>
+          <a:bodyPr/>
+          <a:lstStyle/>
+          <a:p>
+            <a:r>
+              <a:rPr kumimoji="1" lang="ja-JP" altLang="en-US" dirty="0" smtClean="0"/>
+              <a:t>アクセサ</a:t>
+            </a:r>
+            <a:endParaRPr kumimoji="1" lang="ja-JP" altLang="en-US" dirty="0"/>
+          </a:p>
+        </p:txBody>
+      </p:sp>
+      <p:sp>
+        <p:nvSpPr>
+          <p:cNvPr id="3" name="コンテンツ プレースホルダー 2"/>
+          <p:cNvSpPr>
+            <a:spLocks noGrp="1"/>
+          </p:cNvSpPr>
+          <p:nvPr>
+            <p:ph idx="1"/>
+          </p:nvPr>
+        </p:nvSpPr>
+        <p:spPr/>
+        <p:txBody>
+          <a:bodyPr>
+            <a:normAutofit lnSpcReduction="10000"/>
+          </a:bodyPr>
+          <a:lstStyle/>
+          <a:p>
+            <a:pPr marL="0" indent="0">
+              <a:buNone/>
+            </a:pPr>
+            <a:r>
+              <a:rPr lang="en-US" altLang="ja-JP" dirty="0"/>
+              <a:t># -*- coding: </a:t>
+            </a:r>
+            <a:r>
+              <a:rPr lang="en-US" altLang="ja-JP" dirty="0" err="1"/>
+              <a:t>shift_jis</a:t>
+            </a:r>
+            <a:r>
+              <a:rPr lang="en-US" altLang="ja-JP" dirty="0"/>
+              <a:t> -*-</a:t>
+            </a:r>
+          </a:p>
+          <a:p>
+            <a:pPr marL="0" indent="0">
+              <a:buNone/>
+            </a:pPr>
+            <a:r>
+              <a:rPr lang="en-US" altLang="ja-JP" dirty="0"/>
+              <a:t>class Car</a:t>
+            </a:r>
+          </a:p>
+          <a:p>
+            <a:pPr marL="0" indent="0">
+              <a:buNone/>
+            </a:pPr>
+            <a:r>
+              <a:rPr lang="en-US" altLang="ja-JP" dirty="0"/>
+              <a:t>  </a:t>
+            </a:r>
+            <a:r>
+              <a:rPr lang="en-US" altLang="ja-JP" dirty="0" err="1"/>
+              <a:t>attr_accessor:name</a:t>
+            </a:r>
+            <a:r>
+              <a:rPr lang="en-US" altLang="ja-JP" dirty="0"/>
+              <a:t> #</a:t>
+            </a:r>
+            <a:r>
+              <a:rPr lang="ja-JP" altLang="en-US" dirty="0"/>
+              <a:t>変数の値の読み取り・書き換えを行う</a:t>
+            </a:r>
+          </a:p>
+          <a:p>
+            <a:pPr marL="0" indent="0">
+              <a:buNone/>
+            </a:pPr>
+            <a:r>
+              <a:rPr lang="ja-JP" altLang="en-US" dirty="0"/>
+              <a:t>  </a:t>
+            </a:r>
+            <a:r>
+              <a:rPr lang="en-US" altLang="ja-JP" dirty="0" err="1"/>
+              <a:t>attr_reader:price</a:t>
+            </a:r>
+            <a:r>
+              <a:rPr lang="en-US" altLang="ja-JP" dirty="0"/>
+              <a:t> #</a:t>
+            </a:r>
+            <a:r>
+              <a:rPr lang="ja-JP" altLang="en-US" dirty="0"/>
+              <a:t>変数の値の読み取りだけを行う</a:t>
+            </a:r>
+          </a:p>
+          <a:p>
+            <a:pPr marL="0" indent="0">
+              <a:buNone/>
+            </a:pPr>
+            <a:r>
+              <a:rPr lang="ja-JP" altLang="en-US" dirty="0"/>
+              <a:t>  </a:t>
+            </a:r>
+          </a:p>
+          <a:p>
+            <a:pPr marL="0" indent="0">
+              <a:buNone/>
+            </a:pPr>
+            <a:r>
+              <a:rPr lang="ja-JP" altLang="en-US" dirty="0"/>
+              <a:t>  </a:t>
+            </a:r>
+            <a:r>
+              <a:rPr lang="en-US" altLang="ja-JP" dirty="0" err="1"/>
+              <a:t>def</a:t>
+            </a:r>
+            <a:r>
+              <a:rPr lang="en-US" altLang="ja-JP" dirty="0"/>
+              <a:t> initialize(</a:t>
+            </a:r>
+            <a:r>
+              <a:rPr lang="en-US" altLang="ja-JP" dirty="0" err="1"/>
+              <a:t>carname,price</a:t>
+            </a:r>
+            <a:r>
+              <a:rPr lang="en-US" altLang="ja-JP" dirty="0"/>
+              <a:t>)</a:t>
+            </a:r>
+          </a:p>
+          <a:p>
+            <a:pPr marL="0" indent="0">
+              <a:buNone/>
+            </a:pPr>
+            <a:r>
+              <a:rPr lang="en-US" altLang="ja-JP" dirty="0"/>
+              <a:t>    @name = </a:t>
+            </a:r>
+            <a:r>
+              <a:rPr lang="en-US" altLang="ja-JP" dirty="0" err="1"/>
+              <a:t>carname</a:t>
+            </a:r>
+            <a:r>
+              <a:rPr lang="en-US" altLang="ja-JP" dirty="0"/>
+              <a:t> </a:t>
+            </a:r>
+          </a:p>
+          <a:p>
+            <a:pPr marL="0" indent="0">
+              <a:buNone/>
+            </a:pPr>
+            <a:r>
+              <a:rPr lang="en-US" altLang="ja-JP" dirty="0"/>
+              <a:t>    @price = price</a:t>
+            </a:r>
+          </a:p>
+          <a:p>
+            <a:pPr marL="0" indent="0">
+              <a:buNone/>
+            </a:pPr>
+            <a:r>
+              <a:rPr lang="en-US" altLang="ja-JP" dirty="0"/>
+              <a:t>  end</a:t>
+            </a:r>
+          </a:p>
+          <a:p>
+            <a:pPr marL="0" indent="0">
+              <a:buNone/>
+            </a:pPr>
+            <a:endParaRPr lang="en-US" altLang="ja-JP" dirty="0"/>
+          </a:p>
+        </p:txBody>
+      </p:sp>
+    </p:spTree>
+    <p:extLst>
+      <p:ext uri="{BB962C8B-B14F-4D97-AF65-F5344CB8AC3E}">
+        <p14:creationId xmlns:p14="http://schemas.microsoft.com/office/powerpoint/2010/main" val="181989035"/>
+      </p:ext>
+    </p:extLst>
+  </p:cSld>
+  <p:clrMapOvr>
+    <a:masterClrMapping/>
+  </p:clrMapOvr>
+  <p:timing>
+    <p:tnLst>
+      <p:par>
+        <p:cTn id="1" dur="indefinite" restart="never" nodeType="tmRoot"/>
+      </p:par>
+    </p:tnLst>
+  </p:timing>
+</p:sld>
+</file>
+
+<file path=ppt/slides/slide26.xml><?xml version="1.0" encoding="utf-8"?>
+<p:sld xmlns:a="http://schemas.openxmlformats.org/drawingml/2006/main" xmlns:r="http://schemas.openxmlformats.org/officeDocument/2006/relationships" xmlns:p="http://schemas.openxmlformats.org/presentationml/2006/main">
+  <p:cSld>
+    <p:spTree>
+      <p:nvGrpSpPr>
+        <p:cNvPr id="1" name=""/>
+        <p:cNvGrpSpPr/>
+        <p:nvPr/>
+      </p:nvGrpSpPr>
+      <p:grpSpPr>
+        <a:xfrm>
+          <a:off x="0" y="0"/>
+          <a:ext cx="0" cy="0"/>
+          <a:chOff x="0" y="0"/>
+          <a:chExt cx="0" cy="0"/>
+        </a:xfrm>
+      </p:grpSpPr>
+      <p:sp>
+        <p:nvSpPr>
+          <p:cNvPr id="3" name="コンテンツ プレースホルダー 2"/>
+          <p:cNvSpPr>
+            <a:spLocks noGrp="1"/>
+          </p:cNvSpPr>
+          <p:nvPr>
+            <p:ph idx="1"/>
+          </p:nvPr>
+        </p:nvSpPr>
+        <p:spPr/>
+        <p:txBody>
+          <a:bodyPr>
+            <a:normAutofit lnSpcReduction="10000"/>
+          </a:bodyPr>
+          <a:lstStyle/>
+          <a:p>
+            <a:pPr marL="0" indent="0">
+              <a:buNone/>
+            </a:pPr>
+            <a:r>
+              <a:rPr lang="en-US" altLang="ja-JP" dirty="0"/>
+              <a:t> </a:t>
+            </a:r>
+            <a:r>
+              <a:rPr lang="en-US" altLang="ja-JP" dirty="0" err="1"/>
+              <a:t>def</a:t>
+            </a:r>
+            <a:r>
+              <a:rPr lang="en-US" altLang="ja-JP" dirty="0"/>
+              <a:t> </a:t>
+            </a:r>
+            <a:r>
+              <a:rPr lang="en-US" altLang="ja-JP" dirty="0" err="1"/>
+              <a:t>dispName</a:t>
+            </a:r>
+            <a:r>
+              <a:rPr lang="en-US" altLang="ja-JP" dirty="0"/>
+              <a:t> </a:t>
+            </a:r>
+            <a:endParaRPr lang="ja-JP" altLang="en-US" dirty="0"/>
+          </a:p>
+          <a:p>
+            <a:pPr marL="0" indent="0">
+              <a:buNone/>
+            </a:pPr>
+            <a:r>
+              <a:rPr lang="ja-JP" altLang="en-US" dirty="0"/>
+              <a:t>    </a:t>
+            </a:r>
+            <a:r>
+              <a:rPr lang="en-US" altLang="ja-JP" dirty="0"/>
+              <a:t>puts("name:#{@name},price:#{@price}")</a:t>
+            </a:r>
+          </a:p>
+          <a:p>
+            <a:pPr marL="0" indent="0">
+              <a:buNone/>
+            </a:pPr>
+            <a:r>
+              <a:rPr lang="en-US" altLang="ja-JP" dirty="0"/>
+              <a:t>  end</a:t>
+            </a:r>
+          </a:p>
+          <a:p>
+            <a:pPr marL="0" indent="0">
+              <a:buNone/>
+            </a:pPr>
+            <a:r>
+              <a:rPr lang="en-US" altLang="ja-JP" dirty="0"/>
+              <a:t>end</a:t>
+            </a:r>
+          </a:p>
+          <a:p>
+            <a:pPr marL="0" indent="0">
+              <a:buNone/>
+            </a:pPr>
+            <a:r>
+              <a:rPr lang="en-US" altLang="ja-JP" dirty="0" smtClean="0"/>
+              <a:t>car = </a:t>
+            </a:r>
+            <a:r>
+              <a:rPr lang="en-US" altLang="ja-JP" dirty="0" err="1" smtClean="0"/>
+              <a:t>Car.new</a:t>
+            </a:r>
+            <a:r>
+              <a:rPr lang="en-US" altLang="ja-JP" dirty="0" smtClean="0"/>
+              <a:t>("crown",100)</a:t>
+            </a:r>
+          </a:p>
+          <a:p>
+            <a:pPr marL="0" indent="0">
+              <a:buNone/>
+            </a:pPr>
+            <a:r>
+              <a:rPr lang="en-US" altLang="ja-JP" dirty="0" err="1" smtClean="0"/>
+              <a:t>car.dispName</a:t>
+            </a:r>
+            <a:endParaRPr lang="en-US" altLang="ja-JP" dirty="0" smtClean="0"/>
+          </a:p>
+          <a:p>
+            <a:pPr marL="0" indent="0">
+              <a:buNone/>
+            </a:pPr>
+            <a:r>
+              <a:rPr lang="en-US" altLang="ja-JP" dirty="0" smtClean="0"/>
+              <a:t>car.name="</a:t>
+            </a:r>
+            <a:r>
+              <a:rPr lang="en-US" altLang="ja-JP" dirty="0" err="1" smtClean="0"/>
+              <a:t>lexus</a:t>
+            </a:r>
+            <a:r>
+              <a:rPr lang="en-US" altLang="ja-JP" dirty="0" smtClean="0"/>
+              <a:t>"</a:t>
+            </a:r>
+          </a:p>
+          <a:p>
+            <a:pPr marL="0" indent="0">
+              <a:buNone/>
+            </a:pPr>
+            <a:r>
+              <a:rPr lang="en-US" altLang="ja-JP" dirty="0" smtClean="0"/>
+              <a:t>#</a:t>
+            </a:r>
+            <a:r>
+              <a:rPr lang="en-US" altLang="ja-JP" dirty="0" err="1" smtClean="0"/>
+              <a:t>car.price</a:t>
+            </a:r>
+            <a:r>
+              <a:rPr lang="en-US" altLang="ja-JP" dirty="0" smtClean="0"/>
+              <a:t>=80 </a:t>
+            </a:r>
+            <a:r>
+              <a:rPr lang="ja-JP" altLang="en-US" dirty="0" smtClean="0"/>
+              <a:t>エラー</a:t>
+            </a:r>
+            <a:endParaRPr lang="en-US" altLang="ja-JP" dirty="0" smtClean="0"/>
+          </a:p>
+          <a:p>
+            <a:pPr marL="0" indent="0">
+              <a:buNone/>
+            </a:pPr>
+            <a:r>
+              <a:rPr lang="en-US" altLang="ja-JP" dirty="0" err="1" smtClean="0"/>
+              <a:t>car.dispName</a:t>
+            </a:r>
+            <a:endParaRPr kumimoji="1" lang="ja-JP" altLang="en-US" dirty="0"/>
+          </a:p>
+        </p:txBody>
+      </p:sp>
+      <p:sp>
+        <p:nvSpPr>
+          <p:cNvPr id="5" name="タイトル 4"/>
+          <p:cNvSpPr>
+            <a:spLocks noGrp="1"/>
+          </p:cNvSpPr>
+          <p:nvPr>
+            <p:ph type="title"/>
+          </p:nvPr>
+        </p:nvSpPr>
+        <p:spPr/>
+        <p:txBody>
+          <a:bodyPr/>
+          <a:lstStyle/>
+          <a:p>
+            <a:r>
+              <a:rPr kumimoji="1" lang="ja-JP" altLang="en-US" dirty="0" smtClean="0"/>
+              <a:t>アクセサ続き</a:t>
+            </a:r>
+            <a:endParaRPr kumimoji="1" lang="ja-JP" altLang="en-US" dirty="0"/>
+          </a:p>
+        </p:txBody>
+      </p:sp>
+    </p:spTree>
+    <p:extLst>
+      <p:ext uri="{BB962C8B-B14F-4D97-AF65-F5344CB8AC3E}">
+        <p14:creationId xmlns:p14="http://schemas.microsoft.com/office/powerpoint/2010/main" val="2435648240"/>
+      </p:ext>
+    </p:extLst>
+  </p:cSld>
+  <p:clrMapOvr>
+    <a:masterClrMapping/>
+  </p:clrMapOvr>
+  <p:timing>
+    <p:tnLst>
+      <p:par>
+        <p:cTn id="1" dur="indefinite" restart="never" nodeType="tmRoot"/>
+      </p:par>
+    </p:tnLst>
+  </p:timing>
+</p:sld>
+</file>
+
+<file path=ppt/slides/slide27.xml><?xml version="1.0" encoding="utf-8"?>
+<p:sld xmlns:a="http://schemas.openxmlformats.org/drawingml/2006/main" xmlns:r="http://schemas.openxmlformats.org/officeDocument/2006/relationships" xmlns:p="http://schemas.openxmlformats.org/presentationml/2006/main">
+  <p:cSld>
+    <p:spTree>
+      <p:nvGrpSpPr>
+        <p:cNvPr id="1" name=""/>
+        <p:cNvGrpSpPr/>
+        <p:nvPr/>
+      </p:nvGrpSpPr>
+      <p:grpSpPr>
+        <a:xfrm>
+          <a:off x="0" y="0"/>
+          <a:ext cx="0" cy="0"/>
+          <a:chOff x="0" y="0"/>
+          <a:chExt cx="0" cy="0"/>
+        </a:xfrm>
+      </p:grpSpPr>
+      <p:sp>
+        <p:nvSpPr>
+          <p:cNvPr id="2" name="タイトル 1"/>
+          <p:cNvSpPr>
+            <a:spLocks noGrp="1"/>
+          </p:cNvSpPr>
+          <p:nvPr>
+            <p:ph type="title"/>
+          </p:nvPr>
+        </p:nvSpPr>
+        <p:spPr/>
+        <p:txBody>
+          <a:bodyPr/>
+          <a:lstStyle/>
+          <a:p>
+            <a:r>
+              <a:rPr kumimoji="1" lang="ja-JP" altLang="en-US" dirty="0" smtClean="0"/>
+              <a:t>アクセサ</a:t>
+            </a:r>
+            <a:endParaRPr kumimoji="1" lang="ja-JP" altLang="en-US" dirty="0"/>
+          </a:p>
+        </p:txBody>
+      </p:sp>
+      <p:sp>
+        <p:nvSpPr>
+          <p:cNvPr id="3" name="コンテンツ プレースホルダー 2"/>
+          <p:cNvSpPr>
+            <a:spLocks noGrp="1"/>
+          </p:cNvSpPr>
+          <p:nvPr>
+            <p:ph idx="1"/>
+          </p:nvPr>
+        </p:nvSpPr>
+        <p:spPr>
+          <a:xfrm>
+            <a:off x="838200" y="1885782"/>
+            <a:ext cx="10515600" cy="4746837"/>
+          </a:xfrm>
+        </p:spPr>
+        <p:txBody>
+          <a:bodyPr>
+            <a:normAutofit/>
+          </a:bodyPr>
+          <a:lstStyle/>
+          <a:p>
+            <a:r>
+              <a:rPr kumimoji="1" lang="ja-JP" altLang="en-US" sz="3200" dirty="0" smtClean="0"/>
+              <a:t>インスタンス変数はクラス外からアクセスできない</a:t>
+            </a:r>
+            <a:endParaRPr kumimoji="1" lang="en-US" altLang="ja-JP" sz="3200" dirty="0" smtClean="0"/>
+          </a:p>
+          <a:p>
+            <a:endParaRPr lang="en-US" altLang="ja-JP" sz="3200" dirty="0"/>
+          </a:p>
+          <a:p>
+            <a:r>
+              <a:rPr kumimoji="1" lang="ja-JP" altLang="en-US" sz="3200" dirty="0" smtClean="0"/>
+              <a:t>アクセサを用いることでクラス外から参照、更新することができる</a:t>
+            </a:r>
+            <a:endParaRPr kumimoji="1" lang="en-US" altLang="ja-JP" sz="3200" dirty="0" smtClean="0"/>
+          </a:p>
+          <a:p>
+            <a:r>
+              <a:rPr lang="ja-JP" altLang="en-US" sz="3200" dirty="0" smtClean="0"/>
+              <a:t>使い方 </a:t>
+            </a:r>
+            <a:r>
+              <a:rPr lang="en-US" altLang="ja-JP" sz="3200" dirty="0" smtClean="0"/>
+              <a:t>:</a:t>
+            </a:r>
+            <a:r>
+              <a:rPr lang="ja-JP" altLang="en-US" sz="3200" dirty="0" smtClean="0"/>
+              <a:t>アクセサ</a:t>
+            </a:r>
+            <a:r>
+              <a:rPr lang="en-US" altLang="ja-JP" sz="3200" dirty="0" smtClean="0"/>
+              <a:t>:</a:t>
+            </a:r>
+            <a:r>
+              <a:rPr lang="ja-JP" altLang="en-US" sz="3200" dirty="0" smtClean="0"/>
+              <a:t>変数名</a:t>
+            </a:r>
+            <a:endParaRPr lang="en-US" altLang="ja-JP" sz="3200" dirty="0"/>
+          </a:p>
+          <a:p>
+            <a:r>
+              <a:rPr lang="en-US" altLang="ja-JP" sz="3200" dirty="0" err="1"/>
+              <a:t>attr_accessor</a:t>
+            </a:r>
+            <a:r>
+              <a:rPr lang="ja-JP" altLang="en-US" sz="3200" dirty="0"/>
+              <a:t>　変数の値の読み取り・書き換えを行う</a:t>
+            </a:r>
+          </a:p>
+          <a:p>
+            <a:r>
+              <a:rPr lang="en-US" altLang="ja-JP" sz="3200" dirty="0" err="1"/>
+              <a:t>attr_reader</a:t>
+            </a:r>
+            <a:r>
+              <a:rPr lang="ja-JP" altLang="en-US" sz="3200" dirty="0"/>
+              <a:t>　変数の値の読み取りだけを行う</a:t>
+            </a:r>
+            <a:endParaRPr lang="en-US" altLang="ja-JP" sz="3200" dirty="0"/>
+          </a:p>
+          <a:p>
+            <a:r>
+              <a:rPr lang="en-US" altLang="ja-JP" sz="3200" dirty="0" err="1"/>
+              <a:t>attr_writer</a:t>
+            </a:r>
+            <a:r>
+              <a:rPr lang="en-US" altLang="ja-JP" sz="3200" dirty="0"/>
+              <a:t>    </a:t>
+            </a:r>
+            <a:r>
+              <a:rPr lang="ja-JP" altLang="en-US" sz="3200" dirty="0"/>
+              <a:t>変数の値の書き換えだけを行う</a:t>
+            </a:r>
+          </a:p>
+          <a:p>
+            <a:endParaRPr kumimoji="1" lang="en-US" altLang="ja-JP" sz="3200" dirty="0" smtClean="0"/>
+          </a:p>
+        </p:txBody>
+      </p:sp>
+    </p:spTree>
+    <p:extLst>
+      <p:ext uri="{BB962C8B-B14F-4D97-AF65-F5344CB8AC3E}">
+        <p14:creationId xmlns:p14="http://schemas.microsoft.com/office/powerpoint/2010/main" val="1551462689"/>
+      </p:ext>
+    </p:extLst>
+  </p:cSld>
+  <p:clrMapOvr>
+    <a:masterClrMapping/>
+  </p:clrMapOvr>
+  <p:timing>
+    <p:tnLst>
+      <p:par>
+        <p:cTn id="1" dur="indefinite" restart="never" nodeType="tmRoot"/>
+      </p:par>
+    </p:tnLst>
+  </p:timing>
+</p:sld>
+</file>
+
+<file path=ppt/slides/slide28.xml><?xml version="1.0" encoding="utf-8"?>
+<p:sld xmlns:a="http://schemas.openxmlformats.org/drawingml/2006/main" xmlns:r="http://schemas.openxmlformats.org/officeDocument/2006/relationships" xmlns:p="http://schemas.openxmlformats.org/presentationml/2006/main">
+  <p:cSld>
+    <p:spTree>
+      <p:nvGrpSpPr>
+        <p:cNvPr id="1" name=""/>
+        <p:cNvGrpSpPr/>
+        <p:nvPr/>
+      </p:nvGrpSpPr>
+      <p:grpSpPr>
+        <a:xfrm>
+          <a:off x="0" y="0"/>
+          <a:ext cx="0" cy="0"/>
+          <a:chOff x="0" y="0"/>
+          <a:chExt cx="0" cy="0"/>
+        </a:xfrm>
+      </p:grpSpPr>
+      <p:sp>
+        <p:nvSpPr>
+          <p:cNvPr id="2" name="タイトル 1"/>
+          <p:cNvSpPr>
+            <a:spLocks noGrp="1"/>
+          </p:cNvSpPr>
+          <p:nvPr>
+            <p:ph type="title"/>
+          </p:nvPr>
+        </p:nvSpPr>
+        <p:spPr/>
+        <p:txBody>
+          <a:bodyPr/>
+          <a:lstStyle/>
+          <a:p>
+            <a:r>
+              <a:rPr kumimoji="1" lang="ja-JP" altLang="en-US" dirty="0" smtClean="0"/>
+              <a:t>クラス変数 クラスメソッド</a:t>
+            </a:r>
+            <a:endParaRPr kumimoji="1" lang="ja-JP" altLang="en-US" dirty="0"/>
+          </a:p>
+        </p:txBody>
+      </p:sp>
+      <p:sp>
+        <p:nvSpPr>
+          <p:cNvPr id="3" name="コンテンツ プレースホルダー 2"/>
+          <p:cNvSpPr>
+            <a:spLocks noGrp="1"/>
+          </p:cNvSpPr>
+          <p:nvPr>
+            <p:ph idx="1"/>
+          </p:nvPr>
+        </p:nvSpPr>
+        <p:spPr>
+          <a:xfrm>
+            <a:off x="838200" y="1584102"/>
+            <a:ext cx="10515600" cy="5273898"/>
+          </a:xfrm>
+        </p:spPr>
+        <p:txBody>
+          <a:bodyPr>
+            <a:normAutofit fontScale="92500" lnSpcReduction="20000"/>
+          </a:bodyPr>
+          <a:lstStyle/>
+          <a:p>
+            <a:pPr marL="0" indent="0">
+              <a:buNone/>
+            </a:pPr>
+            <a:r>
+              <a:rPr lang="en-US" altLang="ja-JP" dirty="0"/>
+              <a:t>class Tax</a:t>
+            </a:r>
+          </a:p>
+          <a:p>
+            <a:pPr marL="0" indent="0">
+              <a:buNone/>
+            </a:pPr>
+            <a:r>
+              <a:rPr lang="en-US" altLang="ja-JP" dirty="0"/>
+              <a:t>    @@</a:t>
+            </a:r>
+            <a:r>
+              <a:rPr lang="en-US" altLang="ja-JP" dirty="0" err="1"/>
+              <a:t>zeiritsu</a:t>
+            </a:r>
+            <a:r>
+              <a:rPr lang="en-US" altLang="ja-JP" dirty="0"/>
+              <a:t> = 0.08 #</a:t>
+            </a:r>
+            <a:r>
+              <a:rPr lang="ja-JP" altLang="en-US" dirty="0"/>
+              <a:t>クラス変数</a:t>
+            </a:r>
+          </a:p>
+          <a:p>
+            <a:pPr marL="0" indent="0">
+              <a:buNone/>
+            </a:pPr>
+            <a:r>
+              <a:rPr lang="ja-JP" altLang="en-US" dirty="0"/>
+              <a:t>    </a:t>
+            </a:r>
+            <a:r>
+              <a:rPr lang="en-US" altLang="ja-JP" dirty="0" err="1"/>
+              <a:t>def</a:t>
+            </a:r>
+            <a:r>
+              <a:rPr lang="en-US" altLang="ja-JP" dirty="0"/>
+              <a:t> </a:t>
+            </a:r>
+            <a:r>
+              <a:rPr lang="en-US" altLang="ja-JP" dirty="0" err="1"/>
+              <a:t>self.zeiritsu</a:t>
+            </a:r>
+            <a:r>
+              <a:rPr lang="en-US" altLang="ja-JP" dirty="0"/>
+              <a:t>= (n)</a:t>
+            </a:r>
+          </a:p>
+          <a:p>
+            <a:pPr marL="0" indent="0">
+              <a:buNone/>
+            </a:pPr>
+            <a:r>
+              <a:rPr lang="en-US" altLang="ja-JP" dirty="0"/>
+              <a:t>        @@</a:t>
+            </a:r>
+            <a:r>
+              <a:rPr lang="en-US" altLang="ja-JP" dirty="0" err="1"/>
+              <a:t>zeiritsu</a:t>
+            </a:r>
+            <a:r>
+              <a:rPr lang="en-US" altLang="ja-JP" dirty="0"/>
+              <a:t> = n</a:t>
+            </a:r>
+          </a:p>
+          <a:p>
+            <a:pPr marL="0" indent="0">
+              <a:buNone/>
+            </a:pPr>
+            <a:r>
+              <a:rPr lang="en-US" altLang="ja-JP" dirty="0"/>
+              <a:t>    end</a:t>
+            </a:r>
+          </a:p>
+          <a:p>
+            <a:pPr marL="0" indent="0">
+              <a:buNone/>
+            </a:pPr>
+            <a:r>
+              <a:rPr lang="en-US" altLang="ja-JP" dirty="0"/>
+              <a:t>    </a:t>
+            </a:r>
+            <a:r>
+              <a:rPr lang="en-US" altLang="ja-JP" dirty="0" err="1"/>
+              <a:t>def</a:t>
+            </a:r>
+            <a:r>
+              <a:rPr lang="en-US" altLang="ja-JP" dirty="0"/>
+              <a:t> </a:t>
+            </a:r>
+            <a:r>
+              <a:rPr lang="en-US" altLang="ja-JP" dirty="0" err="1"/>
+              <a:t>self.priceWithTax</a:t>
+            </a:r>
+            <a:r>
+              <a:rPr lang="en-US" altLang="ja-JP" dirty="0"/>
+              <a:t>(price)</a:t>
+            </a:r>
+          </a:p>
+          <a:p>
+            <a:pPr marL="0" indent="0">
+              <a:buNone/>
+            </a:pPr>
+            <a:r>
+              <a:rPr lang="en-US" altLang="ja-JP" dirty="0"/>
+              <a:t>        return (price * (1.0 + @@</a:t>
+            </a:r>
+            <a:r>
+              <a:rPr lang="en-US" altLang="ja-JP" dirty="0" err="1"/>
+              <a:t>zeiritsu</a:t>
+            </a:r>
+            <a:r>
+              <a:rPr lang="en-US" altLang="ja-JP" dirty="0"/>
+              <a:t>)).</a:t>
+            </a:r>
+            <a:r>
+              <a:rPr lang="en-US" altLang="ja-JP" dirty="0" err="1"/>
+              <a:t>to_i</a:t>
+            </a:r>
+            <a:endParaRPr lang="en-US" altLang="ja-JP" dirty="0"/>
+          </a:p>
+          <a:p>
+            <a:pPr marL="0" indent="0">
+              <a:buNone/>
+            </a:pPr>
+            <a:r>
+              <a:rPr lang="en-US" altLang="ja-JP" dirty="0"/>
+              <a:t>    end</a:t>
+            </a:r>
+          </a:p>
+          <a:p>
+            <a:pPr marL="0" indent="0">
+              <a:buNone/>
+            </a:pPr>
+            <a:r>
+              <a:rPr lang="en-US" altLang="ja-JP" dirty="0"/>
+              <a:t>    </a:t>
+            </a:r>
+            <a:r>
+              <a:rPr lang="en-US" altLang="ja-JP" dirty="0" err="1"/>
+              <a:t>def</a:t>
+            </a:r>
+            <a:r>
+              <a:rPr lang="en-US" altLang="ja-JP" dirty="0"/>
+              <a:t> </a:t>
+            </a:r>
+            <a:r>
+              <a:rPr lang="en-US" altLang="ja-JP" dirty="0" err="1"/>
+              <a:t>self.tax</a:t>
+            </a:r>
+            <a:r>
+              <a:rPr lang="en-US" altLang="ja-JP" dirty="0"/>
+              <a:t>(price)</a:t>
+            </a:r>
+          </a:p>
+          <a:p>
+            <a:pPr marL="0" indent="0">
+              <a:buNone/>
+            </a:pPr>
+            <a:r>
+              <a:rPr lang="en-US" altLang="ja-JP" dirty="0"/>
+              <a:t>        return (price * @@</a:t>
+            </a:r>
+            <a:r>
+              <a:rPr lang="en-US" altLang="ja-JP" dirty="0" err="1"/>
+              <a:t>zeiritsu</a:t>
+            </a:r>
+            <a:r>
+              <a:rPr lang="en-US" altLang="ja-JP" dirty="0"/>
+              <a:t>).</a:t>
+            </a:r>
+            <a:r>
+              <a:rPr lang="en-US" altLang="ja-JP" dirty="0" err="1"/>
+              <a:t>to_i</a:t>
+            </a:r>
+            <a:endParaRPr lang="en-US" altLang="ja-JP" dirty="0"/>
+          </a:p>
+          <a:p>
+            <a:pPr marL="0" indent="0">
+              <a:buNone/>
+            </a:pPr>
+            <a:r>
+              <a:rPr lang="en-US" altLang="ja-JP" dirty="0"/>
+              <a:t>    end</a:t>
+            </a:r>
+          </a:p>
+          <a:p>
+            <a:pPr marL="0" indent="0">
+              <a:buNone/>
+            </a:pPr>
+            <a:r>
+              <a:rPr lang="en-US" altLang="ja-JP" dirty="0"/>
+              <a:t>end</a:t>
+            </a:r>
+            <a:endParaRPr kumimoji="1" lang="ja-JP" altLang="en-US" dirty="0"/>
+          </a:p>
+        </p:txBody>
+      </p:sp>
+    </p:spTree>
+    <p:extLst>
+      <p:ext uri="{BB962C8B-B14F-4D97-AF65-F5344CB8AC3E}">
+        <p14:creationId xmlns:p14="http://schemas.microsoft.com/office/powerpoint/2010/main" val="3634519689"/>
+      </p:ext>
+    </p:extLst>
+  </p:cSld>
+  <p:clrMapOvr>
+    <a:masterClrMapping/>
+  </p:clrMapOvr>
+  <p:timing>
+    <p:tnLst>
+      <p:par>
+        <p:cTn id="1" dur="indefinite" restart="never" nodeType="tmRoot"/>
+      </p:par>
+    </p:tnLst>
+  </p:timing>
+</p:sld>
+</file>
+
+<file path=ppt/slides/slide29.xml><?xml version="1.0" encoding="utf-8"?>
+<p:sld xmlns:a="http://schemas.openxmlformats.org/drawingml/2006/main" xmlns:r="http://schemas.openxmlformats.org/officeDocument/2006/relationships" xmlns:p="http://schemas.openxmlformats.org/presentationml/2006/main">
+  <p:cSld>
+    <p:spTree>
+      <p:nvGrpSpPr>
+        <p:cNvPr id="1" name=""/>
+        <p:cNvGrpSpPr/>
+        <p:nvPr/>
+      </p:nvGrpSpPr>
+      <p:grpSpPr>
+        <a:xfrm>
+          <a:off x="0" y="0"/>
+          <a:ext cx="0" cy="0"/>
+          <a:chOff x="0" y="0"/>
+          <a:chExt cx="0" cy="0"/>
+        </a:xfrm>
+      </p:grpSpPr>
+      <p:sp>
+        <p:nvSpPr>
+          <p:cNvPr id="2" name="タイトル 1"/>
+          <p:cNvSpPr>
+            <a:spLocks noGrp="1"/>
+          </p:cNvSpPr>
+          <p:nvPr>
+            <p:ph type="title"/>
+          </p:nvPr>
+        </p:nvSpPr>
+        <p:spPr/>
+        <p:txBody>
+          <a:bodyPr/>
+          <a:lstStyle/>
+          <a:p>
+            <a:r>
+              <a:rPr kumimoji="1" lang="ja-JP" altLang="en-US" dirty="0" smtClean="0"/>
+              <a:t>クラス変数</a:t>
+            </a:r>
+            <a:r>
+              <a:rPr lang="en-US" altLang="ja-JP" dirty="0"/>
+              <a:t> </a:t>
+            </a:r>
+            <a:r>
+              <a:rPr kumimoji="1" lang="ja-JP" altLang="en-US" dirty="0" smtClean="0"/>
+              <a:t>クラスメソッド</a:t>
+            </a:r>
+            <a:endParaRPr kumimoji="1" lang="ja-JP" altLang="en-US" dirty="0"/>
+          </a:p>
+        </p:txBody>
+      </p:sp>
+      <p:sp>
+        <p:nvSpPr>
+          <p:cNvPr id="3" name="コンテンツ プレースホルダー 2"/>
+          <p:cNvSpPr>
+            <a:spLocks noGrp="1"/>
+          </p:cNvSpPr>
+          <p:nvPr>
+            <p:ph idx="1"/>
+          </p:nvPr>
+        </p:nvSpPr>
+        <p:spPr/>
+        <p:txBody>
+          <a:bodyPr/>
+          <a:lstStyle/>
+          <a:p>
+            <a:pPr marL="0" indent="0">
+              <a:buNone/>
+            </a:pPr>
+            <a:r>
+              <a:rPr lang="en-US" altLang="ja-JP" dirty="0"/>
+              <a:t>price = 12300</a:t>
+            </a:r>
+          </a:p>
+          <a:p>
+            <a:pPr marL="0" indent="0">
+              <a:buNone/>
+            </a:pPr>
+            <a:r>
+              <a:rPr lang="en-US" altLang="ja-JP" dirty="0"/>
+              <a:t>puts("</a:t>
+            </a:r>
+            <a:r>
+              <a:rPr lang="ja-JP" altLang="en-US" dirty="0"/>
+              <a:t>価格：</a:t>
+            </a:r>
+            <a:r>
+              <a:rPr lang="en-US" altLang="ja-JP" dirty="0"/>
+              <a:t>" + </a:t>
+            </a:r>
+            <a:r>
+              <a:rPr lang="en-US" altLang="ja-JP" dirty="0" err="1"/>
+              <a:t>price.to_s</a:t>
+            </a:r>
+            <a:r>
+              <a:rPr lang="en-US" altLang="ja-JP" dirty="0"/>
+              <a:t>)</a:t>
+            </a:r>
+          </a:p>
+          <a:p>
+            <a:pPr marL="0" indent="0">
+              <a:buNone/>
+            </a:pPr>
+            <a:r>
+              <a:rPr lang="en-US" altLang="ja-JP" dirty="0"/>
+              <a:t>puts("</a:t>
+            </a:r>
+            <a:r>
+              <a:rPr lang="ja-JP" altLang="en-US" dirty="0"/>
+              <a:t>税込：</a:t>
+            </a:r>
+            <a:r>
+              <a:rPr lang="en-US" altLang="ja-JP" dirty="0"/>
+              <a:t>" + </a:t>
+            </a:r>
+            <a:r>
+              <a:rPr lang="en-US" altLang="ja-JP" dirty="0" err="1"/>
+              <a:t>Tax.priceWithTax</a:t>
+            </a:r>
+            <a:r>
+              <a:rPr lang="en-US" altLang="ja-JP" dirty="0"/>
+              <a:t>(price).</a:t>
+            </a:r>
+            <a:r>
+              <a:rPr lang="en-US" altLang="ja-JP" dirty="0" err="1"/>
+              <a:t>to_s</a:t>
+            </a:r>
+            <a:r>
+              <a:rPr lang="en-US" altLang="ja-JP" dirty="0"/>
+              <a:t>)</a:t>
+            </a:r>
+          </a:p>
+          <a:p>
+            <a:pPr marL="0" indent="0">
+              <a:buNone/>
+            </a:pPr>
+            <a:r>
+              <a:rPr lang="en-US" altLang="ja-JP" dirty="0"/>
+              <a:t>puts("</a:t>
+            </a:r>
+            <a:r>
+              <a:rPr lang="ja-JP" altLang="en-US" dirty="0"/>
+              <a:t>税額：</a:t>
+            </a:r>
+            <a:r>
+              <a:rPr lang="en-US" altLang="ja-JP" dirty="0"/>
+              <a:t>" + </a:t>
+            </a:r>
+            <a:r>
+              <a:rPr lang="en-US" altLang="ja-JP" dirty="0" err="1"/>
+              <a:t>Tax.tax</a:t>
+            </a:r>
+            <a:r>
+              <a:rPr lang="en-US" altLang="ja-JP" dirty="0"/>
+              <a:t>(price).</a:t>
+            </a:r>
+            <a:r>
+              <a:rPr lang="en-US" altLang="ja-JP" dirty="0" err="1"/>
+              <a:t>to_s</a:t>
+            </a:r>
+            <a:r>
+              <a:rPr lang="en-US" altLang="ja-JP" dirty="0"/>
+              <a:t>)</a:t>
+            </a:r>
+          </a:p>
+          <a:p>
+            <a:pPr marL="0" indent="0">
+              <a:buNone/>
+            </a:pPr>
+            <a:r>
+              <a:rPr lang="en-US" altLang="ja-JP" dirty="0" err="1"/>
+              <a:t>Tax.zeiritsu</a:t>
+            </a:r>
+            <a:r>
+              <a:rPr lang="en-US" altLang="ja-JP" dirty="0"/>
+              <a:t> = 0.1</a:t>
+            </a:r>
+          </a:p>
+          <a:p>
+            <a:pPr marL="0" indent="0">
+              <a:buNone/>
+            </a:pPr>
+            <a:r>
+              <a:rPr lang="en-US" altLang="ja-JP" dirty="0"/>
+              <a:t>puts("※</a:t>
+            </a:r>
+            <a:r>
+              <a:rPr lang="ja-JP" altLang="en-US" dirty="0"/>
+              <a:t>消費税が</a:t>
+            </a:r>
+            <a:r>
+              <a:rPr lang="en-US" altLang="ja-JP" dirty="0"/>
+              <a:t>10%</a:t>
+            </a:r>
+            <a:r>
+              <a:rPr lang="ja-JP" altLang="en-US" dirty="0"/>
+              <a:t>にあがると</a:t>
+            </a:r>
+            <a:r>
+              <a:rPr lang="en-US" altLang="ja-JP" dirty="0"/>
+              <a:t>……")</a:t>
+            </a:r>
+          </a:p>
+          <a:p>
+            <a:pPr marL="0" indent="0">
+              <a:buNone/>
+            </a:pPr>
+            <a:r>
+              <a:rPr lang="en-US" altLang="ja-JP" dirty="0"/>
+              <a:t>puts("</a:t>
+            </a:r>
+            <a:r>
+              <a:rPr lang="ja-JP" altLang="en-US" dirty="0"/>
+              <a:t>税込：</a:t>
+            </a:r>
+            <a:r>
+              <a:rPr lang="en-US" altLang="ja-JP" dirty="0"/>
+              <a:t>" + </a:t>
+            </a:r>
+            <a:r>
+              <a:rPr lang="en-US" altLang="ja-JP" dirty="0" err="1"/>
+              <a:t>Tax.priceWithTax</a:t>
+            </a:r>
+            <a:r>
+              <a:rPr lang="en-US" altLang="ja-JP" dirty="0"/>
+              <a:t>(price).</a:t>
+            </a:r>
+            <a:r>
+              <a:rPr lang="en-US" altLang="ja-JP" dirty="0" err="1"/>
+              <a:t>to_s</a:t>
+            </a:r>
+            <a:r>
+              <a:rPr lang="en-US" altLang="ja-JP" dirty="0"/>
+              <a:t>)</a:t>
+            </a:r>
+          </a:p>
+          <a:p>
+            <a:pPr marL="0" indent="0">
+              <a:buNone/>
+            </a:pPr>
+            <a:r>
+              <a:rPr lang="en-US" altLang="ja-JP" dirty="0"/>
+              <a:t>puts("</a:t>
+            </a:r>
+            <a:r>
+              <a:rPr lang="ja-JP" altLang="en-US" dirty="0"/>
+              <a:t>税額：</a:t>
+            </a:r>
+            <a:r>
+              <a:rPr lang="en-US" altLang="ja-JP" dirty="0"/>
+              <a:t>" + </a:t>
+            </a:r>
+            <a:r>
+              <a:rPr lang="en-US" altLang="ja-JP" dirty="0" err="1"/>
+              <a:t>Tax.tax</a:t>
+            </a:r>
+            <a:r>
+              <a:rPr lang="en-US" altLang="ja-JP" dirty="0"/>
+              <a:t>(price).</a:t>
+            </a:r>
+            <a:r>
+              <a:rPr lang="en-US" altLang="ja-JP" dirty="0" err="1"/>
+              <a:t>to_s</a:t>
+            </a:r>
+            <a:r>
+              <a:rPr lang="en-US" altLang="ja-JP" dirty="0"/>
+              <a:t>)</a:t>
+            </a:r>
+            <a:endParaRPr kumimoji="1" lang="ja-JP" altLang="en-US" dirty="0"/>
+          </a:p>
+        </p:txBody>
+      </p:sp>
+    </p:spTree>
+    <p:extLst>
+      <p:ext uri="{BB962C8B-B14F-4D97-AF65-F5344CB8AC3E}">
+        <p14:creationId xmlns:p14="http://schemas.microsoft.com/office/powerpoint/2010/main" val="3504783663"/>
+      </p:ext>
+    </p:extLst>
+  </p:cSld>
+  <p:clrMapOvr>
+    <a:masterClrMapping/>
+  </p:clrMapOvr>
+  <p:timing>
+    <p:tnLst>
+      <p:par>
+        <p:cTn id="1" dur="indefinite" restart="never" nodeType="tmRoot"/>
+      </p:par>
+    </p:tnLst>
+  </p:timing>
+</p:sld>
+</file>
+
+<file path=ppt/slides/slide3.xml><?xml version="1.0" encoding="utf-8"?>
+<p:sld xmlns:a="http://schemas.openxmlformats.org/drawingml/2006/main" xmlns:r="http://schemas.openxmlformats.org/officeDocument/2006/relationships" xmlns:p="http://schemas.openxmlformats.org/presentationml/2006/main">
+  <p:cSld>
+    <p:spTree>
+      <p:nvGrpSpPr>
+        <p:cNvPr id="1" name=""/>
+        <p:cNvGrpSpPr/>
+        <p:nvPr/>
+      </p:nvGrpSpPr>
+      <p:grpSpPr>
+        <a:xfrm>
+          <a:off x="0" y="0"/>
+          <a:ext cx="0" cy="0"/>
+          <a:chOff x="0" y="0"/>
+          <a:chExt cx="0" cy="0"/>
+        </a:xfrm>
+      </p:grpSpPr>
+      <p:pic>
+        <p:nvPicPr>
+          <p:cNvPr id="4" name="コンテンツ プレースホルダー 3"/>
+          <p:cNvPicPr>
+            <a:picLocks noGrp="1" noChangeAspect="1"/>
+          </p:cNvPicPr>
+          <p:nvPr>
+            <p:ph idx="1"/>
+          </p:nvPr>
+        </p:nvPicPr>
+        <p:blipFill>
+          <a:blip r:embed="rId2">
+            <a:extLst>
+              <a:ext uri="{28A0092B-C50C-407E-A947-70E740481C1C}">
+                <a14:useLocalDpi xmlns:a14="http://schemas.microsoft.com/office/drawing/2010/main" val="0"/>
+              </a:ext>
+            </a:extLst>
+          </a:blip>
+          <a:stretch>
+            <a:fillRect/>
+          </a:stretch>
+        </p:blipFill>
+        <p:spPr>
+          <a:xfrm>
+            <a:off x="-723303" y="-1828800"/>
+            <a:ext cx="13237275" cy="9622705"/>
+          </a:xfrm>
+        </p:spPr>
+      </p:pic>
+      <p:cxnSp>
+        <p:nvCxnSpPr>
+          <p:cNvPr id="6" name="直線コネクタ 5"/>
+          <p:cNvCxnSpPr/>
+          <p:nvPr/>
+        </p:nvCxnSpPr>
+        <p:spPr>
+          <a:xfrm flipV="1">
+            <a:off x="8976575" y="4997002"/>
+            <a:ext cx="1944710" cy="1"/>
+          </a:xfrm>
+          <a:prstGeom prst="line">
+            <a:avLst/>
+          </a:prstGeom>
+          <a:ln>
+            <a:solidFill>
+              <a:srgbClr val="FF0000"/>
+            </a:solidFill>
+          </a:ln>
+        </p:spPr>
+        <p:style>
+          <a:lnRef idx="1">
+            <a:schemeClr val="accent1"/>
+          </a:lnRef>
+          <a:fillRef idx="0">
+            <a:schemeClr val="accent1"/>
+          </a:fillRef>
+          <a:effectRef idx="0">
+            <a:schemeClr val="accent1"/>
+          </a:effectRef>
+          <a:fontRef idx="minor">
+            <a:schemeClr val="tx1"/>
+          </a:fontRef>
+        </p:style>
+      </p:cxnSp>
+      <p:cxnSp>
+        <p:nvCxnSpPr>
+          <p:cNvPr id="8" name="直線コネクタ 7"/>
+          <p:cNvCxnSpPr/>
+          <p:nvPr/>
+        </p:nvCxnSpPr>
+        <p:spPr>
+          <a:xfrm>
+            <a:off x="10921285" y="4997002"/>
+            <a:ext cx="0" cy="566671"/>
+          </a:xfrm>
+          <a:prstGeom prst="line">
+            <a:avLst/>
+          </a:prstGeom>
+          <a:ln>
+            <a:solidFill>
+              <a:srgbClr val="FF0000"/>
+            </a:solidFill>
+          </a:ln>
+        </p:spPr>
+        <p:style>
+          <a:lnRef idx="1">
+            <a:schemeClr val="accent1"/>
+          </a:lnRef>
+          <a:fillRef idx="0">
+            <a:schemeClr val="accent1"/>
+          </a:fillRef>
+          <a:effectRef idx="0">
+            <a:schemeClr val="accent1"/>
+          </a:effectRef>
+          <a:fontRef idx="minor">
+            <a:schemeClr val="tx1"/>
+          </a:fontRef>
+        </p:style>
+      </p:cxnSp>
+      <p:cxnSp>
+        <p:nvCxnSpPr>
+          <p:cNvPr id="10" name="直線コネクタ 9"/>
+          <p:cNvCxnSpPr/>
+          <p:nvPr/>
+        </p:nvCxnSpPr>
+        <p:spPr>
+          <a:xfrm>
+            <a:off x="8976575" y="4997003"/>
+            <a:ext cx="0" cy="566670"/>
+          </a:xfrm>
+          <a:prstGeom prst="line">
+            <a:avLst/>
+          </a:prstGeom>
+          <a:ln>
+            <a:solidFill>
+              <a:srgbClr val="FF0000"/>
+            </a:solidFill>
+          </a:ln>
+        </p:spPr>
+        <p:style>
+          <a:lnRef idx="1">
+            <a:schemeClr val="accent1"/>
+          </a:lnRef>
+          <a:fillRef idx="0">
+            <a:schemeClr val="accent1"/>
+          </a:fillRef>
+          <a:effectRef idx="0">
+            <a:schemeClr val="accent1"/>
+          </a:effectRef>
+          <a:fontRef idx="minor">
+            <a:schemeClr val="tx1"/>
+          </a:fontRef>
+        </p:style>
+      </p:cxnSp>
+      <p:cxnSp>
+        <p:nvCxnSpPr>
+          <p:cNvPr id="12" name="直線コネクタ 11"/>
+          <p:cNvCxnSpPr/>
+          <p:nvPr/>
+        </p:nvCxnSpPr>
+        <p:spPr>
+          <a:xfrm>
+            <a:off x="8976575" y="5563673"/>
+            <a:ext cx="1944710" cy="0"/>
+          </a:xfrm>
+          <a:prstGeom prst="line">
+            <a:avLst/>
+          </a:prstGeom>
+          <a:ln>
+            <a:solidFill>
+              <a:srgbClr val="FF0000"/>
+            </a:solidFill>
+          </a:ln>
+        </p:spPr>
+        <p:style>
+          <a:lnRef idx="1">
+            <a:schemeClr val="accent1"/>
+          </a:lnRef>
+          <a:fillRef idx="0">
+            <a:schemeClr val="accent1"/>
+          </a:fillRef>
+          <a:effectRef idx="0">
+            <a:schemeClr val="accent1"/>
+          </a:effectRef>
+          <a:fontRef idx="minor">
+            <a:schemeClr val="tx1"/>
+          </a:fontRef>
+        </p:style>
+      </p:cxnSp>
+    </p:spTree>
+    <p:extLst>
+      <p:ext uri="{BB962C8B-B14F-4D97-AF65-F5344CB8AC3E}">
+        <p14:creationId xmlns:p14="http://schemas.microsoft.com/office/powerpoint/2010/main" val="3240744644"/>
+      </p:ext>
+    </p:extLst>
+  </p:cSld>
+  <p:clrMapOvr>
+    <a:masterClrMapping/>
+  </p:clrMapOvr>
+  <p:timing>
+    <p:tnLst>
+      <p:par>
+        <p:cTn id="1" dur="indefinite" restart="never" nodeType="tmRoot"/>
+      </p:par>
+    </p:tnLst>
+  </p:timing>
+</p:sld>
+</file>
+
+<file path=ppt/slides/slide30.xml><?xml version="1.0" encoding="utf-8"?>
+<p:sld xmlns:a="http://schemas.openxmlformats.org/drawingml/2006/main" xmlns:r="http://schemas.openxmlformats.org/officeDocument/2006/relationships" xmlns:p="http://schemas.openxmlformats.org/presentationml/2006/main">
+  <p:cSld>
+    <p:spTree>
+      <p:nvGrpSpPr>
+        <p:cNvPr id="1" name=""/>
+        <p:cNvGrpSpPr/>
+        <p:nvPr/>
+      </p:nvGrpSpPr>
+      <p:grpSpPr>
+        <a:xfrm>
+          <a:off x="0" y="0"/>
+          <a:ext cx="0" cy="0"/>
+          <a:chOff x="0" y="0"/>
+          <a:chExt cx="0" cy="0"/>
+        </a:xfrm>
+      </p:grpSpPr>
+      <p:sp>
+        <p:nvSpPr>
+          <p:cNvPr id="2" name="タイトル 1"/>
+          <p:cNvSpPr>
+            <a:spLocks noGrp="1"/>
+          </p:cNvSpPr>
+          <p:nvPr>
+            <p:ph type="title"/>
+          </p:nvPr>
+        </p:nvSpPr>
+        <p:spPr/>
+        <p:txBody>
+          <a:bodyPr/>
+          <a:lstStyle/>
+          <a:p>
+            <a:r>
+              <a:rPr kumimoji="1" lang="ja-JP" altLang="en-US" dirty="0" smtClean="0"/>
+              <a:t>クラス変数　クラスメソッド</a:t>
+            </a:r>
+            <a:endParaRPr kumimoji="1" lang="ja-JP" altLang="en-US" dirty="0"/>
+          </a:p>
+        </p:txBody>
+      </p:sp>
+      <p:sp>
+        <p:nvSpPr>
+          <p:cNvPr id="3" name="コンテンツ プレースホルダー 2"/>
+          <p:cNvSpPr>
+            <a:spLocks noGrp="1"/>
+          </p:cNvSpPr>
+          <p:nvPr>
+            <p:ph idx="1"/>
+          </p:nvPr>
+        </p:nvSpPr>
+        <p:spPr>
+          <a:xfrm>
+            <a:off x="838200" y="1825625"/>
+            <a:ext cx="10515600" cy="4819874"/>
+          </a:xfrm>
+        </p:spPr>
+        <p:txBody>
+          <a:bodyPr/>
+          <a:lstStyle/>
+          <a:p>
+            <a:r>
+              <a:rPr kumimoji="1" lang="ja-JP" altLang="en-US" sz="3200" dirty="0" smtClean="0"/>
+              <a:t>クラスメソッド</a:t>
+            </a:r>
+            <a:r>
+              <a:rPr kumimoji="1" lang="en-US" altLang="ja-JP" sz="3200" dirty="0" smtClean="0"/>
+              <a:t>: </a:t>
+            </a:r>
+            <a:r>
+              <a:rPr kumimoji="1" lang="ja-JP" altLang="en-US" sz="3200" dirty="0" smtClean="0"/>
+              <a:t>インスタンス化せずに呼ぶことができるメソッド</a:t>
+            </a:r>
+            <a:endParaRPr kumimoji="1" lang="en-US" altLang="ja-JP" sz="3200" dirty="0" smtClean="0"/>
+          </a:p>
+          <a:p>
+            <a:r>
+              <a:rPr lang="ja-JP" altLang="en-US" sz="3200" dirty="0" smtClean="0"/>
+              <a:t>宣言方法 </a:t>
+            </a:r>
+            <a:r>
+              <a:rPr lang="en-US" altLang="ja-JP" sz="3200" dirty="0" smtClean="0"/>
+              <a:t>:</a:t>
+            </a:r>
+            <a:r>
+              <a:rPr lang="en-US" altLang="ja-JP" sz="3200" dirty="0" err="1" smtClean="0"/>
+              <a:t>def</a:t>
+            </a:r>
+            <a:r>
+              <a:rPr lang="en-US" altLang="ja-JP" sz="3200" dirty="0" smtClean="0"/>
+              <a:t> </a:t>
+            </a:r>
+            <a:r>
+              <a:rPr lang="ja-JP" altLang="en-US" sz="3200" dirty="0" smtClean="0"/>
+              <a:t>クラス</a:t>
+            </a:r>
+            <a:r>
+              <a:rPr lang="en-US" altLang="ja-JP" sz="3200" dirty="0" smtClean="0"/>
+              <a:t>.</a:t>
+            </a:r>
+            <a:r>
+              <a:rPr lang="ja-JP" altLang="en-US" sz="3200" dirty="0" smtClean="0"/>
+              <a:t>メソッド</a:t>
+            </a:r>
+            <a:r>
+              <a:rPr lang="en-US" altLang="ja-JP" sz="3200" dirty="0" smtClean="0"/>
+              <a:t>, </a:t>
+            </a:r>
+            <a:r>
+              <a:rPr lang="en-US" altLang="ja-JP" sz="3200" dirty="0" err="1" smtClean="0"/>
+              <a:t>def</a:t>
+            </a:r>
+            <a:r>
+              <a:rPr lang="en-US" altLang="ja-JP" sz="3200" dirty="0" smtClean="0"/>
+              <a:t> self.</a:t>
+            </a:r>
+            <a:r>
+              <a:rPr lang="ja-JP" altLang="en-US" sz="3200" dirty="0" smtClean="0"/>
+              <a:t>メソッド</a:t>
+            </a:r>
+            <a:endParaRPr lang="en-US" altLang="ja-JP" sz="3200" dirty="0" smtClean="0"/>
+          </a:p>
+          <a:p>
+            <a:endParaRPr lang="en-US" altLang="ja-JP" sz="3200" dirty="0"/>
+          </a:p>
+          <a:p>
+            <a:r>
+              <a:rPr lang="ja-JP" altLang="en-US" sz="3200" dirty="0" smtClean="0"/>
+              <a:t>クラス変数</a:t>
+            </a:r>
+            <a:r>
+              <a:rPr lang="en-US" altLang="ja-JP" sz="3200" dirty="0" smtClean="0"/>
+              <a:t>: </a:t>
+            </a:r>
+            <a:r>
+              <a:rPr lang="ja-JP" altLang="en-US" sz="3200" dirty="0" smtClean="0"/>
+              <a:t>インスタンス化せずにクラス内に値を保持することが</a:t>
+            </a:r>
+            <a:r>
+              <a:rPr lang="ja-JP" altLang="en-US" sz="3200" dirty="0" smtClean="0"/>
+              <a:t>できる</a:t>
+            </a:r>
+            <a:endParaRPr lang="en-US" altLang="ja-JP" sz="3200" dirty="0" smtClean="0"/>
+          </a:p>
+          <a:p>
+            <a:r>
+              <a:rPr lang="ja-JP" altLang="en-US" sz="3200" dirty="0" smtClean="0"/>
+              <a:t>宣言方法 </a:t>
+            </a:r>
+            <a:r>
+              <a:rPr lang="en-US" altLang="ja-JP" sz="3200" dirty="0" smtClean="0"/>
+              <a:t>: @@</a:t>
+            </a:r>
+            <a:r>
+              <a:rPr lang="ja-JP" altLang="en-US" sz="3200" dirty="0" smtClean="0"/>
+              <a:t>変数名</a:t>
+            </a:r>
+            <a:endParaRPr lang="en-US" altLang="ja-JP" sz="3200" dirty="0" smtClean="0"/>
+          </a:p>
+          <a:p>
+            <a:endParaRPr lang="en-US" altLang="ja-JP" sz="3200" dirty="0"/>
+          </a:p>
+          <a:p>
+            <a:endParaRPr lang="en-US" altLang="ja-JP" sz="3200" dirty="0" smtClean="0"/>
+          </a:p>
+          <a:p>
+            <a:endParaRPr kumimoji="1" lang="en-US" altLang="ja-JP" dirty="0"/>
+          </a:p>
+          <a:p>
+            <a:endParaRPr kumimoji="1" lang="en-US" altLang="ja-JP" dirty="0" smtClean="0"/>
+          </a:p>
+          <a:p>
+            <a:endParaRPr kumimoji="1" lang="en-US" altLang="ja-JP" dirty="0" smtClean="0"/>
+          </a:p>
+          <a:p>
+            <a:pPr marL="0" indent="0">
+              <a:buNone/>
+            </a:pPr>
+            <a:endParaRPr lang="en-US" altLang="ja-JP" dirty="0" smtClean="0"/>
+          </a:p>
+        </p:txBody>
+      </p:sp>
+    </p:spTree>
+    <p:extLst>
+      <p:ext uri="{BB962C8B-B14F-4D97-AF65-F5344CB8AC3E}">
+        <p14:creationId xmlns:p14="http://schemas.microsoft.com/office/powerpoint/2010/main" val="715947113"/>
+      </p:ext>
+    </p:extLst>
+  </p:cSld>
+  <p:clrMapOvr>
+    <a:masterClrMapping/>
+  </p:clrMapOvr>
+  <p:timing>
+    <p:tnLst>
+      <p:par>
+        <p:cTn id="1" dur="indefinite" restart="never" nodeType="tmRoot"/>
+      </p:par>
+    </p:tnLst>
+  </p:timing>
+</p:sld>
+</file>
+
+<file path=ppt/slides/slide31.xml><?xml version="1.0" encoding="utf-8"?>
+<p:sld xmlns:a="http://schemas.openxmlformats.org/drawingml/2006/main" xmlns:r="http://schemas.openxmlformats.org/officeDocument/2006/relationships" xmlns:p="http://schemas.openxmlformats.org/presentationml/2006/main">
+  <p:cSld>
+    <p:spTree>
+      <p:nvGrpSpPr>
+        <p:cNvPr id="1" name=""/>
+        <p:cNvGrpSpPr/>
+        <p:nvPr/>
+      </p:nvGrpSpPr>
+      <p:grpSpPr>
+        <a:xfrm>
+          <a:off x="0" y="0"/>
+          <a:ext cx="0" cy="0"/>
+          <a:chOff x="0" y="0"/>
+          <a:chExt cx="0" cy="0"/>
+        </a:xfrm>
+      </p:grpSpPr>
+      <p:sp>
+        <p:nvSpPr>
+          <p:cNvPr id="2" name="タイトル 1"/>
+          <p:cNvSpPr>
+            <a:spLocks noGrp="1"/>
+          </p:cNvSpPr>
+          <p:nvPr>
+            <p:ph type="title"/>
+          </p:nvPr>
+        </p:nvSpPr>
+        <p:spPr/>
+        <p:txBody>
+          <a:bodyPr/>
+          <a:lstStyle/>
+          <a:p>
+            <a:r>
+              <a:rPr kumimoji="1" lang="ja-JP" altLang="en-US" dirty="0" smtClean="0"/>
+              <a:t>モジュール</a:t>
+            </a:r>
+            <a:endParaRPr kumimoji="1" lang="ja-JP" altLang="en-US" dirty="0"/>
+          </a:p>
+        </p:txBody>
+      </p:sp>
+      <p:sp>
+        <p:nvSpPr>
+          <p:cNvPr id="3" name="コンテンツ プレースホルダー 2"/>
+          <p:cNvSpPr>
+            <a:spLocks noGrp="1"/>
+          </p:cNvSpPr>
+          <p:nvPr>
+            <p:ph idx="1"/>
+          </p:nvPr>
+        </p:nvSpPr>
+        <p:spPr>
+          <a:xfrm>
+            <a:off x="838200" y="1352282"/>
+            <a:ext cx="10515600" cy="5331854"/>
+          </a:xfrm>
+        </p:spPr>
+        <p:txBody>
+          <a:bodyPr>
+            <a:normAutofit/>
+          </a:bodyPr>
+          <a:lstStyle/>
+          <a:p>
+            <a:pPr marL="0" indent="0">
+              <a:buNone/>
+            </a:pPr>
+            <a:r>
+              <a:rPr lang="en-US" altLang="ja-JP" dirty="0"/>
+              <a:t># -*- coding: </a:t>
+            </a:r>
+            <a:r>
+              <a:rPr lang="en-US" altLang="ja-JP" dirty="0" err="1"/>
+              <a:t>shift_jis</a:t>
+            </a:r>
+            <a:r>
+              <a:rPr lang="en-US" altLang="ja-JP" dirty="0"/>
+              <a:t> -*-</a:t>
+            </a:r>
+          </a:p>
+          <a:p>
+            <a:pPr marL="0" indent="0">
+              <a:buNone/>
+            </a:pPr>
+            <a:endParaRPr lang="en-US" altLang="ja-JP" dirty="0"/>
+          </a:p>
+          <a:p>
+            <a:pPr marL="0" indent="0">
+              <a:buNone/>
+            </a:pPr>
+            <a:r>
+              <a:rPr lang="en-US" altLang="ja-JP" dirty="0"/>
+              <a:t>module </a:t>
+            </a:r>
+            <a:r>
+              <a:rPr lang="en-US" altLang="ja-JP" dirty="0" err="1"/>
+              <a:t>SuuchiModule</a:t>
+            </a:r>
+            <a:r>
+              <a:rPr lang="en-US" altLang="ja-JP" dirty="0"/>
+              <a:t> #</a:t>
+            </a:r>
+            <a:r>
+              <a:rPr lang="ja-JP" altLang="en-US" dirty="0"/>
+              <a:t>モジュール</a:t>
+            </a:r>
+          </a:p>
+          <a:p>
+            <a:pPr marL="0" indent="0">
+              <a:buNone/>
+            </a:pPr>
+            <a:r>
+              <a:rPr lang="ja-JP" altLang="en-US" dirty="0"/>
+              <a:t>  </a:t>
+            </a:r>
+            <a:r>
+              <a:rPr lang="en-US" altLang="ja-JP" dirty="0" err="1"/>
+              <a:t>def</a:t>
+            </a:r>
+            <a:r>
+              <a:rPr lang="en-US" altLang="ja-JP" dirty="0"/>
+              <a:t> </a:t>
+            </a:r>
+            <a:r>
+              <a:rPr lang="en-US" altLang="ja-JP" dirty="0" err="1"/>
+              <a:t>minValue</a:t>
+            </a:r>
+            <a:r>
+              <a:rPr lang="en-US" altLang="ja-JP" dirty="0"/>
+              <a:t>(x, y)</a:t>
+            </a:r>
+          </a:p>
+          <a:p>
+            <a:pPr marL="0" indent="0">
+              <a:buNone/>
+            </a:pPr>
+            <a:r>
+              <a:rPr lang="en-US" altLang="ja-JP" dirty="0"/>
+              <a:t>    if x &lt; y</a:t>
+            </a:r>
+          </a:p>
+          <a:p>
+            <a:pPr marL="0" indent="0">
+              <a:buNone/>
+            </a:pPr>
+            <a:r>
+              <a:rPr lang="en-US" altLang="ja-JP" dirty="0"/>
+              <a:t>      return x</a:t>
+            </a:r>
+          </a:p>
+          <a:p>
+            <a:pPr marL="0" indent="0">
+              <a:buNone/>
+            </a:pPr>
+            <a:r>
+              <a:rPr lang="en-US" altLang="ja-JP" dirty="0"/>
+              <a:t>    else</a:t>
+            </a:r>
+          </a:p>
+          <a:p>
+            <a:pPr marL="0" indent="0">
+              <a:buNone/>
+            </a:pPr>
+            <a:r>
+              <a:rPr lang="en-US" altLang="ja-JP" dirty="0"/>
+              <a:t>      return y</a:t>
+            </a:r>
+          </a:p>
+          <a:p>
+            <a:pPr marL="0" indent="0">
+              <a:buNone/>
+            </a:pPr>
+            <a:r>
+              <a:rPr lang="en-US" altLang="ja-JP" dirty="0"/>
+              <a:t>    end</a:t>
+            </a:r>
+          </a:p>
+          <a:p>
+            <a:pPr marL="0" indent="0">
+              <a:buNone/>
+            </a:pPr>
+            <a:r>
+              <a:rPr lang="en-US" altLang="ja-JP" dirty="0"/>
+              <a:t>  end</a:t>
+            </a:r>
+          </a:p>
+          <a:p>
+            <a:pPr marL="0" indent="0">
+              <a:buNone/>
+            </a:pPr>
+            <a:endParaRPr lang="en-US" altLang="ja-JP" dirty="0"/>
+          </a:p>
+        </p:txBody>
+      </p:sp>
+    </p:spTree>
+    <p:extLst>
+      <p:ext uri="{BB962C8B-B14F-4D97-AF65-F5344CB8AC3E}">
+        <p14:creationId xmlns:p14="http://schemas.microsoft.com/office/powerpoint/2010/main" val="2335298002"/>
+      </p:ext>
+    </p:extLst>
+  </p:cSld>
+  <p:clrMapOvr>
+    <a:masterClrMapping/>
+  </p:clrMapOvr>
+  <p:timing>
+    <p:tnLst>
+      <p:par>
+        <p:cTn id="1" dur="indefinite" restart="never" nodeType="tmRoot"/>
+      </p:par>
+    </p:tnLst>
+  </p:timing>
+</p:sld>
+</file>
+
+<file path=ppt/slides/slide32.xml><?xml version="1.0" encoding="utf-8"?>
+<p:sld xmlns:a="http://schemas.openxmlformats.org/drawingml/2006/main" xmlns:r="http://schemas.openxmlformats.org/officeDocument/2006/relationships" xmlns:p="http://schemas.openxmlformats.org/presentationml/2006/main">
+  <p:cSld>
+    <p:spTree>
+      <p:nvGrpSpPr>
+        <p:cNvPr id="1" name=""/>
+        <p:cNvGrpSpPr/>
+        <p:nvPr/>
+      </p:nvGrpSpPr>
+      <p:grpSpPr>
+        <a:xfrm>
+          <a:off x="0" y="0"/>
+          <a:ext cx="0" cy="0"/>
+          <a:chOff x="0" y="0"/>
+          <a:chExt cx="0" cy="0"/>
+        </a:xfrm>
+      </p:grpSpPr>
+      <p:sp>
+        <p:nvSpPr>
+          <p:cNvPr id="2" name="タイトル 1"/>
+          <p:cNvSpPr>
+            <a:spLocks noGrp="1"/>
+          </p:cNvSpPr>
+          <p:nvPr>
+            <p:ph type="title"/>
+          </p:nvPr>
+        </p:nvSpPr>
+        <p:spPr/>
+        <p:txBody>
+          <a:bodyPr/>
+          <a:lstStyle/>
+          <a:p>
+            <a:r>
+              <a:rPr kumimoji="1" lang="ja-JP" altLang="en-US" dirty="0" smtClean="0"/>
+              <a:t>モジュール続き</a:t>
+            </a:r>
+            <a:endParaRPr kumimoji="1" lang="ja-JP" altLang="en-US" dirty="0"/>
+          </a:p>
+        </p:txBody>
+      </p:sp>
+      <p:sp>
+        <p:nvSpPr>
+          <p:cNvPr id="3" name="コンテンツ プレースホルダー 2"/>
+          <p:cNvSpPr>
+            <a:spLocks noGrp="1"/>
+          </p:cNvSpPr>
+          <p:nvPr>
+            <p:ph idx="1"/>
+          </p:nvPr>
+        </p:nvSpPr>
+        <p:spPr>
+          <a:xfrm>
+            <a:off x="838200" y="1825624"/>
+            <a:ext cx="10515600" cy="4935784"/>
+          </a:xfrm>
+        </p:spPr>
+        <p:txBody>
+          <a:bodyPr>
+            <a:normAutofit fontScale="92500" lnSpcReduction="10000"/>
+          </a:bodyPr>
+          <a:lstStyle/>
+          <a:p>
+            <a:pPr marL="0" indent="0">
+              <a:buNone/>
+            </a:pPr>
+            <a:r>
+              <a:rPr lang="en-US" altLang="ja-JP" dirty="0"/>
+              <a:t> </a:t>
+            </a:r>
+            <a:r>
+              <a:rPr lang="en-US" altLang="ja-JP" dirty="0" err="1"/>
+              <a:t>def</a:t>
+            </a:r>
+            <a:r>
+              <a:rPr lang="en-US" altLang="ja-JP" dirty="0"/>
+              <a:t> </a:t>
+            </a:r>
+            <a:r>
+              <a:rPr lang="en-US" altLang="ja-JP" dirty="0" err="1"/>
+              <a:t>maxValue</a:t>
+            </a:r>
+            <a:r>
+              <a:rPr lang="en-US" altLang="ja-JP" dirty="0"/>
+              <a:t>(x, y)</a:t>
+            </a:r>
+          </a:p>
+          <a:p>
+            <a:pPr marL="0" indent="0">
+              <a:buNone/>
+            </a:pPr>
+            <a:r>
+              <a:rPr lang="en-US" altLang="ja-JP" dirty="0"/>
+              <a:t>    if x &gt; y</a:t>
+            </a:r>
+          </a:p>
+          <a:p>
+            <a:pPr marL="0" indent="0">
+              <a:buNone/>
+            </a:pPr>
+            <a:r>
+              <a:rPr lang="en-US" altLang="ja-JP" dirty="0"/>
+              <a:t>      return x</a:t>
+            </a:r>
+          </a:p>
+          <a:p>
+            <a:pPr marL="0" indent="0">
+              <a:buNone/>
+            </a:pPr>
+            <a:r>
+              <a:rPr lang="en-US" altLang="ja-JP" dirty="0"/>
+              <a:t>    else</a:t>
+            </a:r>
+          </a:p>
+          <a:p>
+            <a:pPr marL="0" indent="0">
+              <a:buNone/>
+            </a:pPr>
+            <a:r>
+              <a:rPr lang="en-US" altLang="ja-JP" dirty="0"/>
+              <a:t>      return y</a:t>
+            </a:r>
+          </a:p>
+          <a:p>
+            <a:pPr marL="0" indent="0">
+              <a:buNone/>
+            </a:pPr>
+            <a:r>
+              <a:rPr lang="en-US" altLang="ja-JP" dirty="0"/>
+              <a:t>    end</a:t>
+            </a:r>
+          </a:p>
+          <a:p>
+            <a:pPr marL="0" indent="0">
+              <a:buNone/>
+            </a:pPr>
+            <a:r>
+              <a:rPr lang="en-US" altLang="ja-JP" dirty="0"/>
+              <a:t>  end</a:t>
+            </a:r>
+          </a:p>
+          <a:p>
+            <a:pPr marL="0" indent="0">
+              <a:buNone/>
+            </a:pPr>
+            <a:endParaRPr lang="en-US" altLang="ja-JP" dirty="0"/>
+          </a:p>
+          <a:p>
+            <a:pPr marL="0" indent="0">
+              <a:buNone/>
+            </a:pPr>
+            <a:r>
+              <a:rPr lang="en-US" altLang="ja-JP" dirty="0"/>
+              <a:t>  </a:t>
+            </a:r>
+            <a:r>
+              <a:rPr lang="en-US" altLang="ja-JP" dirty="0" err="1"/>
+              <a:t>module_function</a:t>
+            </a:r>
+            <a:r>
+              <a:rPr lang="en-US" altLang="ja-JP" dirty="0"/>
+              <a:t> :</a:t>
+            </a:r>
+            <a:r>
+              <a:rPr lang="en-US" altLang="ja-JP" dirty="0" err="1"/>
+              <a:t>minValue</a:t>
+            </a:r>
+            <a:r>
+              <a:rPr lang="en-US" altLang="ja-JP" dirty="0"/>
+              <a:t> #</a:t>
+            </a:r>
+            <a:r>
+              <a:rPr lang="ja-JP" altLang="en-US" dirty="0"/>
+              <a:t>モジュール関数が使えるように設定する</a:t>
+            </a:r>
+          </a:p>
+          <a:p>
+            <a:pPr marL="0" indent="0">
+              <a:buNone/>
+            </a:pPr>
+            <a:r>
+              <a:rPr lang="ja-JP" altLang="en-US" dirty="0"/>
+              <a:t>  </a:t>
+            </a:r>
+            <a:r>
+              <a:rPr lang="en-US" altLang="ja-JP" dirty="0" err="1"/>
+              <a:t>module_function</a:t>
+            </a:r>
+            <a:r>
+              <a:rPr lang="en-US" altLang="ja-JP" dirty="0"/>
+              <a:t> :</a:t>
+            </a:r>
+            <a:r>
+              <a:rPr lang="en-US" altLang="ja-JP" dirty="0" err="1"/>
+              <a:t>maxValue</a:t>
+            </a:r>
+            <a:endParaRPr lang="en-US" altLang="ja-JP" dirty="0"/>
+          </a:p>
+          <a:p>
+            <a:pPr marL="0" indent="0">
+              <a:buNone/>
+            </a:pPr>
+            <a:r>
+              <a:rPr lang="en-US" altLang="ja-JP" dirty="0"/>
+              <a:t>end</a:t>
+            </a:r>
+            <a:endParaRPr kumimoji="1" lang="ja-JP" altLang="en-US" dirty="0"/>
+          </a:p>
+        </p:txBody>
+      </p:sp>
+    </p:spTree>
+    <p:extLst>
+      <p:ext uri="{BB962C8B-B14F-4D97-AF65-F5344CB8AC3E}">
+        <p14:creationId xmlns:p14="http://schemas.microsoft.com/office/powerpoint/2010/main" val="2400004041"/>
+      </p:ext>
+    </p:extLst>
+  </p:cSld>
+  <p:clrMapOvr>
+    <a:masterClrMapping/>
+  </p:clrMapOvr>
+  <p:timing>
+    <p:tnLst>
+      <p:par>
+        <p:cTn id="1" dur="indefinite" restart="never" nodeType="tmRoot"/>
+      </p:par>
+    </p:tnLst>
+  </p:timing>
+</p:sld>
+</file>
+
+<file path=ppt/slides/slide33.xml><?xml version="1.0" encoding="utf-8"?>
+<p:sld xmlns:a="http://schemas.openxmlformats.org/drawingml/2006/main" xmlns:r="http://schemas.openxmlformats.org/officeDocument/2006/relationships" xmlns:p="http://schemas.openxmlformats.org/presentationml/2006/main">
+  <p:cSld>
+    <p:spTree>
+      <p:nvGrpSpPr>
+        <p:cNvPr id="1" name=""/>
+        <p:cNvGrpSpPr/>
+        <p:nvPr/>
+      </p:nvGrpSpPr>
+      <p:grpSpPr>
+        <a:xfrm>
+          <a:off x="0" y="0"/>
+          <a:ext cx="0" cy="0"/>
+          <a:chOff x="0" y="0"/>
+          <a:chExt cx="0" cy="0"/>
+        </a:xfrm>
+      </p:grpSpPr>
+      <p:sp>
+        <p:nvSpPr>
+          <p:cNvPr id="2" name="タイトル 1"/>
+          <p:cNvSpPr>
+            <a:spLocks noGrp="1"/>
+          </p:cNvSpPr>
+          <p:nvPr>
+            <p:ph type="title"/>
+          </p:nvPr>
+        </p:nvSpPr>
+        <p:spPr/>
+        <p:txBody>
+          <a:bodyPr/>
+          <a:lstStyle/>
+          <a:p>
+            <a:r>
+              <a:rPr kumimoji="1" lang="ja-JP" altLang="en-US" dirty="0" smtClean="0"/>
+              <a:t>モジュール続き</a:t>
+            </a:r>
+            <a:endParaRPr kumimoji="1" lang="ja-JP" altLang="en-US" dirty="0"/>
+          </a:p>
+        </p:txBody>
+      </p:sp>
+      <p:sp>
+        <p:nvSpPr>
+          <p:cNvPr id="3" name="コンテンツ プレースホルダー 2"/>
+          <p:cNvSpPr>
+            <a:spLocks noGrp="1"/>
+          </p:cNvSpPr>
+          <p:nvPr>
+            <p:ph idx="1"/>
+          </p:nvPr>
+        </p:nvSpPr>
+        <p:spPr>
+          <a:xfrm>
+            <a:off x="838200" y="1442434"/>
+            <a:ext cx="10515600" cy="5415565"/>
+          </a:xfrm>
+        </p:spPr>
+        <p:txBody>
+          <a:bodyPr>
+            <a:normAutofit fontScale="77500" lnSpcReduction="20000"/>
+          </a:bodyPr>
+          <a:lstStyle/>
+          <a:p>
+            <a:pPr marL="0" indent="0">
+              <a:buNone/>
+            </a:pPr>
+            <a:r>
+              <a:rPr lang="en-US" altLang="ja-JP" dirty="0"/>
+              <a:t>class Test</a:t>
+            </a:r>
+          </a:p>
+          <a:p>
+            <a:pPr marL="0" indent="0">
+              <a:buNone/>
+            </a:pPr>
+            <a:r>
+              <a:rPr lang="en-US" altLang="ja-JP" dirty="0"/>
+              <a:t>  include </a:t>
+            </a:r>
+            <a:r>
+              <a:rPr lang="en-US" altLang="ja-JP" dirty="0" err="1"/>
+              <a:t>SuuchiModule</a:t>
+            </a:r>
+            <a:r>
+              <a:rPr lang="en-US" altLang="ja-JP" dirty="0"/>
+              <a:t> #</a:t>
+            </a:r>
+            <a:r>
+              <a:rPr lang="ja-JP" altLang="en-US" dirty="0"/>
+              <a:t>モジュールをインクルードする</a:t>
+            </a:r>
+          </a:p>
+          <a:p>
+            <a:pPr marL="0" indent="0">
+              <a:buNone/>
+            </a:pPr>
+            <a:endParaRPr lang="ja-JP" altLang="en-US" dirty="0"/>
+          </a:p>
+          <a:p>
+            <a:pPr marL="0" indent="0">
+              <a:buNone/>
+            </a:pPr>
+            <a:r>
+              <a:rPr lang="ja-JP" altLang="en-US" dirty="0"/>
+              <a:t>  </a:t>
+            </a:r>
+            <a:r>
+              <a:rPr lang="en-US" altLang="ja-JP" dirty="0" err="1"/>
+              <a:t>def</a:t>
+            </a:r>
+            <a:r>
+              <a:rPr lang="en-US" altLang="ja-JP" dirty="0"/>
+              <a:t> </a:t>
+            </a:r>
+            <a:r>
+              <a:rPr lang="en-US" altLang="ja-JP" dirty="0" err="1"/>
+              <a:t>dispValue</a:t>
+            </a:r>
+            <a:r>
+              <a:rPr lang="en-US" altLang="ja-JP" dirty="0"/>
+              <a:t>(x, y)</a:t>
+            </a:r>
+          </a:p>
+          <a:p>
+            <a:pPr marL="0" indent="0">
+              <a:buNone/>
+            </a:pPr>
+            <a:r>
+              <a:rPr lang="en-US" altLang="ja-JP" dirty="0"/>
+              <a:t>    min = </a:t>
+            </a:r>
+            <a:r>
+              <a:rPr lang="en-US" altLang="ja-JP" dirty="0" err="1"/>
+              <a:t>minValue</a:t>
+            </a:r>
+            <a:r>
+              <a:rPr lang="en-US" altLang="ja-JP" dirty="0"/>
+              <a:t>(x, y)</a:t>
+            </a:r>
+          </a:p>
+          <a:p>
+            <a:pPr marL="0" indent="0">
+              <a:buNone/>
+            </a:pPr>
+            <a:r>
+              <a:rPr lang="en-US" altLang="ja-JP" dirty="0"/>
+              <a:t>    print("2</a:t>
+            </a:r>
+            <a:r>
+              <a:rPr lang="ja-JP" altLang="en-US" dirty="0" err="1"/>
+              <a:t>つの</a:t>
+            </a:r>
+            <a:r>
+              <a:rPr lang="ja-JP" altLang="en-US" dirty="0"/>
+              <a:t>値</a:t>
+            </a:r>
+            <a:r>
+              <a:rPr lang="en-US" altLang="ja-JP" dirty="0"/>
+              <a:t>", x, "</a:t>
+            </a:r>
+            <a:r>
+              <a:rPr lang="ja-JP" altLang="en-US" dirty="0"/>
+              <a:t>と</a:t>
+            </a:r>
+            <a:r>
+              <a:rPr lang="en-US" altLang="ja-JP" dirty="0"/>
+              <a:t>", y, "</a:t>
+            </a:r>
+            <a:r>
+              <a:rPr lang="ja-JP" altLang="en-US" dirty="0"/>
+              <a:t>の中で小さい値は</a:t>
+            </a:r>
+            <a:r>
+              <a:rPr lang="en-US" altLang="ja-JP" dirty="0"/>
+              <a:t>", min, "</a:t>
+            </a:r>
+            <a:r>
+              <a:rPr lang="ja-JP" altLang="en-US" dirty="0" err="1"/>
+              <a:t>です</a:t>
+            </a:r>
+            <a:r>
+              <a:rPr lang="en-US" altLang="ja-JP" dirty="0"/>
+              <a:t>\n")</a:t>
+            </a:r>
+          </a:p>
+          <a:p>
+            <a:pPr marL="0" indent="0">
+              <a:buNone/>
+            </a:pPr>
+            <a:r>
+              <a:rPr lang="en-US" altLang="ja-JP" dirty="0"/>
+              <a:t>  end</a:t>
+            </a:r>
+          </a:p>
+          <a:p>
+            <a:pPr marL="0" indent="0">
+              <a:buNone/>
+            </a:pPr>
+            <a:r>
+              <a:rPr lang="en-US" altLang="ja-JP" dirty="0"/>
+              <a:t>end</a:t>
+            </a:r>
+          </a:p>
+          <a:p>
+            <a:pPr marL="0" indent="0">
+              <a:buNone/>
+            </a:pPr>
+            <a:endParaRPr lang="en-US" altLang="ja-JP" dirty="0"/>
+          </a:p>
+          <a:p>
+            <a:pPr marL="0" indent="0">
+              <a:buNone/>
+            </a:pPr>
+            <a:r>
+              <a:rPr lang="en-US" altLang="ja-JP" dirty="0"/>
+              <a:t>include </a:t>
+            </a:r>
+            <a:r>
+              <a:rPr lang="en-US" altLang="ja-JP" dirty="0" err="1"/>
+              <a:t>SuuchiModule</a:t>
+            </a:r>
+            <a:r>
+              <a:rPr lang="en-US" altLang="ja-JP" dirty="0"/>
+              <a:t> # </a:t>
+            </a:r>
+            <a:r>
+              <a:rPr lang="ja-JP" altLang="en-US" dirty="0"/>
+              <a:t>インクルードすることでモジュール名を省略して関数を使える</a:t>
+            </a:r>
+          </a:p>
+          <a:p>
+            <a:pPr marL="0" indent="0">
+              <a:buNone/>
+            </a:pPr>
+            <a:r>
+              <a:rPr lang="en-US" altLang="ja-JP" dirty="0"/>
+              <a:t>print(</a:t>
+            </a:r>
+            <a:r>
+              <a:rPr lang="en-US" altLang="ja-JP" dirty="0" err="1"/>
+              <a:t>minValue</a:t>
+            </a:r>
+            <a:r>
+              <a:rPr lang="en-US" altLang="ja-JP" dirty="0"/>
+              <a:t>(10, 8), "\n")</a:t>
+            </a:r>
+          </a:p>
+          <a:p>
+            <a:pPr marL="0" indent="0">
+              <a:buNone/>
+            </a:pPr>
+            <a:r>
+              <a:rPr lang="en-US" altLang="ja-JP" dirty="0"/>
+              <a:t>print(</a:t>
+            </a:r>
+            <a:r>
+              <a:rPr lang="en-US" altLang="ja-JP" dirty="0" err="1"/>
+              <a:t>maxValue</a:t>
+            </a:r>
+            <a:r>
+              <a:rPr lang="en-US" altLang="ja-JP" dirty="0"/>
+              <a:t>(10, 8), "\n")</a:t>
+            </a:r>
+          </a:p>
+          <a:p>
+            <a:pPr marL="0" indent="0">
+              <a:buNone/>
+            </a:pPr>
+            <a:endParaRPr lang="en-US" altLang="ja-JP" dirty="0"/>
+          </a:p>
+          <a:p>
+            <a:pPr marL="0" indent="0">
+              <a:buNone/>
+            </a:pPr>
+            <a:r>
+              <a:rPr lang="en-US" altLang="ja-JP" dirty="0"/>
+              <a:t>test = </a:t>
+            </a:r>
+            <a:r>
+              <a:rPr lang="en-US" altLang="ja-JP" dirty="0" err="1"/>
+              <a:t>Test.new</a:t>
+            </a:r>
+            <a:endParaRPr lang="en-US" altLang="ja-JP" dirty="0"/>
+          </a:p>
+          <a:p>
+            <a:pPr marL="0" indent="0">
+              <a:buNone/>
+            </a:pPr>
+            <a:r>
+              <a:rPr lang="en-US" altLang="ja-JP" dirty="0" err="1"/>
+              <a:t>test.dispValue</a:t>
+            </a:r>
+            <a:r>
+              <a:rPr lang="en-US" altLang="ja-JP" dirty="0"/>
+              <a:t>(10, 8)</a:t>
+            </a:r>
+            <a:endParaRPr kumimoji="1" lang="ja-JP" altLang="en-US" dirty="0"/>
+          </a:p>
+        </p:txBody>
+      </p:sp>
+    </p:spTree>
+    <p:extLst>
+      <p:ext uri="{BB962C8B-B14F-4D97-AF65-F5344CB8AC3E}">
+        <p14:creationId xmlns:p14="http://schemas.microsoft.com/office/powerpoint/2010/main" val="1507496276"/>
+      </p:ext>
+    </p:extLst>
+  </p:cSld>
+  <p:clrMapOvr>
+    <a:masterClrMapping/>
+  </p:clrMapOvr>
+  <p:timing>
+    <p:tnLst>
+      <p:par>
+        <p:cTn id="1" dur="indefinite" restart="never" nodeType="tmRoot"/>
+      </p:par>
+    </p:tnLst>
+  </p:timing>
+</p:sld>
+</file>
+
+<file path=ppt/slides/slide34.xml><?xml version="1.0" encoding="utf-8"?>
+<p:sld xmlns:a="http://schemas.openxmlformats.org/drawingml/2006/main" xmlns:r="http://schemas.openxmlformats.org/officeDocument/2006/relationships" xmlns:p="http://schemas.openxmlformats.org/presentationml/2006/main">
+  <p:cSld>
+    <p:spTree>
+      <p:nvGrpSpPr>
+        <p:cNvPr id="1" name=""/>
+        <p:cNvGrpSpPr/>
+        <p:nvPr/>
+      </p:nvGrpSpPr>
+      <p:grpSpPr>
+        <a:xfrm>
+          <a:off x="0" y="0"/>
+          <a:ext cx="0" cy="0"/>
+          <a:chOff x="0" y="0"/>
+          <a:chExt cx="0" cy="0"/>
+        </a:xfrm>
+      </p:grpSpPr>
+      <p:sp>
+        <p:nvSpPr>
+          <p:cNvPr id="2" name="タイトル 1"/>
+          <p:cNvSpPr>
+            <a:spLocks noGrp="1"/>
+          </p:cNvSpPr>
+          <p:nvPr>
+            <p:ph type="title"/>
+          </p:nvPr>
+        </p:nvSpPr>
+        <p:spPr/>
+        <p:txBody>
+          <a:bodyPr/>
+          <a:lstStyle/>
+          <a:p>
+            <a:r>
+              <a:rPr kumimoji="1" lang="ja-JP" altLang="en-US" dirty="0" smtClean="0"/>
+              <a:t>モジュール</a:t>
+            </a:r>
+            <a:endParaRPr kumimoji="1" lang="ja-JP" altLang="en-US" dirty="0"/>
+          </a:p>
+        </p:txBody>
+      </p:sp>
+      <p:sp>
+        <p:nvSpPr>
+          <p:cNvPr id="3" name="コンテンツ プレースホルダー 2"/>
+          <p:cNvSpPr>
+            <a:spLocks noGrp="1"/>
+          </p:cNvSpPr>
+          <p:nvPr>
+            <p:ph idx="1"/>
+          </p:nvPr>
+        </p:nvSpPr>
+        <p:spPr>
+          <a:xfrm>
+            <a:off x="838199" y="1825625"/>
+            <a:ext cx="10627895" cy="4351338"/>
+          </a:xfrm>
+        </p:spPr>
+        <p:txBody>
+          <a:bodyPr/>
+          <a:lstStyle/>
+          <a:p>
+            <a:r>
+              <a:rPr kumimoji="1" lang="ja-JP" altLang="en-US" dirty="0" smtClean="0"/>
+              <a:t>オブジェクトを生成することができない</a:t>
+            </a:r>
+            <a:endParaRPr kumimoji="1" lang="en-US" altLang="ja-JP" dirty="0" smtClean="0"/>
+          </a:p>
+          <a:p>
+            <a:endParaRPr lang="en-US" altLang="ja-JP" dirty="0"/>
+          </a:p>
+          <a:p>
+            <a:r>
+              <a:rPr kumimoji="1" lang="ja-JP" altLang="en-US" dirty="0" smtClean="0"/>
+              <a:t>利用方法</a:t>
+            </a:r>
+            <a:r>
+              <a:rPr kumimoji="1" lang="en-US" altLang="ja-JP" dirty="0" smtClean="0"/>
+              <a:t>:</a:t>
+            </a:r>
+            <a:r>
+              <a:rPr lang="ja-JP" altLang="en-US" dirty="0" smtClean="0"/>
+              <a:t>「</a:t>
+            </a:r>
+            <a:r>
+              <a:rPr lang="ja-JP" altLang="en-US" dirty="0"/>
+              <a:t>モジュール名</a:t>
+            </a:r>
+            <a:r>
+              <a:rPr lang="en-US" altLang="ja-JP" dirty="0"/>
+              <a:t>.</a:t>
+            </a:r>
+            <a:r>
+              <a:rPr lang="ja-JP" altLang="en-US" dirty="0"/>
+              <a:t>メソッド名」の形式で関数のように実行</a:t>
+            </a:r>
+            <a:r>
+              <a:rPr lang="ja-JP" altLang="en-US" dirty="0" smtClean="0"/>
+              <a:t>する</a:t>
+            </a:r>
+            <a:endParaRPr lang="en-US" altLang="ja-JP" dirty="0" smtClean="0"/>
+          </a:p>
+          <a:p>
+            <a:pPr marL="0" indent="0">
+              <a:buNone/>
+            </a:pPr>
+            <a:r>
+              <a:rPr lang="en-US" altLang="ja-JP" dirty="0" smtClean="0"/>
+              <a:t>		</a:t>
+            </a:r>
+            <a:r>
+              <a:rPr lang="ja-JP" altLang="en-US" dirty="0"/>
+              <a:t>他のクラスの中にインクルードして利用</a:t>
+            </a:r>
+            <a:r>
+              <a:rPr lang="ja-JP" altLang="en-US" dirty="0" smtClean="0"/>
+              <a:t>する</a:t>
+            </a:r>
+            <a:endParaRPr lang="en-US" altLang="ja-JP" dirty="0" smtClean="0"/>
+          </a:p>
+          <a:p>
+            <a:pPr marL="0" indent="0">
+              <a:buNone/>
+            </a:pPr>
+            <a:endParaRPr lang="en-US" altLang="ja-JP" dirty="0"/>
+          </a:p>
+          <a:p>
+            <a:r>
+              <a:rPr lang="ja-JP" altLang="en-US" dirty="0" smtClean="0"/>
+              <a:t>クラスの共通</a:t>
+            </a:r>
+            <a:r>
+              <a:rPr lang="ja-JP" altLang="en-US" dirty="0"/>
+              <a:t>となる機能をモジュールとして定義し、各クラスにインクルードして利用することでコードの再利用性を高めることが</a:t>
+            </a:r>
+            <a:r>
+              <a:rPr lang="ja-JP" altLang="en-US" dirty="0" smtClean="0"/>
+              <a:t>できる</a:t>
+            </a:r>
+            <a:endParaRPr lang="en-US" altLang="ja-JP" dirty="0" smtClean="0"/>
+          </a:p>
+          <a:p>
+            <a:pPr marL="0" indent="0">
+              <a:buNone/>
+            </a:pPr>
+            <a:endParaRPr lang="en-US" altLang="ja-JP" dirty="0"/>
+          </a:p>
+          <a:p>
+            <a:pPr>
+              <a:buFont typeface="Wingdings" panose="05000000000000000000" pitchFamily="2" charset="2"/>
+              <a:buChar char="l"/>
+            </a:pPr>
+            <a:endParaRPr lang="en-US" altLang="ja-JP" dirty="0" smtClean="0"/>
+          </a:p>
+          <a:p>
+            <a:pPr marL="0" indent="0">
+              <a:buNone/>
+            </a:pPr>
+            <a:endParaRPr kumimoji="1" lang="en-US" altLang="ja-JP" dirty="0"/>
+          </a:p>
+          <a:p>
+            <a:pPr marL="0" indent="0">
+              <a:buNone/>
+            </a:pPr>
+            <a:endParaRPr kumimoji="1" lang="en-US" altLang="ja-JP" dirty="0" smtClean="0"/>
+          </a:p>
+          <a:p>
+            <a:endParaRPr lang="en-US" altLang="ja-JP" dirty="0"/>
+          </a:p>
+          <a:p>
+            <a:endParaRPr kumimoji="1" lang="ja-JP" altLang="en-US" dirty="0"/>
+          </a:p>
+        </p:txBody>
+      </p:sp>
+    </p:spTree>
+    <p:extLst>
+      <p:ext uri="{BB962C8B-B14F-4D97-AF65-F5344CB8AC3E}">
+        <p14:creationId xmlns:p14="http://schemas.microsoft.com/office/powerpoint/2010/main" val="2318644826"/>
+      </p:ext>
+    </p:extLst>
+  </p:cSld>
+  <p:clrMapOvr>
+    <a:masterClrMapping/>
+  </p:clrMapOvr>
+  <p:timing>
+    <p:tnLst>
+      <p:par>
+        <p:cTn id="1" dur="indefinite" restart="never" nodeType="tmRoot"/>
+      </p:par>
+    </p:tnLst>
+  </p:timing>
+</p:sld>
+</file>
+
+<file path=ppt/slides/slide35.xml><?xml version="1.0" encoding="utf-8"?>
+<p:sld xmlns:a="http://schemas.openxmlformats.org/drawingml/2006/main" xmlns:r="http://schemas.openxmlformats.org/officeDocument/2006/relationships" xmlns:p="http://schemas.openxmlformats.org/presentationml/2006/main">
+  <p:cSld>
+    <p:spTree>
+      <p:nvGrpSpPr>
+        <p:cNvPr id="1" name=""/>
+        <p:cNvGrpSpPr/>
+        <p:nvPr/>
+      </p:nvGrpSpPr>
+      <p:grpSpPr>
+        <a:xfrm>
+          <a:off x="0" y="0"/>
+          <a:ext cx="0" cy="0"/>
+          <a:chOff x="0" y="0"/>
+          <a:chExt cx="0" cy="0"/>
+        </a:xfrm>
+      </p:grpSpPr>
+      <p:sp>
+        <p:nvSpPr>
+          <p:cNvPr id="2" name="タイトル 1"/>
+          <p:cNvSpPr>
+            <a:spLocks noGrp="1"/>
+          </p:cNvSpPr>
+          <p:nvPr>
+            <p:ph type="title"/>
+          </p:nvPr>
+        </p:nvSpPr>
+        <p:spPr/>
+        <p:txBody>
+          <a:bodyPr/>
+          <a:lstStyle/>
+          <a:p>
+            <a:r>
+              <a:rPr kumimoji="1" lang="ja-JP" altLang="en-US" dirty="0" smtClean="0"/>
+              <a:t>モジュール</a:t>
+            </a:r>
+            <a:r>
+              <a:rPr kumimoji="1" lang="en-US" altLang="ja-JP" dirty="0" smtClean="0"/>
+              <a:t>(</a:t>
+            </a:r>
+            <a:r>
+              <a:rPr kumimoji="1" lang="ja-JP" altLang="en-US" dirty="0" smtClean="0"/>
+              <a:t>関数</a:t>
+            </a:r>
+            <a:r>
+              <a:rPr kumimoji="1" lang="en-US" altLang="ja-JP" dirty="0" smtClean="0"/>
+              <a:t>)</a:t>
+            </a:r>
+            <a:endParaRPr kumimoji="1" lang="ja-JP" altLang="en-US" dirty="0"/>
+          </a:p>
+        </p:txBody>
+      </p:sp>
+      <p:sp>
+        <p:nvSpPr>
+          <p:cNvPr id="3" name="コンテンツ プレースホルダー 2"/>
+          <p:cNvSpPr>
+            <a:spLocks noGrp="1"/>
+          </p:cNvSpPr>
+          <p:nvPr>
+            <p:ph idx="1"/>
+          </p:nvPr>
+        </p:nvSpPr>
+        <p:spPr>
+          <a:xfrm>
+            <a:off x="838200" y="1365161"/>
+            <a:ext cx="10515600" cy="5357611"/>
+          </a:xfrm>
+        </p:spPr>
+        <p:txBody>
+          <a:bodyPr/>
+          <a:lstStyle/>
+          <a:p>
+            <a:r>
+              <a:rPr kumimoji="1" lang="ja-JP" altLang="en-US" dirty="0" smtClean="0"/>
+              <a:t>使い方</a:t>
+            </a:r>
+            <a:endParaRPr kumimoji="1" lang="en-US" altLang="ja-JP" dirty="0" smtClean="0"/>
+          </a:p>
+          <a:p>
+            <a:pPr marL="0" indent="0">
+              <a:buNone/>
+            </a:pPr>
+            <a:r>
+              <a:rPr lang="en-US" altLang="ja-JP" dirty="0" smtClean="0"/>
+              <a:t>Module </a:t>
+            </a:r>
+            <a:r>
+              <a:rPr lang="ja-JP" altLang="en-US" dirty="0" smtClean="0"/>
+              <a:t>モジュール名 </a:t>
+            </a:r>
+            <a:r>
+              <a:rPr lang="en-US" altLang="ja-JP" dirty="0" smtClean="0"/>
+              <a:t>*</a:t>
+            </a:r>
+            <a:r>
+              <a:rPr lang="ja-JP" altLang="en-US" dirty="0" smtClean="0"/>
+              <a:t>モジュール名先頭文字大文字</a:t>
+            </a:r>
+            <a:endParaRPr lang="en-US" altLang="ja-JP" dirty="0" smtClean="0"/>
+          </a:p>
+          <a:p>
+            <a:pPr marL="0" indent="0">
+              <a:buNone/>
+            </a:pPr>
+            <a:r>
+              <a:rPr lang="ja-JP" altLang="en-US" dirty="0" smtClean="0"/>
+              <a:t>メソッド</a:t>
+            </a:r>
+            <a:endParaRPr lang="en-US" altLang="ja-JP" dirty="0" smtClean="0"/>
+          </a:p>
+          <a:p>
+            <a:pPr marL="0" indent="0">
+              <a:buNone/>
+            </a:pPr>
+            <a:r>
+              <a:rPr lang="en-US" altLang="ja-JP" dirty="0" err="1" smtClean="0"/>
+              <a:t>module_function</a:t>
+            </a:r>
+            <a:r>
+              <a:rPr lang="en-US" altLang="ja-JP" dirty="0" smtClean="0"/>
+              <a:t>:</a:t>
+            </a:r>
+            <a:r>
+              <a:rPr lang="ja-JP" altLang="en-US" dirty="0" smtClean="0"/>
+              <a:t>関数名</a:t>
+            </a:r>
+            <a:endParaRPr kumimoji="1" lang="en-US" altLang="ja-JP" dirty="0" smtClean="0"/>
+          </a:p>
+          <a:p>
+            <a:pPr marL="0" indent="0">
+              <a:buNone/>
+            </a:pPr>
+            <a:r>
+              <a:rPr lang="en-US" altLang="ja-JP" dirty="0" smtClean="0"/>
+              <a:t>end</a:t>
+            </a:r>
+          </a:p>
+          <a:p>
+            <a:pPr marL="0" indent="0">
+              <a:buNone/>
+            </a:pPr>
+            <a:endParaRPr lang="en-US" altLang="ja-JP" dirty="0" smtClean="0"/>
+          </a:p>
+          <a:p>
+            <a:pPr marL="0" indent="0">
+              <a:buNone/>
+            </a:pPr>
+            <a:r>
+              <a:rPr lang="en-US" altLang="ja-JP" dirty="0" err="1" smtClean="0"/>
+              <a:t>module_function</a:t>
+            </a:r>
+            <a:r>
+              <a:rPr lang="en-US" altLang="ja-JP" dirty="0" smtClean="0"/>
+              <a:t>:</a:t>
+            </a:r>
+            <a:r>
+              <a:rPr lang="ja-JP" altLang="en-US" dirty="0" smtClean="0"/>
+              <a:t>モジュール内の関数を使えるようにする</a:t>
+            </a:r>
+            <a:endParaRPr lang="en-US" altLang="ja-JP" dirty="0" smtClean="0"/>
+          </a:p>
+          <a:p>
+            <a:pPr marL="0" indent="0">
+              <a:buNone/>
+            </a:pPr>
+            <a:r>
+              <a:rPr lang="en-US" altLang="ja-JP" dirty="0" smtClean="0"/>
+              <a:t>include </a:t>
+            </a:r>
+            <a:r>
+              <a:rPr lang="ja-JP" altLang="en-US" dirty="0" smtClean="0"/>
+              <a:t>モジュール名</a:t>
+            </a:r>
+            <a:r>
+              <a:rPr lang="en-US" altLang="ja-JP" dirty="0" smtClean="0"/>
+              <a:t>: </a:t>
+            </a:r>
+            <a:r>
+              <a:rPr lang="ja-JP" altLang="en-US" dirty="0" smtClean="0"/>
+              <a:t>モジュール名なしで宣言できる　</a:t>
+            </a:r>
+            <a:endParaRPr lang="en-US" altLang="ja-JP" dirty="0"/>
+          </a:p>
+          <a:p>
+            <a:pPr marL="0" indent="0">
+              <a:buNone/>
+            </a:pPr>
+            <a:r>
+              <a:rPr lang="en-US" altLang="ja-JP" dirty="0"/>
+              <a:t>i</a:t>
+            </a:r>
+            <a:r>
+              <a:rPr lang="en-US" altLang="ja-JP" dirty="0" smtClean="0"/>
+              <a:t>nclude</a:t>
+            </a:r>
+            <a:r>
+              <a:rPr lang="ja-JP" altLang="en-US" dirty="0" smtClean="0"/>
+              <a:t>なし</a:t>
+            </a:r>
+            <a:r>
+              <a:rPr lang="en-US" altLang="ja-JP" dirty="0" smtClean="0"/>
+              <a:t>:</a:t>
+            </a:r>
+            <a:r>
+              <a:rPr lang="ja-JP" altLang="en-US" dirty="0" smtClean="0"/>
+              <a:t>モジュール名</a:t>
+            </a:r>
+            <a:r>
+              <a:rPr lang="en-US" altLang="ja-JP" dirty="0" smtClean="0"/>
+              <a:t>.</a:t>
+            </a:r>
+            <a:r>
+              <a:rPr lang="ja-JP" altLang="en-US" dirty="0" smtClean="0"/>
+              <a:t>関数名</a:t>
+            </a:r>
+            <a:endParaRPr lang="en-US" altLang="ja-JP" dirty="0" smtClean="0"/>
+          </a:p>
+          <a:p>
+            <a:pPr marL="0" indent="0">
+              <a:buNone/>
+            </a:pPr>
+            <a:r>
+              <a:rPr lang="en-US" altLang="ja-JP" dirty="0" smtClean="0"/>
+              <a:t>Include</a:t>
+            </a:r>
+            <a:r>
+              <a:rPr lang="ja-JP" altLang="en-US" dirty="0" smtClean="0"/>
+              <a:t>あり</a:t>
+            </a:r>
+            <a:r>
+              <a:rPr lang="en-US" altLang="ja-JP" dirty="0" smtClean="0"/>
+              <a:t>:</a:t>
+            </a:r>
+            <a:r>
+              <a:rPr lang="ja-JP" altLang="en-US" dirty="0" smtClean="0"/>
+              <a:t>関数名</a:t>
+            </a:r>
+            <a:endParaRPr lang="en-US" altLang="ja-JP" dirty="0" smtClean="0"/>
+          </a:p>
+          <a:p>
+            <a:pPr marL="0" indent="0">
+              <a:buNone/>
+            </a:pPr>
+            <a:endParaRPr kumimoji="1" lang="en-US" altLang="ja-JP" dirty="0" smtClean="0"/>
+          </a:p>
+          <a:p>
+            <a:endParaRPr kumimoji="1" lang="ja-JP" altLang="en-US" dirty="0"/>
+          </a:p>
+        </p:txBody>
+      </p:sp>
+    </p:spTree>
+    <p:extLst>
+      <p:ext uri="{BB962C8B-B14F-4D97-AF65-F5344CB8AC3E}">
+        <p14:creationId xmlns:p14="http://schemas.microsoft.com/office/powerpoint/2010/main" val="1962833277"/>
+      </p:ext>
+    </p:extLst>
+  </p:cSld>
+  <p:clrMapOvr>
+    <a:masterClrMapping/>
+  </p:clrMapOvr>
+  <p:timing>
+    <p:tnLst>
+      <p:par>
+        <p:cTn id="1" dur="indefinite" restart="never" nodeType="tmRoot"/>
+      </p:par>
+    </p:tnLst>
+  </p:timing>
+</p:sld>
+</file>
+
+<file path=ppt/slides/slide36.xml><?xml version="1.0" encoding="utf-8"?>
+<p:sld xmlns:a="http://schemas.openxmlformats.org/drawingml/2006/main" xmlns:r="http://schemas.openxmlformats.org/officeDocument/2006/relationships" xmlns:p="http://schemas.openxmlformats.org/presentationml/2006/main">
+  <p:cSld>
+    <p:spTree>
+      <p:nvGrpSpPr>
+        <p:cNvPr id="1" name=""/>
+        <p:cNvGrpSpPr/>
+        <p:nvPr/>
+      </p:nvGrpSpPr>
+      <p:grpSpPr>
+        <a:xfrm>
+          <a:off x="0" y="0"/>
+          <a:ext cx="0" cy="0"/>
+          <a:chOff x="0" y="0"/>
+          <a:chExt cx="0" cy="0"/>
+        </a:xfrm>
+      </p:grpSpPr>
+      <p:sp>
+        <p:nvSpPr>
+          <p:cNvPr id="2" name="タイトル 1"/>
+          <p:cNvSpPr>
+            <a:spLocks noGrp="1"/>
+          </p:cNvSpPr>
+          <p:nvPr>
+            <p:ph type="title"/>
+          </p:nvPr>
+        </p:nvSpPr>
+        <p:spPr/>
+        <p:txBody>
+          <a:bodyPr/>
+          <a:lstStyle/>
+          <a:p>
+            <a:r>
+              <a:rPr kumimoji="1" lang="ja-JP" altLang="en-US" dirty="0" smtClean="0"/>
+              <a:t>モジュール</a:t>
+            </a:r>
+            <a:r>
+              <a:rPr kumimoji="1" lang="en-US" altLang="ja-JP" dirty="0" smtClean="0"/>
+              <a:t>(</a:t>
+            </a:r>
+            <a:r>
+              <a:rPr kumimoji="1" lang="ja-JP" altLang="en-US" dirty="0" smtClean="0"/>
+              <a:t>クラス</a:t>
+            </a:r>
+            <a:r>
+              <a:rPr kumimoji="1" lang="en-US" altLang="ja-JP" dirty="0" smtClean="0"/>
+              <a:t>)</a:t>
+            </a:r>
+            <a:endParaRPr kumimoji="1" lang="ja-JP" altLang="en-US" dirty="0"/>
+          </a:p>
+        </p:txBody>
+      </p:sp>
+      <p:sp>
+        <p:nvSpPr>
+          <p:cNvPr id="3" name="コンテンツ プレースホルダー 2"/>
+          <p:cNvSpPr>
+            <a:spLocks noGrp="1"/>
+          </p:cNvSpPr>
+          <p:nvPr>
+            <p:ph idx="1"/>
+          </p:nvPr>
+        </p:nvSpPr>
+        <p:spPr>
+          <a:xfrm>
+            <a:off x="838200" y="1825625"/>
+            <a:ext cx="10515600" cy="4626690"/>
+          </a:xfrm>
+        </p:spPr>
+        <p:txBody>
+          <a:bodyPr/>
+          <a:lstStyle/>
+          <a:p>
+            <a:r>
+              <a:rPr lang="ja-JP" altLang="en-US" dirty="0"/>
+              <a:t>使い方</a:t>
+            </a:r>
+            <a:endParaRPr lang="en-US" altLang="ja-JP" dirty="0"/>
+          </a:p>
+          <a:p>
+            <a:pPr marL="0" indent="0">
+              <a:buNone/>
+            </a:pPr>
+            <a:r>
+              <a:rPr lang="en-US" altLang="ja-JP" dirty="0"/>
+              <a:t>Module </a:t>
+            </a:r>
+            <a:r>
+              <a:rPr lang="ja-JP" altLang="en-US" dirty="0"/>
+              <a:t>モジュール名 </a:t>
+            </a:r>
+            <a:r>
+              <a:rPr lang="en-US" altLang="ja-JP" dirty="0"/>
+              <a:t>*</a:t>
+            </a:r>
+            <a:r>
+              <a:rPr lang="ja-JP" altLang="en-US" dirty="0"/>
+              <a:t>モジュール名先頭文字大文字</a:t>
+            </a:r>
+            <a:endParaRPr lang="en-US" altLang="ja-JP" dirty="0"/>
+          </a:p>
+          <a:p>
+            <a:pPr marL="0" indent="0">
+              <a:buNone/>
+            </a:pPr>
+            <a:r>
+              <a:rPr lang="ja-JP" altLang="en-US" dirty="0"/>
+              <a:t>メソッド</a:t>
+            </a:r>
+            <a:endParaRPr lang="en-US" altLang="ja-JP" dirty="0"/>
+          </a:p>
+          <a:p>
+            <a:pPr marL="0" indent="0">
+              <a:buNone/>
+            </a:pPr>
+            <a:r>
+              <a:rPr lang="en-US" altLang="ja-JP" dirty="0"/>
+              <a:t>e</a:t>
+            </a:r>
+            <a:r>
+              <a:rPr lang="en-US" altLang="ja-JP" dirty="0" smtClean="0"/>
+              <a:t>nd</a:t>
+            </a:r>
+          </a:p>
+          <a:p>
+            <a:pPr marL="0" indent="0">
+              <a:buNone/>
+            </a:pPr>
+            <a:endParaRPr lang="en-US" altLang="ja-JP" dirty="0" smtClean="0"/>
+          </a:p>
+          <a:p>
+            <a:pPr marL="0" indent="0">
+              <a:buNone/>
+            </a:pPr>
+            <a:r>
+              <a:rPr lang="en-US" altLang="ja-JP" dirty="0"/>
+              <a:t>include </a:t>
+            </a:r>
+            <a:r>
+              <a:rPr lang="ja-JP" altLang="en-US" dirty="0" smtClean="0"/>
+              <a:t>モジュール名 </a:t>
+            </a:r>
+            <a:r>
+              <a:rPr lang="en-US" altLang="ja-JP" dirty="0" smtClean="0"/>
+              <a:t>:</a:t>
+            </a:r>
+            <a:r>
+              <a:rPr lang="ja-JP" altLang="en-US" dirty="0" smtClean="0"/>
+              <a:t>クラス内で宣言することで全てのモジュール内</a:t>
+            </a:r>
+            <a:endParaRPr lang="en-US" altLang="ja-JP" dirty="0" smtClean="0"/>
+          </a:p>
+          <a:p>
+            <a:pPr marL="0" indent="0">
+              <a:buNone/>
+            </a:pPr>
+            <a:r>
+              <a:rPr lang="en-US" altLang="ja-JP" dirty="0"/>
+              <a:t> </a:t>
+            </a:r>
+            <a:r>
+              <a:rPr lang="en-US" altLang="ja-JP" dirty="0" smtClean="0"/>
+              <a:t>                                         </a:t>
+            </a:r>
+            <a:r>
+              <a:rPr lang="ja-JP" altLang="en-US" dirty="0" smtClean="0"/>
+              <a:t>のメソッドがクラスのメソッド内で使用できる</a:t>
+            </a:r>
+            <a:endParaRPr lang="en-US" altLang="ja-JP" dirty="0" smtClean="0"/>
+          </a:p>
+          <a:p>
+            <a:pPr marL="0" indent="0">
+              <a:buNone/>
+            </a:pPr>
+            <a:endParaRPr lang="en-US" altLang="ja-JP" dirty="0"/>
+          </a:p>
+          <a:p>
+            <a:pPr marL="0" indent="0">
+              <a:buNone/>
+            </a:pPr>
+            <a:endParaRPr lang="en-US" altLang="ja-JP" dirty="0"/>
+          </a:p>
+          <a:p>
+            <a:endParaRPr kumimoji="1" lang="ja-JP" altLang="en-US" dirty="0"/>
+          </a:p>
+        </p:txBody>
+      </p:sp>
+    </p:spTree>
+    <p:extLst>
+      <p:ext uri="{BB962C8B-B14F-4D97-AF65-F5344CB8AC3E}">
+        <p14:creationId xmlns:p14="http://schemas.microsoft.com/office/powerpoint/2010/main" val="655585640"/>
+      </p:ext>
+    </p:extLst>
+  </p:cSld>
+  <p:clrMapOvr>
+    <a:masterClrMapping/>
+  </p:clrMapOvr>
+  <p:timing>
+    <p:tnLst>
+      <p:par>
+        <p:cTn id="1" dur="indefinite" restart="never" nodeType="tmRoot"/>
+      </p:par>
+    </p:tnLst>
+  </p:timing>
+</p:sld>
+</file>
+
+<file path=ppt/slides/slide37.xml><?xml version="1.0" encoding="utf-8"?>
+<p:sld xmlns:a="http://schemas.openxmlformats.org/drawingml/2006/main" xmlns:r="http://schemas.openxmlformats.org/officeDocument/2006/relationships" xmlns:p="http://schemas.openxmlformats.org/presentationml/2006/main">
+  <p:cSld>
+    <p:spTree>
+      <p:nvGrpSpPr>
+        <p:cNvPr id="1" name=""/>
+        <p:cNvGrpSpPr/>
+        <p:nvPr/>
+      </p:nvGrpSpPr>
+      <p:grpSpPr>
+        <a:xfrm>
+          <a:off x="0" y="0"/>
+          <a:ext cx="0" cy="0"/>
+          <a:chOff x="0" y="0"/>
+          <a:chExt cx="0" cy="0"/>
+        </a:xfrm>
+      </p:grpSpPr>
+      <p:sp>
+        <p:nvSpPr>
+          <p:cNvPr id="3" name="コンテンツ プレースホルダー 2"/>
+          <p:cNvSpPr>
+            <a:spLocks noGrp="1"/>
+          </p:cNvSpPr>
+          <p:nvPr>
+            <p:ph idx="1"/>
+          </p:nvPr>
+        </p:nvSpPr>
+        <p:spPr>
+          <a:xfrm>
+            <a:off x="838200" y="1"/>
+            <a:ext cx="10940716" cy="6701590"/>
+          </a:xfrm>
+        </p:spPr>
+        <p:txBody>
+          <a:bodyPr>
+            <a:normAutofit/>
+          </a:bodyPr>
+          <a:lstStyle/>
+          <a:p>
+            <a:r>
+              <a:rPr kumimoji="1" lang="ja-JP" altLang="en-US" dirty="0" smtClean="0"/>
+              <a:t>以下の</a:t>
+            </a:r>
+            <a:r>
+              <a:rPr kumimoji="1" lang="en-US" altLang="ja-JP" dirty="0" smtClean="0"/>
+              <a:t>Car</a:t>
+            </a:r>
+            <a:r>
+              <a:rPr kumimoji="1" lang="ja-JP" altLang="en-US" dirty="0" smtClean="0"/>
+              <a:t>クラスとモジュールを設計せよ</a:t>
+            </a:r>
+            <a:endParaRPr kumimoji="1" lang="en-US" altLang="ja-JP" dirty="0" smtClean="0"/>
+          </a:p>
+          <a:p>
+            <a:r>
+              <a:rPr kumimoji="1" lang="ja-JP" altLang="en-US" dirty="0" smtClean="0"/>
+              <a:t>クラス変数</a:t>
+            </a:r>
+            <a:r>
+              <a:rPr kumimoji="1" lang="en-US" altLang="ja-JP" dirty="0" smtClean="0"/>
+              <a:t>: </a:t>
+            </a:r>
+            <a:r>
+              <a:rPr kumimoji="1" lang="en-US" altLang="ja-JP" dirty="0" err="1" smtClean="0"/>
+              <a:t>ElementCount</a:t>
+            </a:r>
+            <a:r>
+              <a:rPr kumimoji="1" lang="en-US" altLang="ja-JP" dirty="0" smtClean="0"/>
+              <a:t> </a:t>
+            </a:r>
+            <a:r>
+              <a:rPr kumimoji="1" lang="ja-JP" altLang="en-US" dirty="0" smtClean="0"/>
+              <a:t>配列の要素数をカウントする</a:t>
+            </a:r>
+            <a:endParaRPr kumimoji="1" lang="en-US" altLang="ja-JP" dirty="0" smtClean="0"/>
+          </a:p>
+          <a:p>
+            <a:r>
+              <a:rPr lang="ja-JP" altLang="en-US" dirty="0" smtClean="0"/>
+              <a:t>インスタンス変数</a:t>
+            </a:r>
+            <a:r>
+              <a:rPr lang="en-US" altLang="ja-JP" dirty="0" smtClean="0"/>
+              <a:t>: </a:t>
+            </a:r>
+            <a:r>
+              <a:rPr lang="en-US" altLang="ja-JP" dirty="0" err="1" smtClean="0"/>
+              <a:t>CarName</a:t>
+            </a:r>
+            <a:r>
+              <a:rPr lang="en-US" altLang="ja-JP" dirty="0"/>
+              <a:t> </a:t>
+            </a:r>
+            <a:r>
+              <a:rPr lang="en-US" altLang="ja-JP" dirty="0" smtClean="0"/>
+              <a:t>[5], Price</a:t>
+            </a:r>
+            <a:r>
+              <a:rPr lang="ja-JP" altLang="en-US" dirty="0"/>
+              <a:t> </a:t>
+            </a:r>
+            <a:r>
+              <a:rPr lang="en-US" altLang="ja-JP" dirty="0" smtClean="0"/>
+              <a:t>[5]</a:t>
+            </a:r>
+          </a:p>
+          <a:p>
+            <a:r>
+              <a:rPr lang="ja-JP" altLang="en-US" dirty="0" smtClean="0"/>
+              <a:t>メソッド </a:t>
+            </a:r>
+            <a:r>
+              <a:rPr lang="en-US" altLang="ja-JP" dirty="0" smtClean="0"/>
+              <a:t>: </a:t>
+            </a:r>
+            <a:r>
+              <a:rPr lang="en-US" altLang="ja-JP" dirty="0" err="1" smtClean="0"/>
+              <a:t>AddCar</a:t>
+            </a:r>
+            <a:r>
+              <a:rPr lang="en-US" altLang="ja-JP" dirty="0" smtClean="0"/>
+              <a:t> </a:t>
+            </a:r>
+            <a:r>
+              <a:rPr lang="ja-JP" altLang="en-US" dirty="0" smtClean="0"/>
+              <a:t>車名と値段を引数にして、配列の末尾に追加 </a:t>
+            </a:r>
+            <a:r>
+              <a:rPr lang="ja-JP" altLang="en-US" dirty="0"/>
+              <a:t>既</a:t>
+            </a:r>
+            <a:r>
+              <a:rPr lang="ja-JP" altLang="en-US" dirty="0" smtClean="0"/>
+              <a:t>に</a:t>
+            </a:r>
+            <a:r>
+              <a:rPr lang="en-US" altLang="ja-JP" dirty="0" smtClean="0"/>
+              <a:t>5</a:t>
+            </a:r>
+            <a:r>
+              <a:rPr lang="ja-JP" altLang="en-US" dirty="0" smtClean="0"/>
+              <a:t>つ</a:t>
+            </a:r>
+            <a:r>
+              <a:rPr lang="en-US" altLang="ja-JP" dirty="0" smtClean="0"/>
+              <a:t>			</a:t>
+            </a:r>
+            <a:r>
+              <a:rPr lang="ja-JP" altLang="en-US" dirty="0" smtClean="0"/>
+              <a:t>登録されていた場合先頭要素を消去し、</a:t>
+            </a:r>
+            <a:r>
+              <a:rPr lang="en-US" altLang="ja-JP" dirty="0" err="1" smtClean="0"/>
+              <a:t>ArrayPack</a:t>
+            </a:r>
+            <a:r>
+              <a:rPr lang="ja-JP" altLang="en-US" dirty="0" smtClean="0"/>
+              <a:t>を</a:t>
+            </a:r>
+            <a:r>
+              <a:rPr lang="en-US" altLang="ja-JP" dirty="0" smtClean="0"/>
+              <a:t>			</a:t>
+            </a:r>
+            <a:r>
+              <a:rPr lang="ja-JP" altLang="en-US" dirty="0" smtClean="0"/>
+              <a:t>実行し、配列の末尾に要素を追加</a:t>
+            </a:r>
+            <a:endParaRPr lang="en-US" altLang="ja-JP" dirty="0" smtClean="0"/>
+          </a:p>
+          <a:p>
+            <a:pPr marL="0" indent="0">
+              <a:buNone/>
+            </a:pPr>
+            <a:r>
+              <a:rPr lang="en-US" altLang="ja-JP" dirty="0"/>
+              <a:t>	 </a:t>
+            </a:r>
+            <a:r>
+              <a:rPr lang="en-US" altLang="ja-JP" dirty="0" smtClean="0"/>
+              <a:t>    :</a:t>
+            </a:r>
+            <a:r>
+              <a:rPr lang="en-US" altLang="ja-JP" dirty="0" err="1" smtClean="0"/>
+              <a:t>DeleteCar</a:t>
+            </a:r>
+            <a:r>
+              <a:rPr lang="en-US" altLang="ja-JP" dirty="0" smtClean="0"/>
+              <a:t> </a:t>
+            </a:r>
+            <a:r>
+              <a:rPr lang="ja-JP" altLang="en-US" dirty="0" smtClean="0"/>
+              <a:t>番号の配列の要素を消去し、</a:t>
+            </a:r>
+            <a:r>
+              <a:rPr lang="en-US" altLang="ja-JP" dirty="0" err="1" smtClean="0"/>
+              <a:t>ArrayPack</a:t>
+            </a:r>
+            <a:r>
+              <a:rPr lang="ja-JP" altLang="en-US" dirty="0" smtClean="0"/>
+              <a:t>を</a:t>
+            </a:r>
+            <a:r>
+              <a:rPr lang="en-US" altLang="ja-JP" dirty="0" smtClean="0"/>
+              <a:t>			   </a:t>
+            </a:r>
+            <a:r>
+              <a:rPr lang="ja-JP" altLang="en-US" dirty="0" smtClean="0"/>
+              <a:t>　　　　　　　  実行</a:t>
+            </a:r>
+            <a:endParaRPr lang="en-US" altLang="ja-JP" dirty="0" smtClean="0"/>
+          </a:p>
+          <a:p>
+            <a:pPr marL="0" indent="0">
+              <a:buNone/>
+            </a:pPr>
+            <a:r>
+              <a:rPr lang="en-US" altLang="ja-JP" dirty="0"/>
+              <a:t>	 </a:t>
+            </a:r>
+            <a:r>
+              <a:rPr lang="en-US" altLang="ja-JP" dirty="0" smtClean="0"/>
+              <a:t>    :</a:t>
+            </a:r>
+            <a:r>
+              <a:rPr lang="en-US" altLang="ja-JP" dirty="0" err="1" smtClean="0"/>
+              <a:t>ShowCar</a:t>
+            </a:r>
+            <a:r>
+              <a:rPr lang="en-US" altLang="ja-JP" dirty="0" smtClean="0"/>
+              <a:t> 0</a:t>
+            </a:r>
+            <a:r>
+              <a:rPr lang="ja-JP" altLang="en-US" dirty="0" smtClean="0"/>
+              <a:t>～</a:t>
+            </a:r>
+            <a:r>
+              <a:rPr lang="en-US" altLang="ja-JP" dirty="0" smtClean="0"/>
+              <a:t>4</a:t>
+            </a:r>
+            <a:r>
+              <a:rPr lang="ja-JP" altLang="en-US" dirty="0" smtClean="0"/>
+              <a:t>の番号を付けて、全ての</a:t>
+            </a:r>
+            <a:r>
+              <a:rPr lang="en-US" altLang="ja-JP" dirty="0" err="1" smtClean="0"/>
+              <a:t>CarName</a:t>
+            </a:r>
+            <a:r>
+              <a:rPr lang="ja-JP" altLang="en-US" dirty="0" smtClean="0"/>
+              <a:t>と</a:t>
+            </a:r>
+            <a:r>
+              <a:rPr lang="en-US" altLang="ja-JP" dirty="0" smtClean="0"/>
+              <a:t>Price</a:t>
+            </a:r>
+            <a:r>
+              <a:rPr lang="ja-JP" altLang="en-US" dirty="0" smtClean="0"/>
+              <a:t>　　　　 </a:t>
+            </a:r>
+            <a:r>
+              <a:rPr lang="en-US" altLang="ja-JP" dirty="0" smtClean="0"/>
+              <a:t>			  </a:t>
+            </a:r>
+            <a:r>
+              <a:rPr lang="ja-JP" altLang="en-US" dirty="0" smtClean="0"/>
+              <a:t>を表示</a:t>
+            </a:r>
+            <a:endParaRPr lang="en-US" altLang="ja-JP" dirty="0" smtClean="0"/>
+          </a:p>
+          <a:p>
+            <a:r>
+              <a:rPr lang="ja-JP" altLang="en-US" dirty="0" smtClean="0"/>
+              <a:t>モジュール</a:t>
+            </a:r>
+            <a:r>
+              <a:rPr lang="en-US" altLang="ja-JP" dirty="0" smtClean="0"/>
+              <a:t>: </a:t>
+            </a:r>
+            <a:r>
+              <a:rPr lang="en-US" altLang="ja-JP" dirty="0" err="1" smtClean="0"/>
+              <a:t>ArrayPack</a:t>
+            </a:r>
+            <a:r>
+              <a:rPr lang="en-US" altLang="ja-JP" dirty="0" smtClean="0"/>
+              <a:t> :</a:t>
+            </a:r>
+            <a:r>
+              <a:rPr lang="ja-JP" altLang="en-US" dirty="0" smtClean="0"/>
+              <a:t>要素を前に詰めた配列を返す</a:t>
+            </a:r>
+            <a:endParaRPr lang="en-US" altLang="ja-JP" dirty="0" smtClean="0"/>
+          </a:p>
+          <a:p>
+            <a:pPr marL="0" indent="0">
+              <a:buNone/>
+            </a:pPr>
+            <a:r>
+              <a:rPr lang="ja-JP" altLang="en-US" dirty="0" smtClean="0"/>
+              <a:t>ループを回しキーボードから</a:t>
+            </a:r>
+            <a:r>
+              <a:rPr lang="en-US" altLang="ja-JP" dirty="0" smtClean="0"/>
+              <a:t>1</a:t>
+            </a:r>
+            <a:r>
+              <a:rPr lang="ja-JP" altLang="en-US" dirty="0" smtClean="0"/>
+              <a:t>～４の数字を受け以下のメソッドを実行</a:t>
+            </a:r>
+            <a:endParaRPr lang="en-US" altLang="ja-JP" dirty="0" smtClean="0"/>
+          </a:p>
+          <a:p>
+            <a:pPr marL="0" indent="0">
+              <a:buNone/>
+            </a:pPr>
+            <a:r>
+              <a:rPr lang="en-US" altLang="ja-JP" dirty="0" smtClean="0"/>
+              <a:t>1:</a:t>
+            </a:r>
+            <a:r>
+              <a:rPr lang="ja-JP" altLang="en-US" dirty="0" smtClean="0"/>
+              <a:t>車名と値段を入力して</a:t>
+            </a:r>
+            <a:r>
+              <a:rPr lang="en-US" altLang="ja-JP" dirty="0" err="1" smtClean="0"/>
+              <a:t>Addcar</a:t>
+            </a:r>
+            <a:r>
+              <a:rPr lang="ja-JP" altLang="en-US" dirty="0" smtClean="0"/>
+              <a:t>実行</a:t>
+            </a:r>
+            <a:r>
+              <a:rPr lang="en-US" altLang="ja-JP" dirty="0" smtClean="0"/>
+              <a:t> 2:</a:t>
+            </a:r>
+            <a:r>
+              <a:rPr lang="ja-JP" altLang="en-US" dirty="0" smtClean="0"/>
+              <a:t>番号を入力して</a:t>
+            </a:r>
+            <a:r>
+              <a:rPr lang="en-US" altLang="ja-JP" dirty="0" err="1" smtClean="0"/>
+              <a:t>DeleteCar</a:t>
+            </a:r>
+            <a:r>
+              <a:rPr lang="en-US" altLang="ja-JP" dirty="0" smtClean="0"/>
+              <a:t> </a:t>
+            </a:r>
+            <a:r>
+              <a:rPr lang="ja-JP" altLang="en-US" dirty="0" smtClean="0"/>
+              <a:t>実行</a:t>
+            </a:r>
+            <a:r>
+              <a:rPr lang="en-US" altLang="ja-JP" dirty="0" smtClean="0"/>
+              <a:t>3:ShowCar</a:t>
+            </a:r>
+            <a:r>
+              <a:rPr lang="ja-JP" altLang="en-US" dirty="0" smtClean="0"/>
+              <a:t>実行</a:t>
+            </a:r>
+            <a:r>
+              <a:rPr lang="en-US" altLang="ja-JP" dirty="0" smtClean="0"/>
+              <a:t> 4:</a:t>
+            </a:r>
+            <a:r>
+              <a:rPr lang="ja-JP" altLang="en-US" dirty="0" smtClean="0"/>
+              <a:t>ループ終了</a:t>
+            </a:r>
+            <a:endParaRPr lang="en-US" altLang="ja-JP" dirty="0" smtClean="0"/>
+          </a:p>
+          <a:p>
+            <a:endParaRPr kumimoji="1" lang="ja-JP" altLang="en-US" dirty="0"/>
+          </a:p>
+        </p:txBody>
+      </p:sp>
+    </p:spTree>
+    <p:extLst>
+      <p:ext uri="{BB962C8B-B14F-4D97-AF65-F5344CB8AC3E}">
+        <p14:creationId xmlns:p14="http://schemas.microsoft.com/office/powerpoint/2010/main" val="80313469"/>
+      </p:ext>
+    </p:extLst>
+  </p:cSld>
+  <p:clrMapOvr>
+    <a:masterClrMapping/>
+  </p:clrMapOvr>
+  <p:timing>
+    <p:tnLst>
+      <p:par>
+        <p:cTn id="1" dur="indefinite" restart="never" nodeType="tmRoot"/>
+      </p:par>
+    </p:tnLst>
+  </p:timing>
+</p:sld>
+</file>
+
+<file path=ppt/slides/slide4.xml><?xml version="1.0" encoding="utf-8"?>
+<p:sld xmlns:a="http://schemas.openxmlformats.org/drawingml/2006/main" xmlns:r="http://schemas.openxmlformats.org/officeDocument/2006/relationships" xmlns:p="http://schemas.openxmlformats.org/presentationml/2006/main">
+  <p:cSld>
+    <p:spTree>
+      <p:nvGrpSpPr>
+        <p:cNvPr id="1" name=""/>
+        <p:cNvGrpSpPr/>
+        <p:nvPr/>
+      </p:nvGrpSpPr>
+      <p:grpSpPr>
+        <a:xfrm>
+          <a:off x="0" y="0"/>
+          <a:ext cx="0" cy="0"/>
+          <a:chOff x="0" y="0"/>
+          <a:chExt cx="0" cy="0"/>
+        </a:xfrm>
+      </p:grpSpPr>
+      <p:sp>
+        <p:nvSpPr>
+          <p:cNvPr id="2" name="タイトル 1"/>
+          <p:cNvSpPr>
+            <a:spLocks noGrp="1"/>
+          </p:cNvSpPr>
+          <p:nvPr>
+            <p:ph type="title"/>
+          </p:nvPr>
+        </p:nvSpPr>
+        <p:spPr/>
+        <p:txBody>
+          <a:bodyPr/>
+          <a:lstStyle/>
+          <a:p>
+            <a:r>
+              <a:rPr kumimoji="1" lang="ja-JP" altLang="en-US" dirty="0" smtClean="0"/>
               <a:t>環境設定</a:t>
             </a:r>
             <a:endParaRPr kumimoji="1" lang="ja-JP" altLang="en-US" dirty="0"/>
@@ -5530,7 +9961,7 @@
 </p:sld>
 </file>
 
-<file path=ppt/slides/slide3.xml><?xml version="1.0" encoding="utf-8"?>
+<file path=ppt/slides/slide5.xml><?xml version="1.0" encoding="utf-8"?>
 <p:sld xmlns:a="http://schemas.openxmlformats.org/drawingml/2006/main" xmlns:r="http://schemas.openxmlformats.org/officeDocument/2006/relationships" xmlns:p="http://schemas.openxmlformats.org/presentationml/2006/main">
   <p:cSld>
     <p:spTree>
@@ -5746,7 +10177,7 @@
 </p:sld>
 </file>
 
-<file path=ppt/slides/slide4.xml><?xml version="1.0" encoding="utf-8"?>
+<file path=ppt/slides/slide6.xml><?xml version="1.0" encoding="utf-8"?>
 <p:sld xmlns:a="http://schemas.openxmlformats.org/drawingml/2006/main" xmlns:r="http://schemas.openxmlformats.org/officeDocument/2006/relationships" xmlns:p="http://schemas.openxmlformats.org/presentationml/2006/main">
   <p:cSld>
     <p:spTree>
@@ -5860,7 +10291,7 @@
 </p:sld>
 </file>
 
-<file path=ppt/slides/slide5.xml><?xml version="1.0" encoding="utf-8"?>
+<file path=ppt/slides/slide7.xml><?xml version="1.0" encoding="utf-8"?>
 <p:sld xmlns:a="http://schemas.openxmlformats.org/drawingml/2006/main" xmlns:r="http://schemas.openxmlformats.org/officeDocument/2006/relationships" xmlns:p="http://schemas.openxmlformats.org/presentationml/2006/main">
   <p:cSld>
     <p:spTree>
@@ -5979,7 +10410,7 @@
 </p:sld>
 </file>
 
-<file path=ppt/slides/slide6.xml><?xml version="1.0" encoding="utf-8"?>
+<file path=ppt/slides/slide8.xml><?xml version="1.0" encoding="utf-8"?>
 <p:sld xmlns:a="http://schemas.openxmlformats.org/drawingml/2006/main" xmlns:r="http://schemas.openxmlformats.org/officeDocument/2006/relationships" xmlns:p="http://schemas.openxmlformats.org/presentationml/2006/main">
   <p:cSld>
     <p:spTree>
@@ -6106,7 +10537,7 @@
 </p:sld>
 </file>
 
-<file path=ppt/slides/slide7.xml><?xml version="1.0" encoding="utf-8"?>
+<file path=ppt/slides/slide9.xml><?xml version="1.0" encoding="utf-8"?>
 <p:sld xmlns:a="http://schemas.openxmlformats.org/drawingml/2006/main" xmlns:r="http://schemas.openxmlformats.org/officeDocument/2006/relationships" xmlns:p="http://schemas.openxmlformats.org/presentationml/2006/main">
   <p:cSld>
     <p:spTree>
@@ -6200,350 +10631,6 @@
     <p:extLst>
       <p:ext uri="{BB962C8B-B14F-4D97-AF65-F5344CB8AC3E}">
         <p14:creationId xmlns:p14="http://schemas.microsoft.com/office/powerpoint/2010/main" val="3388857395"/>
-      </p:ext>
-    </p:extLst>
-  </p:cSld>
-  <p:clrMapOvr>
-    <a:masterClrMapping/>
-  </p:clrMapOvr>
-  <p:timing>
-    <p:tnLst>
-      <p:par>
-        <p:cTn id="1" dur="indefinite" restart="never" nodeType="tmRoot"/>
-      </p:par>
-    </p:tnLst>
-  </p:timing>
-</p:sld>
-</file>
-
-<file path=ppt/slides/slide8.xml><?xml version="1.0" encoding="utf-8"?>
-<p:sld xmlns:a="http://schemas.openxmlformats.org/drawingml/2006/main" xmlns:r="http://schemas.openxmlformats.org/officeDocument/2006/relationships" xmlns:p="http://schemas.openxmlformats.org/presentationml/2006/main">
-  <p:cSld>
-    <p:spTree>
-      <p:nvGrpSpPr>
-        <p:cNvPr id="1" name=""/>
-        <p:cNvGrpSpPr/>
-        <p:nvPr/>
-      </p:nvGrpSpPr>
-      <p:grpSpPr>
-        <a:xfrm>
-          <a:off x="0" y="0"/>
-          <a:ext cx="0" cy="0"/>
-          <a:chOff x="0" y="0"/>
-          <a:chExt cx="0" cy="0"/>
-        </a:xfrm>
-      </p:grpSpPr>
-      <p:sp>
-        <p:nvSpPr>
-          <p:cNvPr id="2" name="タイトル 1"/>
-          <p:cNvSpPr>
-            <a:spLocks noGrp="1"/>
-          </p:cNvSpPr>
-          <p:nvPr>
-            <p:ph type="title"/>
-          </p:nvPr>
-        </p:nvSpPr>
-        <p:spPr/>
-        <p:txBody>
-          <a:bodyPr/>
-          <a:lstStyle/>
-          <a:p>
-            <a:r>
-              <a:rPr kumimoji="1" lang="en-US" altLang="ja-JP" dirty="0" smtClean="0"/>
-              <a:t>Ruby</a:t>
-            </a:r>
-            <a:r>
-              <a:rPr lang="ja-JP" altLang="en-US" dirty="0"/>
-              <a:t>特徴</a:t>
-            </a:r>
-            <a:endParaRPr kumimoji="1" lang="ja-JP" altLang="en-US" dirty="0"/>
-          </a:p>
-        </p:txBody>
-      </p:sp>
-      <p:sp>
-        <p:nvSpPr>
-          <p:cNvPr id="3" name="コンテンツ プレースホルダー 2"/>
-          <p:cNvSpPr>
-            <a:spLocks noGrp="1"/>
-          </p:cNvSpPr>
-          <p:nvPr>
-            <p:ph idx="1"/>
-          </p:nvPr>
-        </p:nvSpPr>
-        <p:spPr>
-          <a:xfrm>
-            <a:off x="838200" y="1454046"/>
-            <a:ext cx="10515600" cy="5403953"/>
-          </a:xfrm>
-        </p:spPr>
-        <p:txBody>
-          <a:bodyPr>
-            <a:normAutofit/>
-          </a:bodyPr>
-          <a:lstStyle/>
-          <a:p>
-            <a:r>
-              <a:rPr lang="ja-JP" altLang="en-US" sz="3600" dirty="0"/>
-              <a:t>インタプリタ</a:t>
-            </a:r>
-            <a:r>
-              <a:rPr lang="ja-JP" altLang="en-US" sz="3600" dirty="0" smtClean="0"/>
-              <a:t>言語</a:t>
-            </a:r>
-            <a:endParaRPr lang="en-US" altLang="ja-JP" sz="3600" dirty="0" smtClean="0"/>
-          </a:p>
-          <a:p>
-            <a:pPr lvl="1"/>
-            <a:r>
-              <a:rPr lang="ja-JP" altLang="en-US" sz="3200" dirty="0"/>
-              <a:t>ソースコードはコンパイルせずに実行することが</a:t>
-            </a:r>
-            <a:r>
-              <a:rPr lang="ja-JP" altLang="en-US" sz="3200" dirty="0" smtClean="0"/>
-              <a:t>できる</a:t>
-            </a:r>
-            <a:endParaRPr kumimoji="1" lang="en-US" altLang="ja-JP" sz="3600" dirty="0"/>
-          </a:p>
-          <a:p>
-            <a:endParaRPr lang="en-US" altLang="ja-JP" sz="3600" dirty="0" smtClean="0"/>
-          </a:p>
-          <a:p>
-            <a:r>
-              <a:rPr lang="ja-JP" altLang="en-US" sz="3600" dirty="0" smtClean="0"/>
-              <a:t>オブジェクト指向</a:t>
-            </a:r>
-            <a:endParaRPr lang="en-US" altLang="ja-JP" sz="3600" dirty="0" smtClean="0"/>
-          </a:p>
-          <a:p>
-            <a:endParaRPr lang="en-US" altLang="ja-JP" sz="3600" dirty="0"/>
-          </a:p>
-          <a:p>
-            <a:r>
-              <a:rPr lang="ja-JP" altLang="en-US" sz="3600" dirty="0" smtClean="0"/>
-              <a:t>強い動的型付け言語</a:t>
-            </a:r>
-            <a:endParaRPr lang="en-US" altLang="ja-JP" sz="3600" dirty="0"/>
-          </a:p>
-          <a:p>
-            <a:pPr lvl="1" algn="just"/>
-            <a:r>
-              <a:rPr lang="en-US" altLang="ja-JP" sz="3200" dirty="0"/>
-              <a:t>Ruby </a:t>
-            </a:r>
-            <a:r>
-              <a:rPr lang="ja-JP" altLang="en-US" sz="3200" dirty="0"/>
-              <a:t>の変数にはどのような型の値でも代入すること</a:t>
-            </a:r>
-            <a:r>
-              <a:rPr lang="ja-JP" altLang="en-US" sz="3200" dirty="0" smtClean="0"/>
-              <a:t>ができる</a:t>
-            </a:r>
-            <a:endParaRPr lang="en-US" altLang="ja-JP" sz="3200" dirty="0" smtClean="0"/>
-          </a:p>
-          <a:p>
-            <a:endParaRPr lang="en-US" altLang="ja-JP" sz="3600" dirty="0"/>
-          </a:p>
-          <a:p>
-            <a:endParaRPr kumimoji="1" lang="en-US" altLang="ja-JP" sz="3600" dirty="0" smtClean="0"/>
-          </a:p>
-          <a:p>
-            <a:endParaRPr kumimoji="1" lang="ja-JP" altLang="en-US" sz="3600" dirty="0"/>
-          </a:p>
-        </p:txBody>
-      </p:sp>
-    </p:spTree>
-    <p:extLst>
-      <p:ext uri="{BB962C8B-B14F-4D97-AF65-F5344CB8AC3E}">
-        <p14:creationId xmlns:p14="http://schemas.microsoft.com/office/powerpoint/2010/main" val="2730338146"/>
-      </p:ext>
-    </p:extLst>
-  </p:cSld>
-  <p:clrMapOvr>
-    <a:masterClrMapping/>
-  </p:clrMapOvr>
-  <p:timing>
-    <p:tnLst>
-      <p:par>
-        <p:cTn id="1" dur="indefinite" restart="never" nodeType="tmRoot"/>
-      </p:par>
-    </p:tnLst>
-  </p:timing>
-</p:sld>
-</file>
-
-<file path=ppt/slides/slide9.xml><?xml version="1.0" encoding="utf-8"?>
-<p:sld xmlns:a="http://schemas.openxmlformats.org/drawingml/2006/main" xmlns:r="http://schemas.openxmlformats.org/officeDocument/2006/relationships" xmlns:p="http://schemas.openxmlformats.org/presentationml/2006/main">
-  <p:cSld>
-    <p:spTree>
-      <p:nvGrpSpPr>
-        <p:cNvPr id="1" name=""/>
-        <p:cNvGrpSpPr/>
-        <p:nvPr/>
-      </p:nvGrpSpPr>
-      <p:grpSpPr>
-        <a:xfrm>
-          <a:off x="0" y="0"/>
-          <a:ext cx="0" cy="0"/>
-          <a:chOff x="0" y="0"/>
-          <a:chExt cx="0" cy="0"/>
-        </a:xfrm>
-      </p:grpSpPr>
-      <p:sp>
-        <p:nvSpPr>
-          <p:cNvPr id="2" name="タイトル 1"/>
-          <p:cNvSpPr>
-            <a:spLocks noGrp="1"/>
-          </p:cNvSpPr>
-          <p:nvPr>
-            <p:ph type="title"/>
-          </p:nvPr>
-        </p:nvSpPr>
-        <p:spPr/>
-        <p:txBody>
-          <a:bodyPr/>
-          <a:lstStyle/>
-          <a:p>
-            <a:r>
-              <a:rPr kumimoji="1" lang="ja-JP" altLang="en-US" dirty="0" smtClean="0"/>
-              <a:t>変数宣言</a:t>
-            </a:r>
-            <a:endParaRPr kumimoji="1" lang="ja-JP" altLang="en-US" dirty="0"/>
-          </a:p>
-        </p:txBody>
-      </p:sp>
-      <p:sp>
-        <p:nvSpPr>
-          <p:cNvPr id="3" name="コンテンツ プレースホルダー 2"/>
-          <p:cNvSpPr>
-            <a:spLocks noGrp="1"/>
-          </p:cNvSpPr>
-          <p:nvPr>
-            <p:ph idx="1"/>
-          </p:nvPr>
-        </p:nvSpPr>
-        <p:spPr/>
-        <p:txBody>
-          <a:bodyPr>
-            <a:normAutofit/>
-          </a:bodyPr>
-          <a:lstStyle/>
-          <a:p>
-            <a:pPr marL="0" indent="0">
-              <a:buNone/>
-            </a:pPr>
-            <a:r>
-              <a:rPr lang="en-US" altLang="ja-JP" dirty="0"/>
-              <a:t># -*- coding: </a:t>
-            </a:r>
-            <a:r>
-              <a:rPr lang="en-US" altLang="ja-JP" dirty="0" err="1"/>
-              <a:t>shift_jis</a:t>
-            </a:r>
-            <a:r>
-              <a:rPr lang="en-US" altLang="ja-JP" dirty="0"/>
-              <a:t> -*-</a:t>
-            </a:r>
-          </a:p>
-          <a:p>
-            <a:pPr marL="0" indent="0">
-              <a:buNone/>
-            </a:pPr>
-            <a:endParaRPr lang="en-US" altLang="ja-JP" dirty="0"/>
-          </a:p>
-          <a:p>
-            <a:pPr marL="0" indent="0">
-              <a:buNone/>
-            </a:pPr>
-            <a:r>
-              <a:rPr lang="en-US" altLang="ja-JP" dirty="0"/>
-              <a:t>#</a:t>
-            </a:r>
-            <a:r>
-              <a:rPr lang="ja-JP" altLang="en-US" dirty="0"/>
-              <a:t>変数宣言</a:t>
-            </a:r>
-          </a:p>
-          <a:p>
-            <a:pPr marL="0" indent="0">
-              <a:buNone/>
-            </a:pPr>
-            <a:r>
-              <a:rPr lang="en-US" altLang="ja-JP" dirty="0"/>
-              <a:t>x=5.0</a:t>
-            </a:r>
-          </a:p>
-          <a:p>
-            <a:pPr marL="0" indent="0">
-              <a:buNone/>
-            </a:pPr>
-            <a:r>
-              <a:rPr lang="en-US" altLang="ja-JP" dirty="0"/>
-              <a:t>y=9.0</a:t>
-            </a:r>
-          </a:p>
-          <a:p>
-            <a:pPr marL="0" indent="0">
-              <a:buNone/>
-            </a:pPr>
-            <a:endParaRPr lang="en-US" altLang="ja-JP" dirty="0"/>
-          </a:p>
-          <a:p>
-            <a:pPr marL="0" indent="0">
-              <a:buNone/>
-            </a:pPr>
-            <a:r>
-              <a:rPr lang="en-US" altLang="ja-JP" dirty="0"/>
-              <a:t>mean=(</a:t>
-            </a:r>
-            <a:r>
-              <a:rPr lang="en-US" altLang="ja-JP" dirty="0" err="1"/>
-              <a:t>x+y</a:t>
-            </a:r>
-            <a:r>
-              <a:rPr lang="en-US" altLang="ja-JP" dirty="0"/>
-              <a:t>)/2</a:t>
-            </a:r>
-          </a:p>
-          <a:p>
-            <a:pPr marL="0" indent="0">
-              <a:buNone/>
-            </a:pPr>
-            <a:r>
-              <a:rPr lang="en-US" altLang="ja-JP" dirty="0"/>
-              <a:t>puts("#{x}</a:t>
-            </a:r>
-            <a:r>
-              <a:rPr lang="ja-JP" altLang="en-US" dirty="0"/>
-              <a:t>と</a:t>
-            </a:r>
-            <a:r>
-              <a:rPr lang="en-US" altLang="ja-JP" dirty="0"/>
-              <a:t>#{y}</a:t>
-            </a:r>
-            <a:r>
-              <a:rPr lang="ja-JP" altLang="en-US" dirty="0"/>
-              <a:t>の平均は</a:t>
-            </a:r>
-            <a:r>
-              <a:rPr lang="en-US" altLang="ja-JP" dirty="0"/>
-              <a:t>#{mean}</a:t>
-            </a:r>
-            <a:r>
-              <a:rPr lang="ja-JP" altLang="en-US" dirty="0"/>
-              <a:t>である</a:t>
-            </a:r>
-            <a:r>
-              <a:rPr lang="en-US" altLang="ja-JP" dirty="0"/>
-              <a:t>.")</a:t>
-            </a:r>
-            <a:endParaRPr kumimoji="1" lang="ja-JP" altLang="en-US" dirty="0"/>
-          </a:p>
-        </p:txBody>
-      </p:sp>
-    </p:spTree>
-    <p:extLst>
-      <p:ext uri="{BB962C8B-B14F-4D97-AF65-F5344CB8AC3E}">
-        <p14:creationId xmlns:p14="http://schemas.microsoft.com/office/powerpoint/2010/main" val="917073752"/>
       </p:ext>
     </p:extLst>
   </p:cSld>
